--- a/Презентация.pptx
+++ b/Презентация.pptx
@@ -2,7 +2,7 @@
 <file path=ppt/presentation.xml><?xml version="1.0" encoding="utf-8"?>
 <p:presentation xmlns:a="http://schemas.openxmlformats.org/drawingml/2006/main" xmlns:r="http://schemas.openxmlformats.org/officeDocument/2006/relationships" xmlns:p="http://schemas.openxmlformats.org/presentationml/2006/main" saveSubsetFonts="1">
   <p:sldMasterIdLst>
-    <p:sldMasterId id="2147483648" r:id="rId1"/>
+    <p:sldMasterId id="2147483660" r:id="rId1"/>
   </p:sldMasterIdLst>
   <p:sldIdLst>
     <p:sldId id="256" r:id="rId2"/>
@@ -11,9 +11,9 @@
   <p:notesSz cx="6858000" cy="9144000"/>
   <p:defaultTextStyle>
     <a:defPPr>
-      <a:defRPr lang="ru-RU"/>
+      <a:defRPr lang="en-US"/>
     </a:defPPr>
-    <a:lvl1pPr marL="0" algn="l" defTabSz="914400" rtl="0" eaLnBrk="1" latinLnBrk="0" hangingPunct="1">
+    <a:lvl1pPr marL="0" algn="l" defTabSz="457200" rtl="0" eaLnBrk="1" latinLnBrk="0" hangingPunct="1">
       <a:defRPr sz="1800" kern="1200">
         <a:solidFill>
           <a:schemeClr val="tx1"/>
@@ -23,7 +23,7 @@
         <a:cs typeface="+mn-cs"/>
       </a:defRPr>
     </a:lvl1pPr>
-    <a:lvl2pPr marL="457200" algn="l" defTabSz="914400" rtl="0" eaLnBrk="1" latinLnBrk="0" hangingPunct="1">
+    <a:lvl2pPr marL="457200" algn="l" defTabSz="457200" rtl="0" eaLnBrk="1" latinLnBrk="0" hangingPunct="1">
       <a:defRPr sz="1800" kern="1200">
         <a:solidFill>
           <a:schemeClr val="tx1"/>
@@ -33,7 +33,7 @@
         <a:cs typeface="+mn-cs"/>
       </a:defRPr>
     </a:lvl2pPr>
-    <a:lvl3pPr marL="914400" algn="l" defTabSz="914400" rtl="0" eaLnBrk="1" latinLnBrk="0" hangingPunct="1">
+    <a:lvl3pPr marL="914400" algn="l" defTabSz="457200" rtl="0" eaLnBrk="1" latinLnBrk="0" hangingPunct="1">
       <a:defRPr sz="1800" kern="1200">
         <a:solidFill>
           <a:schemeClr val="tx1"/>
@@ -43,7 +43,7 @@
         <a:cs typeface="+mn-cs"/>
       </a:defRPr>
     </a:lvl3pPr>
-    <a:lvl4pPr marL="1371600" algn="l" defTabSz="914400" rtl="0" eaLnBrk="1" latinLnBrk="0" hangingPunct="1">
+    <a:lvl4pPr marL="1371600" algn="l" defTabSz="457200" rtl="0" eaLnBrk="1" latinLnBrk="0" hangingPunct="1">
       <a:defRPr sz="1800" kern="1200">
         <a:solidFill>
           <a:schemeClr val="tx1"/>
@@ -53,7 +53,7 @@
         <a:cs typeface="+mn-cs"/>
       </a:defRPr>
     </a:lvl4pPr>
-    <a:lvl5pPr marL="1828800" algn="l" defTabSz="914400" rtl="0" eaLnBrk="1" latinLnBrk="0" hangingPunct="1">
+    <a:lvl5pPr marL="1828800" algn="l" defTabSz="457200" rtl="0" eaLnBrk="1" latinLnBrk="0" hangingPunct="1">
       <a:defRPr sz="1800" kern="1200">
         <a:solidFill>
           <a:schemeClr val="tx1"/>
@@ -63,7 +63,7 @@
         <a:cs typeface="+mn-cs"/>
       </a:defRPr>
     </a:lvl5pPr>
-    <a:lvl6pPr marL="2286000" algn="l" defTabSz="914400" rtl="0" eaLnBrk="1" latinLnBrk="0" hangingPunct="1">
+    <a:lvl6pPr marL="2286000" algn="l" defTabSz="457200" rtl="0" eaLnBrk="1" latinLnBrk="0" hangingPunct="1">
       <a:defRPr sz="1800" kern="1200">
         <a:solidFill>
           <a:schemeClr val="tx1"/>
@@ -73,7 +73,7 @@
         <a:cs typeface="+mn-cs"/>
       </a:defRPr>
     </a:lvl6pPr>
-    <a:lvl7pPr marL="2743200" algn="l" defTabSz="914400" rtl="0" eaLnBrk="1" latinLnBrk="0" hangingPunct="1">
+    <a:lvl7pPr marL="2743200" algn="l" defTabSz="457200" rtl="0" eaLnBrk="1" latinLnBrk="0" hangingPunct="1">
       <a:defRPr sz="1800" kern="1200">
         <a:solidFill>
           <a:schemeClr val="tx1"/>
@@ -83,7 +83,7 @@
         <a:cs typeface="+mn-cs"/>
       </a:defRPr>
     </a:lvl7pPr>
-    <a:lvl8pPr marL="3200400" algn="l" defTabSz="914400" rtl="0" eaLnBrk="1" latinLnBrk="0" hangingPunct="1">
+    <a:lvl8pPr marL="3200400" algn="l" defTabSz="457200" rtl="0" eaLnBrk="1" latinLnBrk="0" hangingPunct="1">
       <a:defRPr sz="1800" kern="1200">
         <a:solidFill>
           <a:schemeClr val="tx1"/>
@@ -93,7 +93,7 @@
         <a:cs typeface="+mn-cs"/>
       </a:defRPr>
     </a:lvl8pPr>
-    <a:lvl9pPr marL="3657600" algn="l" defTabSz="914400" rtl="0" eaLnBrk="1" latinLnBrk="0" hangingPunct="1">
+    <a:lvl9pPr marL="3657600" algn="l" defTabSz="457200" rtl="0" eaLnBrk="1" latinLnBrk="0" hangingPunct="1">
       <a:defRPr sz="1800" kern="1200">
         <a:solidFill>
           <a:schemeClr val="tx1"/>
@@ -104,6 +104,11 @@
       </a:defRPr>
     </a:lvl9pPr>
   </p:defaultTextStyle>
+  <p:extLst>
+    <p:ext uri="{EFAFB233-063F-42B5-8137-9DF3F51BA10A}">
+      <p15:sldGuideLst xmlns:p15="http://schemas.microsoft.com/office/powerpoint/2012/main"/>
+    </p:ext>
+  </p:extLst>
 </p:presentation>
 </file>
 
@@ -126,13 +131,7 @@
       </p:grpSpPr>
       <p:sp>
         <p:nvSpPr>
-          <p:cNvPr id="2" name="Заголовок 1">
-            <a:extLst>
-              <a:ext uri="{FF2B5EF4-FFF2-40B4-BE49-F238E27FC236}">
-                <a16:creationId xmlns:a16="http://schemas.microsoft.com/office/drawing/2014/main" id="{30DC28DA-ABB8-C522-5575-BF9C09B8B195}"/>
-              </a:ext>
-            </a:extLst>
-          </p:cNvPr>
+          <p:cNvPr id="2" name="Title 1"/>
           <p:cNvSpPr>
             <a:spLocks noGrp="1"/>
           </p:cNvSpPr>
@@ -142,15 +141,15 @@
         </p:nvSpPr>
         <p:spPr>
           <a:xfrm>
-            <a:off x="1524000" y="1122363"/>
-            <a:ext cx="9144000" cy="2387600"/>
+            <a:off x="1154955" y="1447800"/>
+            <a:ext cx="8825658" cy="3329581"/>
           </a:xfrm>
         </p:spPr>
         <p:txBody>
           <a:bodyPr anchor="b"/>
           <a:lstStyle>
-            <a:lvl1pPr algn="ctr">
-              <a:defRPr sz="6000"/>
+            <a:lvl1pPr>
+              <a:defRPr sz="7200"/>
             </a:lvl1pPr>
           </a:lstStyle>
           <a:p>
@@ -158,18 +157,13 @@
               <a:rPr lang="ru-RU"/>
               <a:t>Образец заголовка</a:t>
             </a:r>
-          </a:p>
-        </p:txBody>
-      </p:sp>
-      <p:sp>
-        <p:nvSpPr>
-          <p:cNvPr id="3" name="Подзаголовок 2">
-            <a:extLst>
-              <a:ext uri="{FF2B5EF4-FFF2-40B4-BE49-F238E27FC236}">
-                <a16:creationId xmlns:a16="http://schemas.microsoft.com/office/drawing/2014/main" id="{0544DE38-0FC6-792B-52CE-DC8EFA4F16CE}"/>
-              </a:ext>
-            </a:extLst>
-          </p:cNvPr>
+            <a:endParaRPr lang="en-US" dirty="0"/>
+          </a:p>
+        </p:txBody>
+      </p:sp>
+      <p:sp>
+        <p:nvSpPr>
+          <p:cNvPr id="3" name="Subtitle 2"/>
           <p:cNvSpPr>
             <a:spLocks noGrp="1"/>
           </p:cNvSpPr>
@@ -179,48 +173,103 @@
         </p:nvSpPr>
         <p:spPr>
           <a:xfrm>
-            <a:off x="1524000" y="3602038"/>
-            <a:ext cx="9144000" cy="1655762"/>
+            <a:off x="1154955" y="4777380"/>
+            <a:ext cx="8825658" cy="861420"/>
           </a:xfrm>
         </p:spPr>
         <p:txBody>
-          <a:bodyPr/>
+          <a:bodyPr anchor="t"/>
           <a:lstStyle>
-            <a:lvl1pPr marL="0" indent="0" algn="ctr">
-              <a:buNone/>
-              <a:defRPr sz="2400"/>
+            <a:lvl1pPr marL="0" indent="0" algn="l">
+              <a:buNone/>
+              <a:defRPr cap="all">
+                <a:solidFill>
+                  <a:schemeClr val="bg2">
+                    <a:lumMod val="40000"/>
+                    <a:lumOff val="60000"/>
+                  </a:schemeClr>
+                </a:solidFill>
+              </a:defRPr>
             </a:lvl1pPr>
             <a:lvl2pPr marL="457200" indent="0" algn="ctr">
               <a:buNone/>
-              <a:defRPr sz="2000"/>
+              <a:defRPr>
+                <a:solidFill>
+                  <a:schemeClr val="tx1">
+                    <a:tint val="75000"/>
+                  </a:schemeClr>
+                </a:solidFill>
+              </a:defRPr>
             </a:lvl2pPr>
             <a:lvl3pPr marL="914400" indent="0" algn="ctr">
               <a:buNone/>
-              <a:defRPr sz="1800"/>
+              <a:defRPr>
+                <a:solidFill>
+                  <a:schemeClr val="tx1">
+                    <a:tint val="75000"/>
+                  </a:schemeClr>
+                </a:solidFill>
+              </a:defRPr>
             </a:lvl3pPr>
             <a:lvl4pPr marL="1371600" indent="0" algn="ctr">
               <a:buNone/>
-              <a:defRPr sz="1600"/>
+              <a:defRPr>
+                <a:solidFill>
+                  <a:schemeClr val="tx1">
+                    <a:tint val="75000"/>
+                  </a:schemeClr>
+                </a:solidFill>
+              </a:defRPr>
             </a:lvl4pPr>
             <a:lvl5pPr marL="1828800" indent="0" algn="ctr">
               <a:buNone/>
-              <a:defRPr sz="1600"/>
+              <a:defRPr>
+                <a:solidFill>
+                  <a:schemeClr val="tx1">
+                    <a:tint val="75000"/>
+                  </a:schemeClr>
+                </a:solidFill>
+              </a:defRPr>
             </a:lvl5pPr>
             <a:lvl6pPr marL="2286000" indent="0" algn="ctr">
               <a:buNone/>
-              <a:defRPr sz="1600"/>
+              <a:defRPr>
+                <a:solidFill>
+                  <a:schemeClr val="tx1">
+                    <a:tint val="75000"/>
+                  </a:schemeClr>
+                </a:solidFill>
+              </a:defRPr>
             </a:lvl6pPr>
             <a:lvl7pPr marL="2743200" indent="0" algn="ctr">
               <a:buNone/>
-              <a:defRPr sz="1600"/>
+              <a:defRPr>
+                <a:solidFill>
+                  <a:schemeClr val="tx1">
+                    <a:tint val="75000"/>
+                  </a:schemeClr>
+                </a:solidFill>
+              </a:defRPr>
             </a:lvl7pPr>
             <a:lvl8pPr marL="3200400" indent="0" algn="ctr">
               <a:buNone/>
-              <a:defRPr sz="1600"/>
+              <a:defRPr>
+                <a:solidFill>
+                  <a:schemeClr val="tx1">
+                    <a:tint val="75000"/>
+                  </a:schemeClr>
+                </a:solidFill>
+              </a:defRPr>
             </a:lvl8pPr>
             <a:lvl9pPr marL="3657600" indent="0" algn="ctr">
               <a:buNone/>
-              <a:defRPr sz="1600"/>
+              <a:defRPr>
+                <a:solidFill>
+                  <a:schemeClr val="tx1">
+                    <a:tint val="75000"/>
+                  </a:schemeClr>
+                </a:solidFill>
+              </a:defRPr>
             </a:lvl9pPr>
           </a:lstStyle>
           <a:p>
@@ -228,18 +277,13 @@
               <a:rPr lang="ru-RU"/>
               <a:t>Образец подзаголовка</a:t>
             </a:r>
-          </a:p>
-        </p:txBody>
-      </p:sp>
-      <p:sp>
-        <p:nvSpPr>
-          <p:cNvPr id="4" name="Дата 3">
-            <a:extLst>
-              <a:ext uri="{FF2B5EF4-FFF2-40B4-BE49-F238E27FC236}">
-                <a16:creationId xmlns:a16="http://schemas.microsoft.com/office/drawing/2014/main" id="{7EB7683A-78F8-D915-30FA-C760DA125CAA}"/>
-              </a:ext>
-            </a:extLst>
-          </p:cNvPr>
+            <a:endParaRPr lang="en-US" dirty="0"/>
+          </a:p>
+        </p:txBody>
+      </p:sp>
+      <p:sp>
+        <p:nvSpPr>
+          <p:cNvPr id="4" name="Date Placeholder 3"/>
           <p:cNvSpPr>
             <a:spLocks noGrp="1"/>
           </p:cNvSpPr>
@@ -262,13 +306,7 @@
       </p:sp>
       <p:sp>
         <p:nvSpPr>
-          <p:cNvPr id="5" name="Нижний колонтитул 4">
-            <a:extLst>
-              <a:ext uri="{FF2B5EF4-FFF2-40B4-BE49-F238E27FC236}">
-                <a16:creationId xmlns:a16="http://schemas.microsoft.com/office/drawing/2014/main" id="{5E0F74C5-5EF8-474C-52AF-44423656020B}"/>
-              </a:ext>
-            </a:extLst>
-          </p:cNvPr>
+          <p:cNvPr id="5" name="Footer Placeholder 4"/>
           <p:cNvSpPr>
             <a:spLocks noGrp="1"/>
           </p:cNvSpPr>
@@ -287,13 +325,7 @@
       </p:sp>
       <p:sp>
         <p:nvSpPr>
-          <p:cNvPr id="6" name="Номер слайда 5">
-            <a:extLst>
-              <a:ext uri="{FF2B5EF4-FFF2-40B4-BE49-F238E27FC236}">
-                <a16:creationId xmlns:a16="http://schemas.microsoft.com/office/drawing/2014/main" id="{148FEC03-BDF6-4C8E-8DA3-8CA432B28251}"/>
-              </a:ext>
-            </a:extLst>
-          </p:cNvPr>
+          <p:cNvPr id="6" name="Slide Number Placeholder 5"/>
           <p:cNvSpPr>
             <a:spLocks noGrp="1"/>
           </p:cNvSpPr>
@@ -317,7 +349,7 @@
     </p:spTree>
     <p:extLst>
       <p:ext uri="{BB962C8B-B14F-4D97-AF65-F5344CB8AC3E}">
-        <p14:creationId xmlns:p14="http://schemas.microsoft.com/office/powerpoint/2010/main" val="3176848695"/>
+        <p14:creationId xmlns:p14="http://schemas.microsoft.com/office/powerpoint/2010/main" val="303389480"/>
       </p:ext>
     </p:extLst>
   </p:cSld>
@@ -328,6 +360,2572 @@
 </file>
 
 <file path=ppt/slideLayouts/slideLayout10.xml><?xml version="1.0" encoding="utf-8"?>
+<p:sldLayout xmlns:a="http://schemas.openxmlformats.org/drawingml/2006/main" xmlns:r="http://schemas.openxmlformats.org/officeDocument/2006/relationships" xmlns:p="http://schemas.openxmlformats.org/presentationml/2006/main" preserve="1">
+  <p:cSld name="Панорамная фотография с подписью">
+    <p:spTree>
+      <p:nvGrpSpPr>
+        <p:cNvPr id="1" name=""/>
+        <p:cNvGrpSpPr/>
+        <p:nvPr/>
+      </p:nvGrpSpPr>
+      <p:grpSpPr>
+        <a:xfrm>
+          <a:off x="0" y="0"/>
+          <a:ext cx="0" cy="0"/>
+          <a:chOff x="0" y="0"/>
+          <a:chExt cx="0" cy="0"/>
+        </a:xfrm>
+      </p:grpSpPr>
+      <p:sp>
+        <p:nvSpPr>
+          <p:cNvPr id="2" name="Title 1"/>
+          <p:cNvSpPr>
+            <a:spLocks noGrp="1"/>
+          </p:cNvSpPr>
+          <p:nvPr>
+            <p:ph type="title"/>
+          </p:nvPr>
+        </p:nvSpPr>
+        <p:spPr>
+          <a:xfrm>
+            <a:off x="1154956" y="4800587"/>
+            <a:ext cx="8825657" cy="566738"/>
+          </a:xfrm>
+        </p:spPr>
+        <p:txBody>
+          <a:bodyPr anchor="b">
+            <a:normAutofit/>
+          </a:bodyPr>
+          <a:lstStyle>
+            <a:lvl1pPr algn="l">
+              <a:defRPr sz="2400" b="0"/>
+            </a:lvl1pPr>
+          </a:lstStyle>
+          <a:p>
+            <a:r>
+              <a:rPr lang="ru-RU"/>
+              <a:t>Образец заголовка</a:t>
+            </a:r>
+            <a:endParaRPr lang="en-US" dirty="0"/>
+          </a:p>
+        </p:txBody>
+      </p:sp>
+      <p:sp>
+        <p:nvSpPr>
+          <p:cNvPr id="3" name="Picture Placeholder 2"/>
+          <p:cNvSpPr>
+            <a:spLocks noGrp="1" noChangeAspect="1"/>
+          </p:cNvSpPr>
+          <p:nvPr>
+            <p:ph type="pic" idx="1"/>
+          </p:nvPr>
+        </p:nvSpPr>
+        <p:spPr>
+          <a:xfrm>
+            <a:off x="1154955" y="685800"/>
+            <a:ext cx="8825658" cy="3640666"/>
+          </a:xfrm>
+          <a:prstGeom prst="roundRect">
+            <a:avLst>
+              <a:gd name="adj" fmla="val 1858"/>
+            </a:avLst>
+          </a:prstGeom>
+          <a:effectLst>
+            <a:outerShdw blurRad="50800" dist="50800" dir="5400000" algn="tl" rotWithShape="0">
+              <a:srgbClr val="000000">
+                <a:alpha val="43000"/>
+              </a:srgbClr>
+            </a:outerShdw>
+          </a:effectLst>
+        </p:spPr>
+        <p:txBody>
+          <a:bodyPr anchor="t">
+            <a:normAutofit/>
+          </a:bodyPr>
+          <a:lstStyle>
+            <a:lvl1pPr marL="0" indent="0" algn="ctr">
+              <a:buNone/>
+              <a:defRPr sz="1600"/>
+            </a:lvl1pPr>
+            <a:lvl2pPr marL="457200" indent="0">
+              <a:buNone/>
+              <a:defRPr sz="1600"/>
+            </a:lvl2pPr>
+            <a:lvl3pPr marL="914400" indent="0">
+              <a:buNone/>
+              <a:defRPr sz="1600"/>
+            </a:lvl3pPr>
+            <a:lvl4pPr marL="1371600" indent="0">
+              <a:buNone/>
+              <a:defRPr sz="1600"/>
+            </a:lvl4pPr>
+            <a:lvl5pPr marL="1828800" indent="0">
+              <a:buNone/>
+              <a:defRPr sz="1600"/>
+            </a:lvl5pPr>
+            <a:lvl6pPr marL="2286000" indent="0">
+              <a:buNone/>
+              <a:defRPr sz="1600"/>
+            </a:lvl6pPr>
+            <a:lvl7pPr marL="2743200" indent="0">
+              <a:buNone/>
+              <a:defRPr sz="1600"/>
+            </a:lvl7pPr>
+            <a:lvl8pPr marL="3200400" indent="0">
+              <a:buNone/>
+              <a:defRPr sz="1600"/>
+            </a:lvl8pPr>
+            <a:lvl9pPr marL="3657600" indent="0">
+              <a:buNone/>
+              <a:defRPr sz="1600"/>
+            </a:lvl9pPr>
+          </a:lstStyle>
+          <a:p>
+            <a:r>
+              <a:rPr lang="ru-RU"/>
+              <a:t>Вставка рисунка</a:t>
+            </a:r>
+            <a:endParaRPr lang="en-US" dirty="0"/>
+          </a:p>
+        </p:txBody>
+      </p:sp>
+      <p:sp>
+        <p:nvSpPr>
+          <p:cNvPr id="4" name="Text Placeholder 3"/>
+          <p:cNvSpPr>
+            <a:spLocks noGrp="1"/>
+          </p:cNvSpPr>
+          <p:nvPr>
+            <p:ph type="body" sz="half" idx="2"/>
+          </p:nvPr>
+        </p:nvSpPr>
+        <p:spPr>
+          <a:xfrm>
+            <a:off x="1154956" y="5367325"/>
+            <a:ext cx="8825656" cy="493712"/>
+          </a:xfrm>
+        </p:spPr>
+        <p:txBody>
+          <a:bodyPr>
+            <a:normAutofit/>
+          </a:bodyPr>
+          <a:lstStyle>
+            <a:lvl1pPr marL="0" indent="0">
+              <a:buNone/>
+              <a:defRPr sz="1200"/>
+            </a:lvl1pPr>
+            <a:lvl2pPr marL="457200" indent="0">
+              <a:buNone/>
+              <a:defRPr sz="1200"/>
+            </a:lvl2pPr>
+            <a:lvl3pPr marL="914400" indent="0">
+              <a:buNone/>
+              <a:defRPr sz="1000"/>
+            </a:lvl3pPr>
+            <a:lvl4pPr marL="1371600" indent="0">
+              <a:buNone/>
+              <a:defRPr sz="900"/>
+            </a:lvl4pPr>
+            <a:lvl5pPr marL="1828800" indent="0">
+              <a:buNone/>
+              <a:defRPr sz="900"/>
+            </a:lvl5pPr>
+            <a:lvl6pPr marL="2286000" indent="0">
+              <a:buNone/>
+              <a:defRPr sz="900"/>
+            </a:lvl6pPr>
+            <a:lvl7pPr marL="2743200" indent="0">
+              <a:buNone/>
+              <a:defRPr sz="900"/>
+            </a:lvl7pPr>
+            <a:lvl8pPr marL="3200400" indent="0">
+              <a:buNone/>
+              <a:defRPr sz="900"/>
+            </a:lvl8pPr>
+            <a:lvl9pPr marL="3657600" indent="0">
+              <a:buNone/>
+              <a:defRPr sz="900"/>
+            </a:lvl9pPr>
+          </a:lstStyle>
+          <a:p>
+            <a:pPr lvl="0"/>
+            <a:r>
+              <a:rPr lang="ru-RU"/>
+              <a:t>Образец текста</a:t>
+            </a:r>
+          </a:p>
+        </p:txBody>
+      </p:sp>
+      <p:sp>
+        <p:nvSpPr>
+          <p:cNvPr id="5" name="Date Placeholder 4"/>
+          <p:cNvSpPr>
+            <a:spLocks noGrp="1"/>
+          </p:cNvSpPr>
+          <p:nvPr>
+            <p:ph type="dt" sz="half" idx="10"/>
+          </p:nvPr>
+        </p:nvSpPr>
+        <p:spPr/>
+        <p:txBody>
+          <a:bodyPr/>
+          <a:lstStyle/>
+          <a:p>
+            <a:fld id="{59D7FAAD-09BD-4609-B56C-FE6BFD6EF5CF}" type="datetimeFigureOut">
+              <a:rPr lang="ru-RU" smtClean="0"/>
+              <a:t>06.04.2023</a:t>
+            </a:fld>
+            <a:endParaRPr lang="ru-RU"/>
+          </a:p>
+        </p:txBody>
+      </p:sp>
+      <p:sp>
+        <p:nvSpPr>
+          <p:cNvPr id="6" name="Footer Placeholder 5"/>
+          <p:cNvSpPr>
+            <a:spLocks noGrp="1"/>
+          </p:cNvSpPr>
+          <p:nvPr>
+            <p:ph type="ftr" sz="quarter" idx="11"/>
+          </p:nvPr>
+        </p:nvSpPr>
+        <p:spPr/>
+        <p:txBody>
+          <a:bodyPr/>
+          <a:lstStyle/>
+          <a:p>
+            <a:endParaRPr lang="ru-RU"/>
+          </a:p>
+        </p:txBody>
+      </p:sp>
+      <p:sp>
+        <p:nvSpPr>
+          <p:cNvPr id="7" name="Slide Number Placeholder 6"/>
+          <p:cNvSpPr>
+            <a:spLocks noGrp="1"/>
+          </p:cNvSpPr>
+          <p:nvPr>
+            <p:ph type="sldNum" sz="quarter" idx="12"/>
+          </p:nvPr>
+        </p:nvSpPr>
+        <p:spPr/>
+        <p:txBody>
+          <a:bodyPr/>
+          <a:lstStyle/>
+          <a:p>
+            <a:fld id="{35812A41-F7E2-4963-B247-CAF0A7826F8C}" type="slidenum">
+              <a:rPr lang="ru-RU" smtClean="0"/>
+              <a:t>‹#›</a:t>
+            </a:fld>
+            <a:endParaRPr lang="ru-RU"/>
+          </a:p>
+        </p:txBody>
+      </p:sp>
+    </p:spTree>
+    <p:extLst>
+      <p:ext uri="{BB962C8B-B14F-4D97-AF65-F5344CB8AC3E}">
+        <p14:creationId xmlns:p14="http://schemas.microsoft.com/office/powerpoint/2010/main" val="415639033"/>
+      </p:ext>
+    </p:extLst>
+  </p:cSld>
+  <p:clrMapOvr>
+    <a:masterClrMapping/>
+  </p:clrMapOvr>
+</p:sldLayout>
+</file>
+
+<file path=ppt/slideLayouts/slideLayout11.xml><?xml version="1.0" encoding="utf-8"?>
+<p:sldLayout xmlns:a="http://schemas.openxmlformats.org/drawingml/2006/main" xmlns:r="http://schemas.openxmlformats.org/officeDocument/2006/relationships" xmlns:p="http://schemas.openxmlformats.org/presentationml/2006/main" preserve="1">
+  <p:cSld name="Заголовок и подпись">
+    <p:spTree>
+      <p:nvGrpSpPr>
+        <p:cNvPr id="1" name=""/>
+        <p:cNvGrpSpPr/>
+        <p:nvPr/>
+      </p:nvGrpSpPr>
+      <p:grpSpPr>
+        <a:xfrm>
+          <a:off x="0" y="0"/>
+          <a:ext cx="0" cy="0"/>
+          <a:chOff x="0" y="0"/>
+          <a:chExt cx="0" cy="0"/>
+        </a:xfrm>
+      </p:grpSpPr>
+      <p:sp>
+        <p:nvSpPr>
+          <p:cNvPr id="2" name="Title 1"/>
+          <p:cNvSpPr>
+            <a:spLocks noGrp="1"/>
+          </p:cNvSpPr>
+          <p:nvPr>
+            <p:ph type="title"/>
+          </p:nvPr>
+        </p:nvSpPr>
+        <p:spPr>
+          <a:xfrm>
+            <a:off x="1154954" y="1447800"/>
+            <a:ext cx="8825659" cy="1981200"/>
+          </a:xfrm>
+        </p:spPr>
+        <p:txBody>
+          <a:bodyPr/>
+          <a:lstStyle>
+            <a:lvl1pPr>
+              <a:defRPr sz="4800"/>
+            </a:lvl1pPr>
+          </a:lstStyle>
+          <a:p>
+            <a:r>
+              <a:rPr lang="ru-RU"/>
+              <a:t>Образец заголовка</a:t>
+            </a:r>
+            <a:endParaRPr lang="en-US" dirty="0"/>
+          </a:p>
+        </p:txBody>
+      </p:sp>
+      <p:sp>
+        <p:nvSpPr>
+          <p:cNvPr id="8" name="Text Placeholder 3"/>
+          <p:cNvSpPr>
+            <a:spLocks noGrp="1"/>
+          </p:cNvSpPr>
+          <p:nvPr>
+            <p:ph type="body" sz="half" idx="2"/>
+          </p:nvPr>
+        </p:nvSpPr>
+        <p:spPr>
+          <a:xfrm>
+            <a:off x="1154954" y="3657600"/>
+            <a:ext cx="8825659" cy="2362200"/>
+          </a:xfrm>
+        </p:spPr>
+        <p:txBody>
+          <a:bodyPr anchor="ctr">
+            <a:normAutofit/>
+          </a:bodyPr>
+          <a:lstStyle>
+            <a:lvl1pPr marL="0" indent="0">
+              <a:buNone/>
+              <a:defRPr sz="1800"/>
+            </a:lvl1pPr>
+            <a:lvl2pPr marL="457200" indent="0">
+              <a:buNone/>
+              <a:defRPr sz="1200"/>
+            </a:lvl2pPr>
+            <a:lvl3pPr marL="914400" indent="0">
+              <a:buNone/>
+              <a:defRPr sz="1000"/>
+            </a:lvl3pPr>
+            <a:lvl4pPr marL="1371600" indent="0">
+              <a:buNone/>
+              <a:defRPr sz="900"/>
+            </a:lvl4pPr>
+            <a:lvl5pPr marL="1828800" indent="0">
+              <a:buNone/>
+              <a:defRPr sz="900"/>
+            </a:lvl5pPr>
+            <a:lvl6pPr marL="2286000" indent="0">
+              <a:buNone/>
+              <a:defRPr sz="900"/>
+            </a:lvl6pPr>
+            <a:lvl7pPr marL="2743200" indent="0">
+              <a:buNone/>
+              <a:defRPr sz="900"/>
+            </a:lvl7pPr>
+            <a:lvl8pPr marL="3200400" indent="0">
+              <a:buNone/>
+              <a:defRPr sz="900"/>
+            </a:lvl8pPr>
+            <a:lvl9pPr marL="3657600" indent="0">
+              <a:buNone/>
+              <a:defRPr sz="900"/>
+            </a:lvl9pPr>
+          </a:lstStyle>
+          <a:p>
+            <a:pPr lvl="0"/>
+            <a:r>
+              <a:rPr lang="ru-RU"/>
+              <a:t>Образец текста</a:t>
+            </a:r>
+          </a:p>
+        </p:txBody>
+      </p:sp>
+      <p:sp>
+        <p:nvSpPr>
+          <p:cNvPr id="4" name="Date Placeholder 3"/>
+          <p:cNvSpPr>
+            <a:spLocks noGrp="1"/>
+          </p:cNvSpPr>
+          <p:nvPr>
+            <p:ph type="dt" sz="half" idx="10"/>
+          </p:nvPr>
+        </p:nvSpPr>
+        <p:spPr/>
+        <p:txBody>
+          <a:bodyPr/>
+          <a:lstStyle/>
+          <a:p>
+            <a:fld id="{59D7FAAD-09BD-4609-B56C-FE6BFD6EF5CF}" type="datetimeFigureOut">
+              <a:rPr lang="ru-RU" smtClean="0"/>
+              <a:t>06.04.2023</a:t>
+            </a:fld>
+            <a:endParaRPr lang="ru-RU"/>
+          </a:p>
+        </p:txBody>
+      </p:sp>
+      <p:sp>
+        <p:nvSpPr>
+          <p:cNvPr id="5" name="Footer Placeholder 4"/>
+          <p:cNvSpPr>
+            <a:spLocks noGrp="1"/>
+          </p:cNvSpPr>
+          <p:nvPr>
+            <p:ph type="ftr" sz="quarter" idx="11"/>
+          </p:nvPr>
+        </p:nvSpPr>
+        <p:spPr/>
+        <p:txBody>
+          <a:bodyPr/>
+          <a:lstStyle/>
+          <a:p>
+            <a:endParaRPr lang="ru-RU"/>
+          </a:p>
+        </p:txBody>
+      </p:sp>
+      <p:sp>
+        <p:nvSpPr>
+          <p:cNvPr id="6" name="Slide Number Placeholder 5"/>
+          <p:cNvSpPr>
+            <a:spLocks noGrp="1"/>
+          </p:cNvSpPr>
+          <p:nvPr>
+            <p:ph type="sldNum" sz="quarter" idx="12"/>
+          </p:nvPr>
+        </p:nvSpPr>
+        <p:spPr/>
+        <p:txBody>
+          <a:bodyPr/>
+          <a:lstStyle/>
+          <a:p>
+            <a:fld id="{35812A41-F7E2-4963-B247-CAF0A7826F8C}" type="slidenum">
+              <a:rPr lang="ru-RU" smtClean="0"/>
+              <a:t>‹#›</a:t>
+            </a:fld>
+            <a:endParaRPr lang="ru-RU"/>
+          </a:p>
+        </p:txBody>
+      </p:sp>
+    </p:spTree>
+    <p:extLst>
+      <p:ext uri="{BB962C8B-B14F-4D97-AF65-F5344CB8AC3E}">
+        <p14:creationId xmlns:p14="http://schemas.microsoft.com/office/powerpoint/2010/main" val="1702200886"/>
+      </p:ext>
+    </p:extLst>
+  </p:cSld>
+  <p:clrMapOvr>
+    <a:masterClrMapping/>
+  </p:clrMapOvr>
+</p:sldLayout>
+</file>
+
+<file path=ppt/slideLayouts/slideLayout12.xml><?xml version="1.0" encoding="utf-8"?>
+<p:sldLayout xmlns:a="http://schemas.openxmlformats.org/drawingml/2006/main" xmlns:r="http://schemas.openxmlformats.org/officeDocument/2006/relationships" xmlns:p="http://schemas.openxmlformats.org/presentationml/2006/main" preserve="1">
+  <p:cSld name="Цитата с подписью">
+    <p:spTree>
+      <p:nvGrpSpPr>
+        <p:cNvPr id="1" name=""/>
+        <p:cNvGrpSpPr/>
+        <p:nvPr/>
+      </p:nvGrpSpPr>
+      <p:grpSpPr>
+        <a:xfrm>
+          <a:off x="0" y="0"/>
+          <a:ext cx="0" cy="0"/>
+          <a:chOff x="0" y="0"/>
+          <a:chExt cx="0" cy="0"/>
+        </a:xfrm>
+      </p:grpSpPr>
+      <p:sp>
+        <p:nvSpPr>
+          <p:cNvPr id="2" name="Title 1"/>
+          <p:cNvSpPr>
+            <a:spLocks noGrp="1"/>
+          </p:cNvSpPr>
+          <p:nvPr>
+            <p:ph type="title"/>
+          </p:nvPr>
+        </p:nvSpPr>
+        <p:spPr>
+          <a:xfrm>
+            <a:off x="1574801" y="1447800"/>
+            <a:ext cx="7999315" cy="2323374"/>
+          </a:xfrm>
+        </p:spPr>
+        <p:txBody>
+          <a:bodyPr/>
+          <a:lstStyle>
+            <a:lvl1pPr>
+              <a:defRPr sz="4800"/>
+            </a:lvl1pPr>
+          </a:lstStyle>
+          <a:p>
+            <a:r>
+              <a:rPr lang="ru-RU"/>
+              <a:t>Образец заголовка</a:t>
+            </a:r>
+            <a:endParaRPr lang="en-US" dirty="0"/>
+          </a:p>
+        </p:txBody>
+      </p:sp>
+      <p:sp>
+        <p:nvSpPr>
+          <p:cNvPr id="11" name="Text Placeholder 3"/>
+          <p:cNvSpPr>
+            <a:spLocks noGrp="1"/>
+          </p:cNvSpPr>
+          <p:nvPr>
+            <p:ph type="body" sz="half" idx="14"/>
+          </p:nvPr>
+        </p:nvSpPr>
+        <p:spPr>
+          <a:xfrm>
+            <a:off x="1930400" y="3771174"/>
+            <a:ext cx="7279649" cy="342174"/>
+          </a:xfrm>
+        </p:spPr>
+        <p:txBody>
+          <a:bodyPr vert="horz" lIns="91440" tIns="45720" rIns="91440" bIns="45720" rtlCol="0" anchor="t">
+            <a:normAutofit/>
+          </a:bodyPr>
+          <a:lstStyle>
+            <a:lvl1pPr marL="0" indent="0">
+              <a:buNone/>
+              <a:defRPr lang="en-US" sz="1400" b="0" i="0" kern="1200" cap="small" dirty="0">
+                <a:solidFill>
+                  <a:schemeClr val="bg2">
+                    <a:lumMod val="40000"/>
+                    <a:lumOff val="60000"/>
+                  </a:schemeClr>
+                </a:solidFill>
+                <a:latin typeface="+mj-lt"/>
+                <a:ea typeface="+mj-ea"/>
+                <a:cs typeface="+mj-cs"/>
+              </a:defRPr>
+            </a:lvl1pPr>
+            <a:lvl2pPr marL="457200" indent="0">
+              <a:buNone/>
+              <a:defRPr sz="1200"/>
+            </a:lvl2pPr>
+            <a:lvl3pPr marL="914400" indent="0">
+              <a:buNone/>
+              <a:defRPr sz="1000"/>
+            </a:lvl3pPr>
+            <a:lvl4pPr marL="1371600" indent="0">
+              <a:buNone/>
+              <a:defRPr sz="900"/>
+            </a:lvl4pPr>
+            <a:lvl5pPr marL="1828800" indent="0">
+              <a:buNone/>
+              <a:defRPr sz="900"/>
+            </a:lvl5pPr>
+            <a:lvl6pPr marL="2286000" indent="0">
+              <a:buNone/>
+              <a:defRPr sz="900"/>
+            </a:lvl6pPr>
+            <a:lvl7pPr marL="2743200" indent="0">
+              <a:buNone/>
+              <a:defRPr sz="900"/>
+            </a:lvl7pPr>
+            <a:lvl8pPr marL="3200400" indent="0">
+              <a:buNone/>
+              <a:defRPr sz="900"/>
+            </a:lvl8pPr>
+            <a:lvl9pPr marL="3657600" indent="0">
+              <a:buNone/>
+              <a:defRPr sz="900"/>
+            </a:lvl9pPr>
+          </a:lstStyle>
+          <a:p>
+            <a:pPr marL="0" lvl="0" indent="0">
+              <a:buNone/>
+            </a:pPr>
+            <a:r>
+              <a:rPr lang="ru-RU"/>
+              <a:t>Образец текста</a:t>
+            </a:r>
+          </a:p>
+        </p:txBody>
+      </p:sp>
+      <p:sp>
+        <p:nvSpPr>
+          <p:cNvPr id="10" name="Text Placeholder 3"/>
+          <p:cNvSpPr>
+            <a:spLocks noGrp="1"/>
+          </p:cNvSpPr>
+          <p:nvPr>
+            <p:ph type="body" sz="half" idx="2"/>
+          </p:nvPr>
+        </p:nvSpPr>
+        <p:spPr>
+          <a:xfrm>
+            <a:off x="1154954" y="4350657"/>
+            <a:ext cx="8825659" cy="1676400"/>
+          </a:xfrm>
+        </p:spPr>
+        <p:txBody>
+          <a:bodyPr anchor="ctr">
+            <a:normAutofit/>
+          </a:bodyPr>
+          <a:lstStyle>
+            <a:lvl1pPr marL="0" indent="0">
+              <a:buNone/>
+              <a:defRPr sz="1800"/>
+            </a:lvl1pPr>
+            <a:lvl2pPr marL="457200" indent="0">
+              <a:buNone/>
+              <a:defRPr sz="1200"/>
+            </a:lvl2pPr>
+            <a:lvl3pPr marL="914400" indent="0">
+              <a:buNone/>
+              <a:defRPr sz="1000"/>
+            </a:lvl3pPr>
+            <a:lvl4pPr marL="1371600" indent="0">
+              <a:buNone/>
+              <a:defRPr sz="900"/>
+            </a:lvl4pPr>
+            <a:lvl5pPr marL="1828800" indent="0">
+              <a:buNone/>
+              <a:defRPr sz="900"/>
+            </a:lvl5pPr>
+            <a:lvl6pPr marL="2286000" indent="0">
+              <a:buNone/>
+              <a:defRPr sz="900"/>
+            </a:lvl6pPr>
+            <a:lvl7pPr marL="2743200" indent="0">
+              <a:buNone/>
+              <a:defRPr sz="900"/>
+            </a:lvl7pPr>
+            <a:lvl8pPr marL="3200400" indent="0">
+              <a:buNone/>
+              <a:defRPr sz="900"/>
+            </a:lvl8pPr>
+            <a:lvl9pPr marL="3657600" indent="0">
+              <a:buNone/>
+              <a:defRPr sz="900"/>
+            </a:lvl9pPr>
+          </a:lstStyle>
+          <a:p>
+            <a:pPr lvl="0"/>
+            <a:r>
+              <a:rPr lang="ru-RU"/>
+              <a:t>Образец текста</a:t>
+            </a:r>
+          </a:p>
+        </p:txBody>
+      </p:sp>
+      <p:sp>
+        <p:nvSpPr>
+          <p:cNvPr id="4" name="Date Placeholder 3"/>
+          <p:cNvSpPr>
+            <a:spLocks noGrp="1"/>
+          </p:cNvSpPr>
+          <p:nvPr>
+            <p:ph type="dt" sz="half" idx="10"/>
+          </p:nvPr>
+        </p:nvSpPr>
+        <p:spPr/>
+        <p:txBody>
+          <a:bodyPr/>
+          <a:lstStyle/>
+          <a:p>
+            <a:fld id="{59D7FAAD-09BD-4609-B56C-FE6BFD6EF5CF}" type="datetimeFigureOut">
+              <a:rPr lang="ru-RU" smtClean="0"/>
+              <a:t>06.04.2023</a:t>
+            </a:fld>
+            <a:endParaRPr lang="ru-RU"/>
+          </a:p>
+        </p:txBody>
+      </p:sp>
+      <p:sp>
+        <p:nvSpPr>
+          <p:cNvPr id="5" name="Footer Placeholder 4"/>
+          <p:cNvSpPr>
+            <a:spLocks noGrp="1"/>
+          </p:cNvSpPr>
+          <p:nvPr>
+            <p:ph type="ftr" sz="quarter" idx="11"/>
+          </p:nvPr>
+        </p:nvSpPr>
+        <p:spPr/>
+        <p:txBody>
+          <a:bodyPr/>
+          <a:lstStyle/>
+          <a:p>
+            <a:endParaRPr lang="ru-RU"/>
+          </a:p>
+        </p:txBody>
+      </p:sp>
+      <p:sp>
+        <p:nvSpPr>
+          <p:cNvPr id="6" name="Slide Number Placeholder 5"/>
+          <p:cNvSpPr>
+            <a:spLocks noGrp="1"/>
+          </p:cNvSpPr>
+          <p:nvPr>
+            <p:ph type="sldNum" sz="quarter" idx="12"/>
+          </p:nvPr>
+        </p:nvSpPr>
+        <p:spPr/>
+        <p:txBody>
+          <a:bodyPr/>
+          <a:lstStyle/>
+          <a:p>
+            <a:fld id="{35812A41-F7E2-4963-B247-CAF0A7826F8C}" type="slidenum">
+              <a:rPr lang="ru-RU" smtClean="0"/>
+              <a:t>‹#›</a:t>
+            </a:fld>
+            <a:endParaRPr lang="ru-RU"/>
+          </a:p>
+        </p:txBody>
+      </p:sp>
+      <p:sp>
+        <p:nvSpPr>
+          <p:cNvPr id="12" name="TextBox 11"/>
+          <p:cNvSpPr txBox="1"/>
+          <p:nvPr/>
+        </p:nvSpPr>
+        <p:spPr>
+          <a:xfrm>
+            <a:off x="898295" y="971253"/>
+            <a:ext cx="801912" cy="1969770"/>
+          </a:xfrm>
+          <a:prstGeom prst="rect">
+            <a:avLst/>
+          </a:prstGeom>
+          <a:noFill/>
+        </p:spPr>
+        <p:txBody>
+          <a:bodyPr wrap="square" rtlCol="0">
+            <a:spAutoFit/>
+          </a:bodyPr>
+          <a:lstStyle>
+            <a:defPPr>
+              <a:defRPr lang="en-US"/>
+            </a:defPPr>
+            <a:lvl1pPr algn="r">
+              <a:defRPr sz="12200" b="0" i="0">
+                <a:solidFill>
+                  <a:schemeClr val="bg2">
+                    <a:lumMod val="40000"/>
+                    <a:lumOff val="60000"/>
+                  </a:schemeClr>
+                </a:solidFill>
+                <a:latin typeface="Arial"/>
+                <a:ea typeface="+mj-ea"/>
+                <a:cs typeface="+mj-cs"/>
+              </a:defRPr>
+            </a:lvl1pPr>
+          </a:lstStyle>
+          <a:p>
+            <a:pPr lvl="0"/>
+            <a:r>
+              <a:rPr lang="en-US" dirty="0"/>
+              <a:t>“</a:t>
+            </a:r>
+          </a:p>
+        </p:txBody>
+      </p:sp>
+      <p:sp>
+        <p:nvSpPr>
+          <p:cNvPr id="15" name="TextBox 14"/>
+          <p:cNvSpPr txBox="1"/>
+          <p:nvPr/>
+        </p:nvSpPr>
+        <p:spPr>
+          <a:xfrm>
+            <a:off x="9330490" y="2613787"/>
+            <a:ext cx="801912" cy="1969770"/>
+          </a:xfrm>
+          <a:prstGeom prst="rect">
+            <a:avLst/>
+          </a:prstGeom>
+          <a:noFill/>
+        </p:spPr>
+        <p:txBody>
+          <a:bodyPr wrap="square" rtlCol="0">
+            <a:spAutoFit/>
+          </a:bodyPr>
+          <a:lstStyle>
+            <a:defPPr>
+              <a:defRPr lang="en-US"/>
+            </a:defPPr>
+            <a:lvl1pPr algn="r">
+              <a:defRPr sz="12200" b="0" i="0">
+                <a:solidFill>
+                  <a:schemeClr val="bg2">
+                    <a:lumMod val="40000"/>
+                    <a:lumOff val="60000"/>
+                  </a:schemeClr>
+                </a:solidFill>
+                <a:latin typeface="Arial"/>
+                <a:ea typeface="+mj-ea"/>
+                <a:cs typeface="+mj-cs"/>
+              </a:defRPr>
+            </a:lvl1pPr>
+          </a:lstStyle>
+          <a:p>
+            <a:pPr lvl="0"/>
+            <a:r>
+              <a:rPr lang="en-US" dirty="0"/>
+              <a:t>”</a:t>
+            </a:r>
+          </a:p>
+        </p:txBody>
+      </p:sp>
+    </p:spTree>
+    <p:extLst>
+      <p:ext uri="{BB962C8B-B14F-4D97-AF65-F5344CB8AC3E}">
+        <p14:creationId xmlns:p14="http://schemas.microsoft.com/office/powerpoint/2010/main" val="1622252846"/>
+      </p:ext>
+    </p:extLst>
+  </p:cSld>
+  <p:clrMapOvr>
+    <a:masterClrMapping/>
+  </p:clrMapOvr>
+</p:sldLayout>
+</file>
+
+<file path=ppt/slideLayouts/slideLayout13.xml><?xml version="1.0" encoding="utf-8"?>
+<p:sldLayout xmlns:a="http://schemas.openxmlformats.org/drawingml/2006/main" xmlns:r="http://schemas.openxmlformats.org/officeDocument/2006/relationships" xmlns:p="http://schemas.openxmlformats.org/presentationml/2006/main" preserve="1">
+  <p:cSld name="Карточка имени">
+    <p:spTree>
+      <p:nvGrpSpPr>
+        <p:cNvPr id="1" name=""/>
+        <p:cNvGrpSpPr/>
+        <p:nvPr/>
+      </p:nvGrpSpPr>
+      <p:grpSpPr>
+        <a:xfrm>
+          <a:off x="0" y="0"/>
+          <a:ext cx="0" cy="0"/>
+          <a:chOff x="0" y="0"/>
+          <a:chExt cx="0" cy="0"/>
+        </a:xfrm>
+      </p:grpSpPr>
+      <p:sp>
+        <p:nvSpPr>
+          <p:cNvPr id="2" name="Title 1"/>
+          <p:cNvSpPr>
+            <a:spLocks noGrp="1"/>
+          </p:cNvSpPr>
+          <p:nvPr>
+            <p:ph type="title"/>
+          </p:nvPr>
+        </p:nvSpPr>
+        <p:spPr>
+          <a:xfrm>
+            <a:off x="1154954" y="3124201"/>
+            <a:ext cx="8825660" cy="1653180"/>
+          </a:xfrm>
+        </p:spPr>
+        <p:txBody>
+          <a:bodyPr anchor="b"/>
+          <a:lstStyle>
+            <a:lvl1pPr algn="l">
+              <a:defRPr sz="4000" b="0" cap="none"/>
+            </a:lvl1pPr>
+          </a:lstStyle>
+          <a:p>
+            <a:r>
+              <a:rPr lang="ru-RU"/>
+              <a:t>Образец заголовка</a:t>
+            </a:r>
+            <a:endParaRPr lang="en-US" dirty="0"/>
+          </a:p>
+        </p:txBody>
+      </p:sp>
+      <p:sp>
+        <p:nvSpPr>
+          <p:cNvPr id="3" name="Text Placeholder 2"/>
+          <p:cNvSpPr>
+            <a:spLocks noGrp="1"/>
+          </p:cNvSpPr>
+          <p:nvPr>
+            <p:ph type="body" idx="1"/>
+          </p:nvPr>
+        </p:nvSpPr>
+        <p:spPr>
+          <a:xfrm>
+            <a:off x="1154954" y="4777381"/>
+            <a:ext cx="8825659" cy="860400"/>
+          </a:xfrm>
+        </p:spPr>
+        <p:txBody>
+          <a:bodyPr anchor="t"/>
+          <a:lstStyle>
+            <a:lvl1pPr marL="0" indent="0" algn="l">
+              <a:buNone/>
+              <a:defRPr sz="2000" cap="none">
+                <a:solidFill>
+                  <a:schemeClr val="bg2">
+                    <a:lumMod val="40000"/>
+                    <a:lumOff val="60000"/>
+                  </a:schemeClr>
+                </a:solidFill>
+              </a:defRPr>
+            </a:lvl1pPr>
+            <a:lvl2pPr marL="457200" indent="0">
+              <a:buNone/>
+              <a:defRPr sz="1800">
+                <a:solidFill>
+                  <a:schemeClr val="tx1">
+                    <a:tint val="75000"/>
+                  </a:schemeClr>
+                </a:solidFill>
+              </a:defRPr>
+            </a:lvl2pPr>
+            <a:lvl3pPr marL="914400" indent="0">
+              <a:buNone/>
+              <a:defRPr sz="1600">
+                <a:solidFill>
+                  <a:schemeClr val="tx1">
+                    <a:tint val="75000"/>
+                  </a:schemeClr>
+                </a:solidFill>
+              </a:defRPr>
+            </a:lvl3pPr>
+            <a:lvl4pPr marL="1371600" indent="0">
+              <a:buNone/>
+              <a:defRPr sz="1400">
+                <a:solidFill>
+                  <a:schemeClr val="tx1">
+                    <a:tint val="75000"/>
+                  </a:schemeClr>
+                </a:solidFill>
+              </a:defRPr>
+            </a:lvl4pPr>
+            <a:lvl5pPr marL="1828800" indent="0">
+              <a:buNone/>
+              <a:defRPr sz="1400">
+                <a:solidFill>
+                  <a:schemeClr val="tx1">
+                    <a:tint val="75000"/>
+                  </a:schemeClr>
+                </a:solidFill>
+              </a:defRPr>
+            </a:lvl5pPr>
+            <a:lvl6pPr marL="2286000" indent="0">
+              <a:buNone/>
+              <a:defRPr sz="1400">
+                <a:solidFill>
+                  <a:schemeClr val="tx1">
+                    <a:tint val="75000"/>
+                  </a:schemeClr>
+                </a:solidFill>
+              </a:defRPr>
+            </a:lvl6pPr>
+            <a:lvl7pPr marL="2743200" indent="0">
+              <a:buNone/>
+              <a:defRPr sz="1400">
+                <a:solidFill>
+                  <a:schemeClr val="tx1">
+                    <a:tint val="75000"/>
+                  </a:schemeClr>
+                </a:solidFill>
+              </a:defRPr>
+            </a:lvl7pPr>
+            <a:lvl8pPr marL="3200400" indent="0">
+              <a:buNone/>
+              <a:defRPr sz="1400">
+                <a:solidFill>
+                  <a:schemeClr val="tx1">
+                    <a:tint val="75000"/>
+                  </a:schemeClr>
+                </a:solidFill>
+              </a:defRPr>
+            </a:lvl8pPr>
+            <a:lvl9pPr marL="3657600" indent="0">
+              <a:buNone/>
+              <a:defRPr sz="1400">
+                <a:solidFill>
+                  <a:schemeClr val="tx1">
+                    <a:tint val="75000"/>
+                  </a:schemeClr>
+                </a:solidFill>
+              </a:defRPr>
+            </a:lvl9pPr>
+          </a:lstStyle>
+          <a:p>
+            <a:pPr lvl="0"/>
+            <a:r>
+              <a:rPr lang="ru-RU"/>
+              <a:t>Образец текста</a:t>
+            </a:r>
+          </a:p>
+        </p:txBody>
+      </p:sp>
+      <p:sp>
+        <p:nvSpPr>
+          <p:cNvPr id="4" name="Date Placeholder 3"/>
+          <p:cNvSpPr>
+            <a:spLocks noGrp="1"/>
+          </p:cNvSpPr>
+          <p:nvPr>
+            <p:ph type="dt" sz="half" idx="10"/>
+          </p:nvPr>
+        </p:nvSpPr>
+        <p:spPr/>
+        <p:txBody>
+          <a:bodyPr/>
+          <a:lstStyle/>
+          <a:p>
+            <a:fld id="{59D7FAAD-09BD-4609-B56C-FE6BFD6EF5CF}" type="datetimeFigureOut">
+              <a:rPr lang="ru-RU" smtClean="0"/>
+              <a:t>06.04.2023</a:t>
+            </a:fld>
+            <a:endParaRPr lang="ru-RU"/>
+          </a:p>
+        </p:txBody>
+      </p:sp>
+      <p:sp>
+        <p:nvSpPr>
+          <p:cNvPr id="5" name="Footer Placeholder 4"/>
+          <p:cNvSpPr>
+            <a:spLocks noGrp="1"/>
+          </p:cNvSpPr>
+          <p:nvPr>
+            <p:ph type="ftr" sz="quarter" idx="11"/>
+          </p:nvPr>
+        </p:nvSpPr>
+        <p:spPr/>
+        <p:txBody>
+          <a:bodyPr/>
+          <a:lstStyle/>
+          <a:p>
+            <a:endParaRPr lang="ru-RU"/>
+          </a:p>
+        </p:txBody>
+      </p:sp>
+      <p:sp>
+        <p:nvSpPr>
+          <p:cNvPr id="6" name="Slide Number Placeholder 5"/>
+          <p:cNvSpPr>
+            <a:spLocks noGrp="1"/>
+          </p:cNvSpPr>
+          <p:nvPr>
+            <p:ph type="sldNum" sz="quarter" idx="12"/>
+          </p:nvPr>
+        </p:nvSpPr>
+        <p:spPr/>
+        <p:txBody>
+          <a:bodyPr/>
+          <a:lstStyle/>
+          <a:p>
+            <a:fld id="{35812A41-F7E2-4963-B247-CAF0A7826F8C}" type="slidenum">
+              <a:rPr lang="ru-RU" smtClean="0"/>
+              <a:t>‹#›</a:t>
+            </a:fld>
+            <a:endParaRPr lang="ru-RU"/>
+          </a:p>
+        </p:txBody>
+      </p:sp>
+    </p:spTree>
+    <p:extLst>
+      <p:ext uri="{BB962C8B-B14F-4D97-AF65-F5344CB8AC3E}">
+        <p14:creationId xmlns:p14="http://schemas.microsoft.com/office/powerpoint/2010/main" val="2319128996"/>
+      </p:ext>
+    </p:extLst>
+  </p:cSld>
+  <p:clrMapOvr>
+    <a:masterClrMapping/>
+  </p:clrMapOvr>
+</p:sldLayout>
+</file>
+
+<file path=ppt/slideLayouts/slideLayout14.xml><?xml version="1.0" encoding="utf-8"?>
+<p:sldLayout xmlns:a="http://schemas.openxmlformats.org/drawingml/2006/main" xmlns:r="http://schemas.openxmlformats.org/officeDocument/2006/relationships" xmlns:p="http://schemas.openxmlformats.org/presentationml/2006/main" preserve="1">
+  <p:cSld name="Три колонки">
+    <p:spTree>
+      <p:nvGrpSpPr>
+        <p:cNvPr id="1" name=""/>
+        <p:cNvGrpSpPr/>
+        <p:nvPr/>
+      </p:nvGrpSpPr>
+      <p:grpSpPr>
+        <a:xfrm>
+          <a:off x="0" y="0"/>
+          <a:ext cx="0" cy="0"/>
+          <a:chOff x="0" y="0"/>
+          <a:chExt cx="0" cy="0"/>
+        </a:xfrm>
+      </p:grpSpPr>
+      <p:sp>
+        <p:nvSpPr>
+          <p:cNvPr id="2" name="Title 1"/>
+          <p:cNvSpPr>
+            <a:spLocks noGrp="1"/>
+          </p:cNvSpPr>
+          <p:nvPr>
+            <p:ph type="title"/>
+          </p:nvPr>
+        </p:nvSpPr>
+        <p:spPr/>
+        <p:txBody>
+          <a:bodyPr/>
+          <a:lstStyle>
+            <a:lvl1pPr>
+              <a:defRPr sz="4200"/>
+            </a:lvl1pPr>
+          </a:lstStyle>
+          <a:p>
+            <a:r>
+              <a:rPr lang="ru-RU"/>
+              <a:t>Образец заголовка</a:t>
+            </a:r>
+            <a:endParaRPr lang="en-US" dirty="0"/>
+          </a:p>
+        </p:txBody>
+      </p:sp>
+      <p:sp>
+        <p:nvSpPr>
+          <p:cNvPr id="3" name="Text Placeholder 2"/>
+          <p:cNvSpPr>
+            <a:spLocks noGrp="1"/>
+          </p:cNvSpPr>
+          <p:nvPr>
+            <p:ph type="body" idx="1"/>
+          </p:nvPr>
+        </p:nvSpPr>
+        <p:spPr>
+          <a:xfrm>
+            <a:off x="632947" y="1981200"/>
+            <a:ext cx="2946866" cy="576262"/>
+          </a:xfrm>
+        </p:spPr>
+        <p:txBody>
+          <a:bodyPr anchor="b">
+            <a:noAutofit/>
+          </a:bodyPr>
+          <a:lstStyle>
+            <a:lvl1pPr marL="0" indent="0">
+              <a:buNone/>
+              <a:defRPr sz="2400" b="0">
+                <a:solidFill>
+                  <a:schemeClr val="bg2">
+                    <a:lumMod val="40000"/>
+                    <a:lumOff val="60000"/>
+                  </a:schemeClr>
+                </a:solidFill>
+              </a:defRPr>
+            </a:lvl1pPr>
+            <a:lvl2pPr marL="457200" indent="0">
+              <a:buNone/>
+              <a:defRPr sz="2000" b="1"/>
+            </a:lvl2pPr>
+            <a:lvl3pPr marL="914400" indent="0">
+              <a:buNone/>
+              <a:defRPr sz="1800" b="1"/>
+            </a:lvl3pPr>
+            <a:lvl4pPr marL="1371600" indent="0">
+              <a:buNone/>
+              <a:defRPr sz="1600" b="1"/>
+            </a:lvl4pPr>
+            <a:lvl5pPr marL="1828800" indent="0">
+              <a:buNone/>
+              <a:defRPr sz="1600" b="1"/>
+            </a:lvl5pPr>
+            <a:lvl6pPr marL="2286000" indent="0">
+              <a:buNone/>
+              <a:defRPr sz="1600" b="1"/>
+            </a:lvl6pPr>
+            <a:lvl7pPr marL="2743200" indent="0">
+              <a:buNone/>
+              <a:defRPr sz="1600" b="1"/>
+            </a:lvl7pPr>
+            <a:lvl8pPr marL="3200400" indent="0">
+              <a:buNone/>
+              <a:defRPr sz="1600" b="1"/>
+            </a:lvl8pPr>
+            <a:lvl9pPr marL="3657600" indent="0">
+              <a:buNone/>
+              <a:defRPr sz="1600" b="1"/>
+            </a:lvl9pPr>
+          </a:lstStyle>
+          <a:p>
+            <a:pPr lvl="0"/>
+            <a:r>
+              <a:rPr lang="ru-RU"/>
+              <a:t>Образец текста</a:t>
+            </a:r>
+          </a:p>
+        </p:txBody>
+      </p:sp>
+      <p:sp>
+        <p:nvSpPr>
+          <p:cNvPr id="16" name="Text Placeholder 3"/>
+          <p:cNvSpPr>
+            <a:spLocks noGrp="1"/>
+          </p:cNvSpPr>
+          <p:nvPr>
+            <p:ph type="body" sz="half" idx="15"/>
+          </p:nvPr>
+        </p:nvSpPr>
+        <p:spPr>
+          <a:xfrm>
+            <a:off x="652463" y="2667000"/>
+            <a:ext cx="2927350" cy="3589338"/>
+          </a:xfrm>
+        </p:spPr>
+        <p:txBody>
+          <a:bodyPr anchor="t">
+            <a:normAutofit/>
+          </a:bodyPr>
+          <a:lstStyle>
+            <a:lvl1pPr marL="0" indent="0">
+              <a:buNone/>
+              <a:defRPr sz="1400"/>
+            </a:lvl1pPr>
+            <a:lvl2pPr marL="457200" indent="0">
+              <a:buNone/>
+              <a:defRPr sz="1200"/>
+            </a:lvl2pPr>
+            <a:lvl3pPr marL="914400" indent="0">
+              <a:buNone/>
+              <a:defRPr sz="1000"/>
+            </a:lvl3pPr>
+            <a:lvl4pPr marL="1371600" indent="0">
+              <a:buNone/>
+              <a:defRPr sz="900"/>
+            </a:lvl4pPr>
+            <a:lvl5pPr marL="1828800" indent="0">
+              <a:buNone/>
+              <a:defRPr sz="900"/>
+            </a:lvl5pPr>
+            <a:lvl6pPr marL="2286000" indent="0">
+              <a:buNone/>
+              <a:defRPr sz="900"/>
+            </a:lvl6pPr>
+            <a:lvl7pPr marL="2743200" indent="0">
+              <a:buNone/>
+              <a:defRPr sz="900"/>
+            </a:lvl7pPr>
+            <a:lvl8pPr marL="3200400" indent="0">
+              <a:buNone/>
+              <a:defRPr sz="900"/>
+            </a:lvl8pPr>
+            <a:lvl9pPr marL="3657600" indent="0">
+              <a:buNone/>
+              <a:defRPr sz="900"/>
+            </a:lvl9pPr>
+          </a:lstStyle>
+          <a:p>
+            <a:pPr lvl="0"/>
+            <a:r>
+              <a:rPr lang="ru-RU"/>
+              <a:t>Образец текста</a:t>
+            </a:r>
+          </a:p>
+        </p:txBody>
+      </p:sp>
+      <p:sp>
+        <p:nvSpPr>
+          <p:cNvPr id="5" name="Text Placeholder 4"/>
+          <p:cNvSpPr>
+            <a:spLocks noGrp="1"/>
+          </p:cNvSpPr>
+          <p:nvPr>
+            <p:ph type="body" sz="quarter" idx="3"/>
+          </p:nvPr>
+        </p:nvSpPr>
+        <p:spPr>
+          <a:xfrm>
+            <a:off x="3883659" y="1981200"/>
+            <a:ext cx="2936241" cy="576262"/>
+          </a:xfrm>
+        </p:spPr>
+        <p:txBody>
+          <a:bodyPr anchor="b">
+            <a:noAutofit/>
+          </a:bodyPr>
+          <a:lstStyle>
+            <a:lvl1pPr marL="0" indent="0">
+              <a:buNone/>
+              <a:defRPr sz="2400" b="0">
+                <a:solidFill>
+                  <a:schemeClr val="bg2">
+                    <a:lumMod val="40000"/>
+                    <a:lumOff val="60000"/>
+                  </a:schemeClr>
+                </a:solidFill>
+              </a:defRPr>
+            </a:lvl1pPr>
+            <a:lvl2pPr marL="457200" indent="0">
+              <a:buNone/>
+              <a:defRPr sz="2000" b="1"/>
+            </a:lvl2pPr>
+            <a:lvl3pPr marL="914400" indent="0">
+              <a:buNone/>
+              <a:defRPr sz="1800" b="1"/>
+            </a:lvl3pPr>
+            <a:lvl4pPr marL="1371600" indent="0">
+              <a:buNone/>
+              <a:defRPr sz="1600" b="1"/>
+            </a:lvl4pPr>
+            <a:lvl5pPr marL="1828800" indent="0">
+              <a:buNone/>
+              <a:defRPr sz="1600" b="1"/>
+            </a:lvl5pPr>
+            <a:lvl6pPr marL="2286000" indent="0">
+              <a:buNone/>
+              <a:defRPr sz="1600" b="1"/>
+            </a:lvl6pPr>
+            <a:lvl7pPr marL="2743200" indent="0">
+              <a:buNone/>
+              <a:defRPr sz="1600" b="1"/>
+            </a:lvl7pPr>
+            <a:lvl8pPr marL="3200400" indent="0">
+              <a:buNone/>
+              <a:defRPr sz="1600" b="1"/>
+            </a:lvl8pPr>
+            <a:lvl9pPr marL="3657600" indent="0">
+              <a:buNone/>
+              <a:defRPr sz="1600" b="1"/>
+            </a:lvl9pPr>
+          </a:lstStyle>
+          <a:p>
+            <a:pPr lvl="0"/>
+            <a:r>
+              <a:rPr lang="ru-RU"/>
+              <a:t>Образец текста</a:t>
+            </a:r>
+          </a:p>
+        </p:txBody>
+      </p:sp>
+      <p:sp>
+        <p:nvSpPr>
+          <p:cNvPr id="19" name="Text Placeholder 3"/>
+          <p:cNvSpPr>
+            <a:spLocks noGrp="1"/>
+          </p:cNvSpPr>
+          <p:nvPr>
+            <p:ph type="body" sz="half" idx="16"/>
+          </p:nvPr>
+        </p:nvSpPr>
+        <p:spPr>
+          <a:xfrm>
+            <a:off x="3873106" y="2667000"/>
+            <a:ext cx="2946794" cy="3589338"/>
+          </a:xfrm>
+        </p:spPr>
+        <p:txBody>
+          <a:bodyPr anchor="t">
+            <a:normAutofit/>
+          </a:bodyPr>
+          <a:lstStyle>
+            <a:lvl1pPr marL="0" indent="0">
+              <a:buNone/>
+              <a:defRPr sz="1400"/>
+            </a:lvl1pPr>
+            <a:lvl2pPr marL="457200" indent="0">
+              <a:buNone/>
+              <a:defRPr sz="1200"/>
+            </a:lvl2pPr>
+            <a:lvl3pPr marL="914400" indent="0">
+              <a:buNone/>
+              <a:defRPr sz="1000"/>
+            </a:lvl3pPr>
+            <a:lvl4pPr marL="1371600" indent="0">
+              <a:buNone/>
+              <a:defRPr sz="900"/>
+            </a:lvl4pPr>
+            <a:lvl5pPr marL="1828800" indent="0">
+              <a:buNone/>
+              <a:defRPr sz="900"/>
+            </a:lvl5pPr>
+            <a:lvl6pPr marL="2286000" indent="0">
+              <a:buNone/>
+              <a:defRPr sz="900"/>
+            </a:lvl6pPr>
+            <a:lvl7pPr marL="2743200" indent="0">
+              <a:buNone/>
+              <a:defRPr sz="900"/>
+            </a:lvl7pPr>
+            <a:lvl8pPr marL="3200400" indent="0">
+              <a:buNone/>
+              <a:defRPr sz="900"/>
+            </a:lvl8pPr>
+            <a:lvl9pPr marL="3657600" indent="0">
+              <a:buNone/>
+              <a:defRPr sz="900"/>
+            </a:lvl9pPr>
+          </a:lstStyle>
+          <a:p>
+            <a:pPr lvl="0"/>
+            <a:r>
+              <a:rPr lang="ru-RU"/>
+              <a:t>Образец текста</a:t>
+            </a:r>
+          </a:p>
+        </p:txBody>
+      </p:sp>
+      <p:sp>
+        <p:nvSpPr>
+          <p:cNvPr id="14" name="Text Placeholder 4"/>
+          <p:cNvSpPr>
+            <a:spLocks noGrp="1"/>
+          </p:cNvSpPr>
+          <p:nvPr>
+            <p:ph type="body" sz="quarter" idx="13"/>
+          </p:nvPr>
+        </p:nvSpPr>
+        <p:spPr>
+          <a:xfrm>
+            <a:off x="7124700" y="1981200"/>
+            <a:ext cx="2932113" cy="576262"/>
+          </a:xfrm>
+        </p:spPr>
+        <p:txBody>
+          <a:bodyPr anchor="b">
+            <a:noAutofit/>
+          </a:bodyPr>
+          <a:lstStyle>
+            <a:lvl1pPr marL="0" indent="0">
+              <a:buNone/>
+              <a:defRPr sz="2400" b="0">
+                <a:solidFill>
+                  <a:schemeClr val="bg2">
+                    <a:lumMod val="40000"/>
+                    <a:lumOff val="60000"/>
+                  </a:schemeClr>
+                </a:solidFill>
+              </a:defRPr>
+            </a:lvl1pPr>
+            <a:lvl2pPr marL="457200" indent="0">
+              <a:buNone/>
+              <a:defRPr sz="2000" b="1"/>
+            </a:lvl2pPr>
+            <a:lvl3pPr marL="914400" indent="0">
+              <a:buNone/>
+              <a:defRPr sz="1800" b="1"/>
+            </a:lvl3pPr>
+            <a:lvl4pPr marL="1371600" indent="0">
+              <a:buNone/>
+              <a:defRPr sz="1600" b="1"/>
+            </a:lvl4pPr>
+            <a:lvl5pPr marL="1828800" indent="0">
+              <a:buNone/>
+              <a:defRPr sz="1600" b="1"/>
+            </a:lvl5pPr>
+            <a:lvl6pPr marL="2286000" indent="0">
+              <a:buNone/>
+              <a:defRPr sz="1600" b="1"/>
+            </a:lvl6pPr>
+            <a:lvl7pPr marL="2743200" indent="0">
+              <a:buNone/>
+              <a:defRPr sz="1600" b="1"/>
+            </a:lvl7pPr>
+            <a:lvl8pPr marL="3200400" indent="0">
+              <a:buNone/>
+              <a:defRPr sz="1600" b="1"/>
+            </a:lvl8pPr>
+            <a:lvl9pPr marL="3657600" indent="0">
+              <a:buNone/>
+              <a:defRPr sz="1600" b="1"/>
+            </a:lvl9pPr>
+          </a:lstStyle>
+          <a:p>
+            <a:pPr lvl="0"/>
+            <a:r>
+              <a:rPr lang="ru-RU"/>
+              <a:t>Образец текста</a:t>
+            </a:r>
+          </a:p>
+        </p:txBody>
+      </p:sp>
+      <p:sp>
+        <p:nvSpPr>
+          <p:cNvPr id="20" name="Text Placeholder 3"/>
+          <p:cNvSpPr>
+            <a:spLocks noGrp="1"/>
+          </p:cNvSpPr>
+          <p:nvPr>
+            <p:ph type="body" sz="half" idx="17"/>
+          </p:nvPr>
+        </p:nvSpPr>
+        <p:spPr>
+          <a:xfrm>
+            <a:off x="7124700" y="2667000"/>
+            <a:ext cx="2932113" cy="3589338"/>
+          </a:xfrm>
+        </p:spPr>
+        <p:txBody>
+          <a:bodyPr anchor="t">
+            <a:normAutofit/>
+          </a:bodyPr>
+          <a:lstStyle>
+            <a:lvl1pPr marL="0" indent="0">
+              <a:buNone/>
+              <a:defRPr sz="1400"/>
+            </a:lvl1pPr>
+            <a:lvl2pPr marL="457200" indent="0">
+              <a:buNone/>
+              <a:defRPr sz="1200"/>
+            </a:lvl2pPr>
+            <a:lvl3pPr marL="914400" indent="0">
+              <a:buNone/>
+              <a:defRPr sz="1000"/>
+            </a:lvl3pPr>
+            <a:lvl4pPr marL="1371600" indent="0">
+              <a:buNone/>
+              <a:defRPr sz="900"/>
+            </a:lvl4pPr>
+            <a:lvl5pPr marL="1828800" indent="0">
+              <a:buNone/>
+              <a:defRPr sz="900"/>
+            </a:lvl5pPr>
+            <a:lvl6pPr marL="2286000" indent="0">
+              <a:buNone/>
+              <a:defRPr sz="900"/>
+            </a:lvl6pPr>
+            <a:lvl7pPr marL="2743200" indent="0">
+              <a:buNone/>
+              <a:defRPr sz="900"/>
+            </a:lvl7pPr>
+            <a:lvl8pPr marL="3200400" indent="0">
+              <a:buNone/>
+              <a:defRPr sz="900"/>
+            </a:lvl8pPr>
+            <a:lvl9pPr marL="3657600" indent="0">
+              <a:buNone/>
+              <a:defRPr sz="900"/>
+            </a:lvl9pPr>
+          </a:lstStyle>
+          <a:p>
+            <a:pPr lvl="0"/>
+            <a:r>
+              <a:rPr lang="ru-RU"/>
+              <a:t>Образец текста</a:t>
+            </a:r>
+          </a:p>
+        </p:txBody>
+      </p:sp>
+      <p:cxnSp>
+        <p:nvCxnSpPr>
+          <p:cNvPr id="17" name="Straight Connector 16"/>
+          <p:cNvCxnSpPr/>
+          <p:nvPr/>
+        </p:nvCxnSpPr>
+        <p:spPr>
+          <a:xfrm>
+            <a:off x="3726142" y="2133600"/>
+            <a:ext cx="0" cy="3962400"/>
+          </a:xfrm>
+          <a:prstGeom prst="line">
+            <a:avLst/>
+          </a:prstGeom>
+          <a:ln w="12700" cmpd="sng">
+            <a:solidFill>
+              <a:schemeClr val="bg2">
+                <a:lumMod val="40000"/>
+                <a:lumOff val="60000"/>
+                <a:alpha val="40000"/>
+              </a:schemeClr>
+            </a:solidFill>
+          </a:ln>
+        </p:spPr>
+        <p:style>
+          <a:lnRef idx="2">
+            <a:schemeClr val="accent1"/>
+          </a:lnRef>
+          <a:fillRef idx="0">
+            <a:schemeClr val="accent1"/>
+          </a:fillRef>
+          <a:effectRef idx="1">
+            <a:schemeClr val="accent1"/>
+          </a:effectRef>
+          <a:fontRef idx="minor">
+            <a:schemeClr val="tx1"/>
+          </a:fontRef>
+        </p:style>
+      </p:cxnSp>
+      <p:cxnSp>
+        <p:nvCxnSpPr>
+          <p:cNvPr id="18" name="Straight Connector 17"/>
+          <p:cNvCxnSpPr/>
+          <p:nvPr/>
+        </p:nvCxnSpPr>
+        <p:spPr>
+          <a:xfrm>
+            <a:off x="6962227" y="2133600"/>
+            <a:ext cx="0" cy="3966882"/>
+          </a:xfrm>
+          <a:prstGeom prst="line">
+            <a:avLst/>
+          </a:prstGeom>
+          <a:ln w="12700" cmpd="sng">
+            <a:solidFill>
+              <a:schemeClr val="bg2">
+                <a:lumMod val="40000"/>
+                <a:lumOff val="60000"/>
+                <a:alpha val="40000"/>
+              </a:schemeClr>
+            </a:solidFill>
+          </a:ln>
+        </p:spPr>
+        <p:style>
+          <a:lnRef idx="2">
+            <a:schemeClr val="accent1"/>
+          </a:lnRef>
+          <a:fillRef idx="0">
+            <a:schemeClr val="accent1"/>
+          </a:fillRef>
+          <a:effectRef idx="1">
+            <a:schemeClr val="accent1"/>
+          </a:effectRef>
+          <a:fontRef idx="minor">
+            <a:schemeClr val="tx1"/>
+          </a:fontRef>
+        </p:style>
+      </p:cxnSp>
+      <p:sp>
+        <p:nvSpPr>
+          <p:cNvPr id="7" name="Date Placeholder 3"/>
+          <p:cNvSpPr>
+            <a:spLocks noGrp="1"/>
+          </p:cNvSpPr>
+          <p:nvPr>
+            <p:ph type="dt" sz="half" idx="10"/>
+          </p:nvPr>
+        </p:nvSpPr>
+        <p:spPr/>
+        <p:txBody>
+          <a:bodyPr/>
+          <a:lstStyle/>
+          <a:p>
+            <a:fld id="{59D7FAAD-09BD-4609-B56C-FE6BFD6EF5CF}" type="datetimeFigureOut">
+              <a:rPr lang="ru-RU" smtClean="0"/>
+              <a:t>06.04.2023</a:t>
+            </a:fld>
+            <a:endParaRPr lang="ru-RU"/>
+          </a:p>
+        </p:txBody>
+      </p:sp>
+      <p:sp>
+        <p:nvSpPr>
+          <p:cNvPr id="4" name="Footer Placeholder 4"/>
+          <p:cNvSpPr>
+            <a:spLocks noGrp="1"/>
+          </p:cNvSpPr>
+          <p:nvPr>
+            <p:ph type="ftr" sz="quarter" idx="11"/>
+          </p:nvPr>
+        </p:nvSpPr>
+        <p:spPr/>
+        <p:txBody>
+          <a:bodyPr/>
+          <a:lstStyle/>
+          <a:p>
+            <a:endParaRPr lang="ru-RU"/>
+          </a:p>
+        </p:txBody>
+      </p:sp>
+      <p:sp>
+        <p:nvSpPr>
+          <p:cNvPr id="6" name="Slide Number Placeholder 5"/>
+          <p:cNvSpPr>
+            <a:spLocks noGrp="1"/>
+          </p:cNvSpPr>
+          <p:nvPr>
+            <p:ph type="sldNum" sz="quarter" idx="12"/>
+          </p:nvPr>
+        </p:nvSpPr>
+        <p:spPr/>
+        <p:txBody>
+          <a:bodyPr/>
+          <a:lstStyle/>
+          <a:p>
+            <a:fld id="{35812A41-F7E2-4963-B247-CAF0A7826F8C}" type="slidenum">
+              <a:rPr lang="ru-RU" smtClean="0"/>
+              <a:t>‹#›</a:t>
+            </a:fld>
+            <a:endParaRPr lang="ru-RU"/>
+          </a:p>
+        </p:txBody>
+      </p:sp>
+    </p:spTree>
+    <p:extLst>
+      <p:ext uri="{BB962C8B-B14F-4D97-AF65-F5344CB8AC3E}">
+        <p14:creationId xmlns:p14="http://schemas.microsoft.com/office/powerpoint/2010/main" val="1626163445"/>
+      </p:ext>
+    </p:extLst>
+  </p:cSld>
+  <p:clrMapOvr>
+    <a:masterClrMapping/>
+  </p:clrMapOvr>
+</p:sldLayout>
+</file>
+
+<file path=ppt/slideLayouts/slideLayout15.xml><?xml version="1.0" encoding="utf-8"?>
+<p:sldLayout xmlns:a="http://schemas.openxmlformats.org/drawingml/2006/main" xmlns:r="http://schemas.openxmlformats.org/officeDocument/2006/relationships" xmlns:p="http://schemas.openxmlformats.org/presentationml/2006/main" preserve="1">
+  <p:cSld name="Столбец с тремя рисунками">
+    <p:spTree>
+      <p:nvGrpSpPr>
+        <p:cNvPr id="1" name=""/>
+        <p:cNvGrpSpPr/>
+        <p:nvPr/>
+      </p:nvGrpSpPr>
+      <p:grpSpPr>
+        <a:xfrm>
+          <a:off x="0" y="0"/>
+          <a:ext cx="0" cy="0"/>
+          <a:chOff x="0" y="0"/>
+          <a:chExt cx="0" cy="0"/>
+        </a:xfrm>
+      </p:grpSpPr>
+      <p:sp>
+        <p:nvSpPr>
+          <p:cNvPr id="2" name="Title 1"/>
+          <p:cNvSpPr>
+            <a:spLocks noGrp="1"/>
+          </p:cNvSpPr>
+          <p:nvPr>
+            <p:ph type="title"/>
+          </p:nvPr>
+        </p:nvSpPr>
+        <p:spPr/>
+        <p:txBody>
+          <a:bodyPr/>
+          <a:lstStyle>
+            <a:lvl1pPr>
+              <a:defRPr sz="4200"/>
+            </a:lvl1pPr>
+          </a:lstStyle>
+          <a:p>
+            <a:r>
+              <a:rPr lang="ru-RU"/>
+              <a:t>Образец заголовка</a:t>
+            </a:r>
+            <a:endParaRPr lang="en-US" dirty="0"/>
+          </a:p>
+        </p:txBody>
+      </p:sp>
+      <p:sp>
+        <p:nvSpPr>
+          <p:cNvPr id="3" name="Text Placeholder 2"/>
+          <p:cNvSpPr>
+            <a:spLocks noGrp="1"/>
+          </p:cNvSpPr>
+          <p:nvPr>
+            <p:ph type="body" idx="1"/>
+          </p:nvPr>
+        </p:nvSpPr>
+        <p:spPr>
+          <a:xfrm>
+            <a:off x="652463" y="4250949"/>
+            <a:ext cx="2940050" cy="576262"/>
+          </a:xfrm>
+        </p:spPr>
+        <p:txBody>
+          <a:bodyPr anchor="b">
+            <a:noAutofit/>
+          </a:bodyPr>
+          <a:lstStyle>
+            <a:lvl1pPr marL="0" indent="0">
+              <a:buNone/>
+              <a:defRPr sz="2400" b="0">
+                <a:solidFill>
+                  <a:schemeClr val="bg2">
+                    <a:lumMod val="40000"/>
+                    <a:lumOff val="60000"/>
+                  </a:schemeClr>
+                </a:solidFill>
+              </a:defRPr>
+            </a:lvl1pPr>
+            <a:lvl2pPr marL="457200" indent="0">
+              <a:buNone/>
+              <a:defRPr sz="2000" b="1"/>
+            </a:lvl2pPr>
+            <a:lvl3pPr marL="914400" indent="0">
+              <a:buNone/>
+              <a:defRPr sz="1800" b="1"/>
+            </a:lvl3pPr>
+            <a:lvl4pPr marL="1371600" indent="0">
+              <a:buNone/>
+              <a:defRPr sz="1600" b="1"/>
+            </a:lvl4pPr>
+            <a:lvl5pPr marL="1828800" indent="0">
+              <a:buNone/>
+              <a:defRPr sz="1600" b="1"/>
+            </a:lvl5pPr>
+            <a:lvl6pPr marL="2286000" indent="0">
+              <a:buNone/>
+              <a:defRPr sz="1600" b="1"/>
+            </a:lvl6pPr>
+            <a:lvl7pPr marL="2743200" indent="0">
+              <a:buNone/>
+              <a:defRPr sz="1600" b="1"/>
+            </a:lvl7pPr>
+            <a:lvl8pPr marL="3200400" indent="0">
+              <a:buNone/>
+              <a:defRPr sz="1600" b="1"/>
+            </a:lvl8pPr>
+            <a:lvl9pPr marL="3657600" indent="0">
+              <a:buNone/>
+              <a:defRPr sz="1600" b="1"/>
+            </a:lvl9pPr>
+          </a:lstStyle>
+          <a:p>
+            <a:pPr lvl="0"/>
+            <a:r>
+              <a:rPr lang="ru-RU"/>
+              <a:t>Образец текста</a:t>
+            </a:r>
+          </a:p>
+        </p:txBody>
+      </p:sp>
+      <p:sp>
+        <p:nvSpPr>
+          <p:cNvPr id="29" name="Picture Placeholder 2"/>
+          <p:cNvSpPr>
+            <a:spLocks noGrp="1" noChangeAspect="1"/>
+          </p:cNvSpPr>
+          <p:nvPr>
+            <p:ph type="pic" idx="15"/>
+          </p:nvPr>
+        </p:nvSpPr>
+        <p:spPr>
+          <a:xfrm>
+            <a:off x="652463" y="2209800"/>
+            <a:ext cx="2940050" cy="1524000"/>
+          </a:xfrm>
+          <a:prstGeom prst="roundRect">
+            <a:avLst>
+              <a:gd name="adj" fmla="val 1858"/>
+            </a:avLst>
+          </a:prstGeom>
+          <a:effectLst>
+            <a:outerShdw blurRad="50800" dist="50800" dir="5400000" algn="tl" rotWithShape="0">
+              <a:srgbClr val="000000">
+                <a:alpha val="43000"/>
+              </a:srgbClr>
+            </a:outerShdw>
+          </a:effectLst>
+        </p:spPr>
+        <p:txBody>
+          <a:bodyPr anchor="t">
+            <a:normAutofit/>
+          </a:bodyPr>
+          <a:lstStyle>
+            <a:lvl1pPr marL="0" indent="0" algn="ctr">
+              <a:buNone/>
+              <a:defRPr sz="1600"/>
+            </a:lvl1pPr>
+            <a:lvl2pPr marL="457200" indent="0">
+              <a:buNone/>
+              <a:defRPr sz="1600"/>
+            </a:lvl2pPr>
+            <a:lvl3pPr marL="914400" indent="0">
+              <a:buNone/>
+              <a:defRPr sz="1600"/>
+            </a:lvl3pPr>
+            <a:lvl4pPr marL="1371600" indent="0">
+              <a:buNone/>
+              <a:defRPr sz="1600"/>
+            </a:lvl4pPr>
+            <a:lvl5pPr marL="1828800" indent="0">
+              <a:buNone/>
+              <a:defRPr sz="1600"/>
+            </a:lvl5pPr>
+            <a:lvl6pPr marL="2286000" indent="0">
+              <a:buNone/>
+              <a:defRPr sz="1600"/>
+            </a:lvl6pPr>
+            <a:lvl7pPr marL="2743200" indent="0">
+              <a:buNone/>
+              <a:defRPr sz="1600"/>
+            </a:lvl7pPr>
+            <a:lvl8pPr marL="3200400" indent="0">
+              <a:buNone/>
+              <a:defRPr sz="1600"/>
+            </a:lvl8pPr>
+            <a:lvl9pPr marL="3657600" indent="0">
+              <a:buNone/>
+              <a:defRPr sz="1600"/>
+            </a:lvl9pPr>
+          </a:lstStyle>
+          <a:p>
+            <a:r>
+              <a:rPr lang="ru-RU"/>
+              <a:t>Вставка рисунка</a:t>
+            </a:r>
+            <a:endParaRPr lang="en-US" dirty="0"/>
+          </a:p>
+        </p:txBody>
+      </p:sp>
+      <p:sp>
+        <p:nvSpPr>
+          <p:cNvPr id="22" name="Text Placeholder 3"/>
+          <p:cNvSpPr>
+            <a:spLocks noGrp="1"/>
+          </p:cNvSpPr>
+          <p:nvPr>
+            <p:ph type="body" sz="half" idx="18"/>
+          </p:nvPr>
+        </p:nvSpPr>
+        <p:spPr>
+          <a:xfrm>
+            <a:off x="652463" y="4827211"/>
+            <a:ext cx="2940050" cy="659189"/>
+          </a:xfrm>
+        </p:spPr>
+        <p:txBody>
+          <a:bodyPr anchor="t">
+            <a:normAutofit/>
+          </a:bodyPr>
+          <a:lstStyle>
+            <a:lvl1pPr marL="0" indent="0">
+              <a:buNone/>
+              <a:defRPr sz="1400"/>
+            </a:lvl1pPr>
+            <a:lvl2pPr marL="457200" indent="0">
+              <a:buNone/>
+              <a:defRPr sz="1200"/>
+            </a:lvl2pPr>
+            <a:lvl3pPr marL="914400" indent="0">
+              <a:buNone/>
+              <a:defRPr sz="1000"/>
+            </a:lvl3pPr>
+            <a:lvl4pPr marL="1371600" indent="0">
+              <a:buNone/>
+              <a:defRPr sz="900"/>
+            </a:lvl4pPr>
+            <a:lvl5pPr marL="1828800" indent="0">
+              <a:buNone/>
+              <a:defRPr sz="900"/>
+            </a:lvl5pPr>
+            <a:lvl6pPr marL="2286000" indent="0">
+              <a:buNone/>
+              <a:defRPr sz="900"/>
+            </a:lvl6pPr>
+            <a:lvl7pPr marL="2743200" indent="0">
+              <a:buNone/>
+              <a:defRPr sz="900"/>
+            </a:lvl7pPr>
+            <a:lvl8pPr marL="3200400" indent="0">
+              <a:buNone/>
+              <a:defRPr sz="900"/>
+            </a:lvl8pPr>
+            <a:lvl9pPr marL="3657600" indent="0">
+              <a:buNone/>
+              <a:defRPr sz="900"/>
+            </a:lvl9pPr>
+          </a:lstStyle>
+          <a:p>
+            <a:pPr lvl="0"/>
+            <a:r>
+              <a:rPr lang="ru-RU"/>
+              <a:t>Образец текста</a:t>
+            </a:r>
+          </a:p>
+        </p:txBody>
+      </p:sp>
+      <p:sp>
+        <p:nvSpPr>
+          <p:cNvPr id="5" name="Text Placeholder 4"/>
+          <p:cNvSpPr>
+            <a:spLocks noGrp="1"/>
+          </p:cNvSpPr>
+          <p:nvPr>
+            <p:ph type="body" sz="quarter" idx="3"/>
+          </p:nvPr>
+        </p:nvSpPr>
+        <p:spPr>
+          <a:xfrm>
+            <a:off x="3889375" y="4250949"/>
+            <a:ext cx="2930525" cy="576262"/>
+          </a:xfrm>
+        </p:spPr>
+        <p:txBody>
+          <a:bodyPr anchor="b">
+            <a:noAutofit/>
+          </a:bodyPr>
+          <a:lstStyle>
+            <a:lvl1pPr marL="0" indent="0">
+              <a:buNone/>
+              <a:defRPr sz="2400" b="0">
+                <a:solidFill>
+                  <a:schemeClr val="bg2">
+                    <a:lumMod val="40000"/>
+                    <a:lumOff val="60000"/>
+                  </a:schemeClr>
+                </a:solidFill>
+              </a:defRPr>
+            </a:lvl1pPr>
+            <a:lvl2pPr marL="457200" indent="0">
+              <a:buNone/>
+              <a:defRPr sz="2000" b="1"/>
+            </a:lvl2pPr>
+            <a:lvl3pPr marL="914400" indent="0">
+              <a:buNone/>
+              <a:defRPr sz="1800" b="1"/>
+            </a:lvl3pPr>
+            <a:lvl4pPr marL="1371600" indent="0">
+              <a:buNone/>
+              <a:defRPr sz="1600" b="1"/>
+            </a:lvl4pPr>
+            <a:lvl5pPr marL="1828800" indent="0">
+              <a:buNone/>
+              <a:defRPr sz="1600" b="1"/>
+            </a:lvl5pPr>
+            <a:lvl6pPr marL="2286000" indent="0">
+              <a:buNone/>
+              <a:defRPr sz="1600" b="1"/>
+            </a:lvl6pPr>
+            <a:lvl7pPr marL="2743200" indent="0">
+              <a:buNone/>
+              <a:defRPr sz="1600" b="1"/>
+            </a:lvl7pPr>
+            <a:lvl8pPr marL="3200400" indent="0">
+              <a:buNone/>
+              <a:defRPr sz="1600" b="1"/>
+            </a:lvl8pPr>
+            <a:lvl9pPr marL="3657600" indent="0">
+              <a:buNone/>
+              <a:defRPr sz="1600" b="1"/>
+            </a:lvl9pPr>
+          </a:lstStyle>
+          <a:p>
+            <a:pPr lvl="0"/>
+            <a:r>
+              <a:rPr lang="ru-RU"/>
+              <a:t>Образец текста</a:t>
+            </a:r>
+          </a:p>
+        </p:txBody>
+      </p:sp>
+      <p:sp>
+        <p:nvSpPr>
+          <p:cNvPr id="30" name="Picture Placeholder 2"/>
+          <p:cNvSpPr>
+            <a:spLocks noGrp="1" noChangeAspect="1"/>
+          </p:cNvSpPr>
+          <p:nvPr>
+            <p:ph type="pic" idx="21"/>
+          </p:nvPr>
+        </p:nvSpPr>
+        <p:spPr>
+          <a:xfrm>
+            <a:off x="3889374" y="2209800"/>
+            <a:ext cx="2930525" cy="1524000"/>
+          </a:xfrm>
+          <a:prstGeom prst="roundRect">
+            <a:avLst>
+              <a:gd name="adj" fmla="val 1858"/>
+            </a:avLst>
+          </a:prstGeom>
+          <a:effectLst>
+            <a:outerShdw blurRad="50800" dist="50800" dir="5400000" algn="tl" rotWithShape="0">
+              <a:srgbClr val="000000">
+                <a:alpha val="43000"/>
+              </a:srgbClr>
+            </a:outerShdw>
+          </a:effectLst>
+        </p:spPr>
+        <p:txBody>
+          <a:bodyPr anchor="t">
+            <a:normAutofit/>
+          </a:bodyPr>
+          <a:lstStyle>
+            <a:lvl1pPr marL="0" indent="0" algn="ctr">
+              <a:buNone/>
+              <a:defRPr sz="1600"/>
+            </a:lvl1pPr>
+            <a:lvl2pPr marL="457200" indent="0">
+              <a:buNone/>
+              <a:defRPr sz="1600"/>
+            </a:lvl2pPr>
+            <a:lvl3pPr marL="914400" indent="0">
+              <a:buNone/>
+              <a:defRPr sz="1600"/>
+            </a:lvl3pPr>
+            <a:lvl4pPr marL="1371600" indent="0">
+              <a:buNone/>
+              <a:defRPr sz="1600"/>
+            </a:lvl4pPr>
+            <a:lvl5pPr marL="1828800" indent="0">
+              <a:buNone/>
+              <a:defRPr sz="1600"/>
+            </a:lvl5pPr>
+            <a:lvl6pPr marL="2286000" indent="0">
+              <a:buNone/>
+              <a:defRPr sz="1600"/>
+            </a:lvl6pPr>
+            <a:lvl7pPr marL="2743200" indent="0">
+              <a:buNone/>
+              <a:defRPr sz="1600"/>
+            </a:lvl7pPr>
+            <a:lvl8pPr marL="3200400" indent="0">
+              <a:buNone/>
+              <a:defRPr sz="1600"/>
+            </a:lvl8pPr>
+            <a:lvl9pPr marL="3657600" indent="0">
+              <a:buNone/>
+              <a:defRPr sz="1600"/>
+            </a:lvl9pPr>
+          </a:lstStyle>
+          <a:p>
+            <a:r>
+              <a:rPr lang="ru-RU"/>
+              <a:t>Вставка рисунка</a:t>
+            </a:r>
+            <a:endParaRPr lang="en-US" dirty="0"/>
+          </a:p>
+        </p:txBody>
+      </p:sp>
+      <p:sp>
+        <p:nvSpPr>
+          <p:cNvPr id="23" name="Text Placeholder 3"/>
+          <p:cNvSpPr>
+            <a:spLocks noGrp="1"/>
+          </p:cNvSpPr>
+          <p:nvPr>
+            <p:ph type="body" sz="half" idx="19"/>
+          </p:nvPr>
+        </p:nvSpPr>
+        <p:spPr>
+          <a:xfrm>
+            <a:off x="3888022" y="4827210"/>
+            <a:ext cx="2934406" cy="659189"/>
+          </a:xfrm>
+        </p:spPr>
+        <p:txBody>
+          <a:bodyPr anchor="t">
+            <a:normAutofit/>
+          </a:bodyPr>
+          <a:lstStyle>
+            <a:lvl1pPr marL="0" indent="0">
+              <a:buNone/>
+              <a:defRPr sz="1400"/>
+            </a:lvl1pPr>
+            <a:lvl2pPr marL="457200" indent="0">
+              <a:buNone/>
+              <a:defRPr sz="1200"/>
+            </a:lvl2pPr>
+            <a:lvl3pPr marL="914400" indent="0">
+              <a:buNone/>
+              <a:defRPr sz="1000"/>
+            </a:lvl3pPr>
+            <a:lvl4pPr marL="1371600" indent="0">
+              <a:buNone/>
+              <a:defRPr sz="900"/>
+            </a:lvl4pPr>
+            <a:lvl5pPr marL="1828800" indent="0">
+              <a:buNone/>
+              <a:defRPr sz="900"/>
+            </a:lvl5pPr>
+            <a:lvl6pPr marL="2286000" indent="0">
+              <a:buNone/>
+              <a:defRPr sz="900"/>
+            </a:lvl6pPr>
+            <a:lvl7pPr marL="2743200" indent="0">
+              <a:buNone/>
+              <a:defRPr sz="900"/>
+            </a:lvl7pPr>
+            <a:lvl8pPr marL="3200400" indent="0">
+              <a:buNone/>
+              <a:defRPr sz="900"/>
+            </a:lvl8pPr>
+            <a:lvl9pPr marL="3657600" indent="0">
+              <a:buNone/>
+              <a:defRPr sz="900"/>
+            </a:lvl9pPr>
+          </a:lstStyle>
+          <a:p>
+            <a:pPr lvl="0"/>
+            <a:r>
+              <a:rPr lang="ru-RU"/>
+              <a:t>Образец текста</a:t>
+            </a:r>
+          </a:p>
+        </p:txBody>
+      </p:sp>
+      <p:sp>
+        <p:nvSpPr>
+          <p:cNvPr id="14" name="Text Placeholder 4"/>
+          <p:cNvSpPr>
+            <a:spLocks noGrp="1"/>
+          </p:cNvSpPr>
+          <p:nvPr>
+            <p:ph type="body" sz="quarter" idx="13"/>
+          </p:nvPr>
+        </p:nvSpPr>
+        <p:spPr>
+          <a:xfrm>
+            <a:off x="7124700" y="4250949"/>
+            <a:ext cx="2932113" cy="576262"/>
+          </a:xfrm>
+        </p:spPr>
+        <p:txBody>
+          <a:bodyPr anchor="b">
+            <a:noAutofit/>
+          </a:bodyPr>
+          <a:lstStyle>
+            <a:lvl1pPr marL="0" indent="0">
+              <a:buNone/>
+              <a:defRPr sz="2400" b="0">
+                <a:solidFill>
+                  <a:schemeClr val="bg2">
+                    <a:lumMod val="40000"/>
+                    <a:lumOff val="60000"/>
+                  </a:schemeClr>
+                </a:solidFill>
+              </a:defRPr>
+            </a:lvl1pPr>
+            <a:lvl2pPr marL="457200" indent="0">
+              <a:buNone/>
+              <a:defRPr sz="2000" b="1"/>
+            </a:lvl2pPr>
+            <a:lvl3pPr marL="914400" indent="0">
+              <a:buNone/>
+              <a:defRPr sz="1800" b="1"/>
+            </a:lvl3pPr>
+            <a:lvl4pPr marL="1371600" indent="0">
+              <a:buNone/>
+              <a:defRPr sz="1600" b="1"/>
+            </a:lvl4pPr>
+            <a:lvl5pPr marL="1828800" indent="0">
+              <a:buNone/>
+              <a:defRPr sz="1600" b="1"/>
+            </a:lvl5pPr>
+            <a:lvl6pPr marL="2286000" indent="0">
+              <a:buNone/>
+              <a:defRPr sz="1600" b="1"/>
+            </a:lvl6pPr>
+            <a:lvl7pPr marL="2743200" indent="0">
+              <a:buNone/>
+              <a:defRPr sz="1600" b="1"/>
+            </a:lvl7pPr>
+            <a:lvl8pPr marL="3200400" indent="0">
+              <a:buNone/>
+              <a:defRPr sz="1600" b="1"/>
+            </a:lvl8pPr>
+            <a:lvl9pPr marL="3657600" indent="0">
+              <a:buNone/>
+              <a:defRPr sz="1600" b="1"/>
+            </a:lvl9pPr>
+          </a:lstStyle>
+          <a:p>
+            <a:pPr lvl="0"/>
+            <a:r>
+              <a:rPr lang="ru-RU"/>
+              <a:t>Образец текста</a:t>
+            </a:r>
+          </a:p>
+        </p:txBody>
+      </p:sp>
+      <p:sp>
+        <p:nvSpPr>
+          <p:cNvPr id="31" name="Picture Placeholder 2"/>
+          <p:cNvSpPr>
+            <a:spLocks noGrp="1" noChangeAspect="1"/>
+          </p:cNvSpPr>
+          <p:nvPr>
+            <p:ph type="pic" idx="22"/>
+          </p:nvPr>
+        </p:nvSpPr>
+        <p:spPr>
+          <a:xfrm>
+            <a:off x="7124699" y="2209800"/>
+            <a:ext cx="2932113" cy="1524000"/>
+          </a:xfrm>
+          <a:prstGeom prst="roundRect">
+            <a:avLst>
+              <a:gd name="adj" fmla="val 1858"/>
+            </a:avLst>
+          </a:prstGeom>
+          <a:effectLst>
+            <a:outerShdw blurRad="50800" dist="50800" dir="5400000" algn="tl" rotWithShape="0">
+              <a:srgbClr val="000000">
+                <a:alpha val="43000"/>
+              </a:srgbClr>
+            </a:outerShdw>
+          </a:effectLst>
+        </p:spPr>
+        <p:txBody>
+          <a:bodyPr anchor="t">
+            <a:normAutofit/>
+          </a:bodyPr>
+          <a:lstStyle>
+            <a:lvl1pPr marL="0" indent="0" algn="ctr">
+              <a:buNone/>
+              <a:defRPr sz="1600"/>
+            </a:lvl1pPr>
+            <a:lvl2pPr marL="457200" indent="0">
+              <a:buNone/>
+              <a:defRPr sz="1600"/>
+            </a:lvl2pPr>
+            <a:lvl3pPr marL="914400" indent="0">
+              <a:buNone/>
+              <a:defRPr sz="1600"/>
+            </a:lvl3pPr>
+            <a:lvl4pPr marL="1371600" indent="0">
+              <a:buNone/>
+              <a:defRPr sz="1600"/>
+            </a:lvl4pPr>
+            <a:lvl5pPr marL="1828800" indent="0">
+              <a:buNone/>
+              <a:defRPr sz="1600"/>
+            </a:lvl5pPr>
+            <a:lvl6pPr marL="2286000" indent="0">
+              <a:buNone/>
+              <a:defRPr sz="1600"/>
+            </a:lvl6pPr>
+            <a:lvl7pPr marL="2743200" indent="0">
+              <a:buNone/>
+              <a:defRPr sz="1600"/>
+            </a:lvl7pPr>
+            <a:lvl8pPr marL="3200400" indent="0">
+              <a:buNone/>
+              <a:defRPr sz="1600"/>
+            </a:lvl8pPr>
+            <a:lvl9pPr marL="3657600" indent="0">
+              <a:buNone/>
+              <a:defRPr sz="1600"/>
+            </a:lvl9pPr>
+          </a:lstStyle>
+          <a:p>
+            <a:r>
+              <a:rPr lang="ru-RU"/>
+              <a:t>Вставка рисунка</a:t>
+            </a:r>
+            <a:endParaRPr lang="en-US" dirty="0"/>
+          </a:p>
+        </p:txBody>
+      </p:sp>
+      <p:sp>
+        <p:nvSpPr>
+          <p:cNvPr id="24" name="Text Placeholder 3"/>
+          <p:cNvSpPr>
+            <a:spLocks noGrp="1"/>
+          </p:cNvSpPr>
+          <p:nvPr>
+            <p:ph type="body" sz="half" idx="20"/>
+          </p:nvPr>
+        </p:nvSpPr>
+        <p:spPr>
+          <a:xfrm>
+            <a:off x="7124575" y="4827208"/>
+            <a:ext cx="2935997" cy="659189"/>
+          </a:xfrm>
+        </p:spPr>
+        <p:txBody>
+          <a:bodyPr anchor="t">
+            <a:normAutofit/>
+          </a:bodyPr>
+          <a:lstStyle>
+            <a:lvl1pPr marL="0" indent="0">
+              <a:buNone/>
+              <a:defRPr sz="1400"/>
+            </a:lvl1pPr>
+            <a:lvl2pPr marL="457200" indent="0">
+              <a:buNone/>
+              <a:defRPr sz="1200"/>
+            </a:lvl2pPr>
+            <a:lvl3pPr marL="914400" indent="0">
+              <a:buNone/>
+              <a:defRPr sz="1000"/>
+            </a:lvl3pPr>
+            <a:lvl4pPr marL="1371600" indent="0">
+              <a:buNone/>
+              <a:defRPr sz="900"/>
+            </a:lvl4pPr>
+            <a:lvl5pPr marL="1828800" indent="0">
+              <a:buNone/>
+              <a:defRPr sz="900"/>
+            </a:lvl5pPr>
+            <a:lvl6pPr marL="2286000" indent="0">
+              <a:buNone/>
+              <a:defRPr sz="900"/>
+            </a:lvl6pPr>
+            <a:lvl7pPr marL="2743200" indent="0">
+              <a:buNone/>
+              <a:defRPr sz="900"/>
+            </a:lvl7pPr>
+            <a:lvl8pPr marL="3200400" indent="0">
+              <a:buNone/>
+              <a:defRPr sz="900"/>
+            </a:lvl8pPr>
+            <a:lvl9pPr marL="3657600" indent="0">
+              <a:buNone/>
+              <a:defRPr sz="900"/>
+            </a:lvl9pPr>
+          </a:lstStyle>
+          <a:p>
+            <a:pPr lvl="0"/>
+            <a:r>
+              <a:rPr lang="ru-RU"/>
+              <a:t>Образец текста</a:t>
+            </a:r>
+          </a:p>
+        </p:txBody>
+      </p:sp>
+      <p:cxnSp>
+        <p:nvCxnSpPr>
+          <p:cNvPr id="19" name="Straight Connector 18"/>
+          <p:cNvCxnSpPr/>
+          <p:nvPr/>
+        </p:nvCxnSpPr>
+        <p:spPr>
+          <a:xfrm>
+            <a:off x="3726142" y="2133600"/>
+            <a:ext cx="0" cy="3962400"/>
+          </a:xfrm>
+          <a:prstGeom prst="line">
+            <a:avLst/>
+          </a:prstGeom>
+          <a:ln w="12700" cmpd="sng">
+            <a:solidFill>
+              <a:schemeClr val="bg2">
+                <a:lumMod val="40000"/>
+                <a:lumOff val="60000"/>
+                <a:alpha val="40000"/>
+              </a:schemeClr>
+            </a:solidFill>
+          </a:ln>
+        </p:spPr>
+        <p:style>
+          <a:lnRef idx="2">
+            <a:schemeClr val="accent1"/>
+          </a:lnRef>
+          <a:fillRef idx="0">
+            <a:schemeClr val="accent1"/>
+          </a:fillRef>
+          <a:effectRef idx="1">
+            <a:schemeClr val="accent1"/>
+          </a:effectRef>
+          <a:fontRef idx="minor">
+            <a:schemeClr val="tx1"/>
+          </a:fontRef>
+        </p:style>
+      </p:cxnSp>
+      <p:cxnSp>
+        <p:nvCxnSpPr>
+          <p:cNvPr id="20" name="Straight Connector 19"/>
+          <p:cNvCxnSpPr/>
+          <p:nvPr/>
+        </p:nvCxnSpPr>
+        <p:spPr>
+          <a:xfrm>
+            <a:off x="6962227" y="2133600"/>
+            <a:ext cx="0" cy="3966882"/>
+          </a:xfrm>
+          <a:prstGeom prst="line">
+            <a:avLst/>
+          </a:prstGeom>
+          <a:ln w="12700" cmpd="sng">
+            <a:solidFill>
+              <a:schemeClr val="bg2">
+                <a:lumMod val="40000"/>
+                <a:lumOff val="60000"/>
+                <a:alpha val="40000"/>
+              </a:schemeClr>
+            </a:solidFill>
+          </a:ln>
+        </p:spPr>
+        <p:style>
+          <a:lnRef idx="2">
+            <a:schemeClr val="accent1"/>
+          </a:lnRef>
+          <a:fillRef idx="0">
+            <a:schemeClr val="accent1"/>
+          </a:fillRef>
+          <a:effectRef idx="1">
+            <a:schemeClr val="accent1"/>
+          </a:effectRef>
+          <a:fontRef idx="minor">
+            <a:schemeClr val="tx1"/>
+          </a:fontRef>
+        </p:style>
+      </p:cxnSp>
+      <p:sp>
+        <p:nvSpPr>
+          <p:cNvPr id="7" name="Date Placeholder 3"/>
+          <p:cNvSpPr>
+            <a:spLocks noGrp="1"/>
+          </p:cNvSpPr>
+          <p:nvPr>
+            <p:ph type="dt" sz="half" idx="10"/>
+          </p:nvPr>
+        </p:nvSpPr>
+        <p:spPr/>
+        <p:txBody>
+          <a:bodyPr/>
+          <a:lstStyle/>
+          <a:p>
+            <a:fld id="{59D7FAAD-09BD-4609-B56C-FE6BFD6EF5CF}" type="datetimeFigureOut">
+              <a:rPr lang="ru-RU" smtClean="0"/>
+              <a:t>06.04.2023</a:t>
+            </a:fld>
+            <a:endParaRPr lang="ru-RU"/>
+          </a:p>
+        </p:txBody>
+      </p:sp>
+      <p:sp>
+        <p:nvSpPr>
+          <p:cNvPr id="4" name="Footer Placeholder 4"/>
+          <p:cNvSpPr>
+            <a:spLocks noGrp="1"/>
+          </p:cNvSpPr>
+          <p:nvPr>
+            <p:ph type="ftr" sz="quarter" idx="11"/>
+          </p:nvPr>
+        </p:nvSpPr>
+        <p:spPr/>
+        <p:txBody>
+          <a:bodyPr/>
+          <a:lstStyle/>
+          <a:p>
+            <a:endParaRPr lang="ru-RU"/>
+          </a:p>
+        </p:txBody>
+      </p:sp>
+      <p:sp>
+        <p:nvSpPr>
+          <p:cNvPr id="6" name="Slide Number Placeholder 5"/>
+          <p:cNvSpPr>
+            <a:spLocks noGrp="1"/>
+          </p:cNvSpPr>
+          <p:nvPr>
+            <p:ph type="sldNum" sz="quarter" idx="12"/>
+          </p:nvPr>
+        </p:nvSpPr>
+        <p:spPr/>
+        <p:txBody>
+          <a:bodyPr/>
+          <a:lstStyle/>
+          <a:p>
+            <a:fld id="{35812A41-F7E2-4963-B247-CAF0A7826F8C}" type="slidenum">
+              <a:rPr lang="ru-RU" smtClean="0"/>
+              <a:t>‹#›</a:t>
+            </a:fld>
+            <a:endParaRPr lang="ru-RU"/>
+          </a:p>
+        </p:txBody>
+      </p:sp>
+    </p:spTree>
+    <p:extLst>
+      <p:ext uri="{BB962C8B-B14F-4D97-AF65-F5344CB8AC3E}">
+        <p14:creationId xmlns:p14="http://schemas.microsoft.com/office/powerpoint/2010/main" val="1887827256"/>
+      </p:ext>
+    </p:extLst>
+  </p:cSld>
+  <p:clrMapOvr>
+    <a:masterClrMapping/>
+  </p:clrMapOvr>
+</p:sldLayout>
+</file>
+
+<file path=ppt/slideLayouts/slideLayout16.xml><?xml version="1.0" encoding="utf-8"?>
 <p:sldLayout xmlns:a="http://schemas.openxmlformats.org/drawingml/2006/main" xmlns:r="http://schemas.openxmlformats.org/officeDocument/2006/relationships" xmlns:p="http://schemas.openxmlformats.org/presentationml/2006/main" type="vertTx" preserve="1">
   <p:cSld name="Заголовок и вертикальный текст">
     <p:spTree>
@@ -346,13 +2944,7 @@
       </p:grpSpPr>
       <p:sp>
         <p:nvSpPr>
-          <p:cNvPr id="2" name="Заголовок 1">
-            <a:extLst>
-              <a:ext uri="{FF2B5EF4-FFF2-40B4-BE49-F238E27FC236}">
-                <a16:creationId xmlns:a16="http://schemas.microsoft.com/office/drawing/2014/main" id="{B1A99C41-5EFE-B292-4764-201629947C35}"/>
-              </a:ext>
-            </a:extLst>
-          </p:cNvPr>
+          <p:cNvPr id="2" name="Title 1"/>
           <p:cNvSpPr>
             <a:spLocks noGrp="1"/>
           </p:cNvSpPr>
@@ -369,18 +2961,13 @@
               <a:rPr lang="ru-RU"/>
               <a:t>Образец заголовка</a:t>
             </a:r>
-          </a:p>
-        </p:txBody>
-      </p:sp>
-      <p:sp>
-        <p:nvSpPr>
-          <p:cNvPr id="3" name="Вертикальный текст 2">
-            <a:extLst>
-              <a:ext uri="{FF2B5EF4-FFF2-40B4-BE49-F238E27FC236}">
-                <a16:creationId xmlns:a16="http://schemas.microsoft.com/office/drawing/2014/main" id="{8DF0BA76-6550-BEC5-16EA-4DF6C69A2907}"/>
-              </a:ext>
-            </a:extLst>
-          </p:cNvPr>
+            <a:endParaRPr lang="en-US" dirty="0"/>
+          </a:p>
+        </p:txBody>
+      </p:sp>
+      <p:sp>
+        <p:nvSpPr>
+          <p:cNvPr id="3" name="Vertical Text Placeholder 2"/>
           <p:cNvSpPr>
             <a:spLocks noGrp="1"/>
           </p:cNvSpPr>
@@ -390,7 +2977,7 @@
         </p:nvSpPr>
         <p:spPr/>
         <p:txBody>
-          <a:bodyPr vert="eaVert"/>
+          <a:bodyPr vert="eaVert" anchor="t" anchorCtr="0"/>
           <a:lstStyle/>
           <a:p>
             <a:pPr lvl="0"/>
@@ -426,18 +3013,13 @@
               <a:rPr lang="ru-RU"/>
               <a:t>Пятый уровень</a:t>
             </a:r>
-          </a:p>
-        </p:txBody>
-      </p:sp>
-      <p:sp>
-        <p:nvSpPr>
-          <p:cNvPr id="4" name="Дата 3">
-            <a:extLst>
-              <a:ext uri="{FF2B5EF4-FFF2-40B4-BE49-F238E27FC236}">
-                <a16:creationId xmlns:a16="http://schemas.microsoft.com/office/drawing/2014/main" id="{AC31196E-6D9B-0D05-A95E-3E1338C10172}"/>
-              </a:ext>
-            </a:extLst>
-          </p:cNvPr>
+            <a:endParaRPr lang="en-US" dirty="0"/>
+          </a:p>
+        </p:txBody>
+      </p:sp>
+      <p:sp>
+        <p:nvSpPr>
+          <p:cNvPr id="4" name="Date Placeholder 3"/>
           <p:cNvSpPr>
             <a:spLocks noGrp="1"/>
           </p:cNvSpPr>
@@ -460,13 +3042,7 @@
       </p:sp>
       <p:sp>
         <p:nvSpPr>
-          <p:cNvPr id="5" name="Нижний колонтитул 4">
-            <a:extLst>
-              <a:ext uri="{FF2B5EF4-FFF2-40B4-BE49-F238E27FC236}">
-                <a16:creationId xmlns:a16="http://schemas.microsoft.com/office/drawing/2014/main" id="{AEA4D239-8CEB-F6FC-3C9E-1267C31BC3A7}"/>
-              </a:ext>
-            </a:extLst>
-          </p:cNvPr>
+          <p:cNvPr id="5" name="Footer Placeholder 4"/>
           <p:cNvSpPr>
             <a:spLocks noGrp="1"/>
           </p:cNvSpPr>
@@ -485,13 +3061,7 @@
       </p:sp>
       <p:sp>
         <p:nvSpPr>
-          <p:cNvPr id="6" name="Номер слайда 5">
-            <a:extLst>
-              <a:ext uri="{FF2B5EF4-FFF2-40B4-BE49-F238E27FC236}">
-                <a16:creationId xmlns:a16="http://schemas.microsoft.com/office/drawing/2014/main" id="{45CC987B-95B9-A22A-1717-9619C3B24D19}"/>
-              </a:ext>
-            </a:extLst>
-          </p:cNvPr>
+          <p:cNvPr id="6" name="Slide Number Placeholder 5"/>
           <p:cNvSpPr>
             <a:spLocks noGrp="1"/>
           </p:cNvSpPr>
@@ -515,7 +3085,7 @@
     </p:spTree>
     <p:extLst>
       <p:ext uri="{BB962C8B-B14F-4D97-AF65-F5344CB8AC3E}">
-        <p14:creationId xmlns:p14="http://schemas.microsoft.com/office/powerpoint/2010/main" val="3390972092"/>
+        <p14:creationId xmlns:p14="http://schemas.microsoft.com/office/powerpoint/2010/main" val="152083737"/>
       </p:ext>
     </p:extLst>
   </p:cSld>
@@ -525,7 +3095,7 @@
 </p:sldLayout>
 </file>
 
-<file path=ppt/slideLayouts/slideLayout11.xml><?xml version="1.0" encoding="utf-8"?>
+<file path=ppt/slideLayouts/slideLayout17.xml><?xml version="1.0" encoding="utf-8"?>
 <p:sldLayout xmlns:a="http://schemas.openxmlformats.org/drawingml/2006/main" xmlns:r="http://schemas.openxmlformats.org/officeDocument/2006/relationships" xmlns:p="http://schemas.openxmlformats.org/presentationml/2006/main" type="vertTitleAndTx" preserve="1">
   <p:cSld name="Вертикальный заголовок и текст">
     <p:spTree>
@@ -544,13 +3114,7 @@
       </p:grpSpPr>
       <p:sp>
         <p:nvSpPr>
-          <p:cNvPr id="2" name="Вертикальный заголовок 1">
-            <a:extLst>
-              <a:ext uri="{FF2B5EF4-FFF2-40B4-BE49-F238E27FC236}">
-                <a16:creationId xmlns:a16="http://schemas.microsoft.com/office/drawing/2014/main" id="{D2C22BEE-44F3-04F9-53E5-C091A03CD3C4}"/>
-              </a:ext>
-            </a:extLst>
-          </p:cNvPr>
+          <p:cNvPr id="2" name="Vertical Title 1"/>
           <p:cNvSpPr>
             <a:spLocks noGrp="1"/>
           </p:cNvSpPr>
@@ -560,47 +3124,42 @@
         </p:nvSpPr>
         <p:spPr>
           <a:xfrm>
-            <a:off x="8724900" y="365125"/>
-            <a:ext cx="2628900" cy="5811838"/>
+            <a:off x="8304212" y="430213"/>
+            <a:ext cx="1752601" cy="5826125"/>
           </a:xfrm>
         </p:spPr>
         <p:txBody>
+          <a:bodyPr vert="eaVert" anchor="b" anchorCtr="0"/>
+          <a:lstStyle/>
+          <a:p>
+            <a:r>
+              <a:rPr lang="ru-RU"/>
+              <a:t>Образец заголовка</a:t>
+            </a:r>
+            <a:endParaRPr lang="en-US" dirty="0"/>
+          </a:p>
+        </p:txBody>
+      </p:sp>
+      <p:sp>
+        <p:nvSpPr>
+          <p:cNvPr id="3" name="Vertical Text Placeholder 2"/>
+          <p:cNvSpPr>
+            <a:spLocks noGrp="1"/>
+          </p:cNvSpPr>
+          <p:nvPr>
+            <p:ph type="body" orient="vert" idx="1"/>
+          </p:nvPr>
+        </p:nvSpPr>
+        <p:spPr>
+          <a:xfrm>
+            <a:off x="652463" y="887414"/>
+            <a:ext cx="7423149" cy="5368924"/>
+          </a:xfrm>
+        </p:spPr>
+        <p:txBody>
           <a:bodyPr vert="eaVert"/>
           <a:lstStyle/>
           <a:p>
-            <a:r>
-              <a:rPr lang="ru-RU"/>
-              <a:t>Образец заголовка</a:t>
-            </a:r>
-          </a:p>
-        </p:txBody>
-      </p:sp>
-      <p:sp>
-        <p:nvSpPr>
-          <p:cNvPr id="3" name="Вертикальный текст 2">
-            <a:extLst>
-              <a:ext uri="{FF2B5EF4-FFF2-40B4-BE49-F238E27FC236}">
-                <a16:creationId xmlns:a16="http://schemas.microsoft.com/office/drawing/2014/main" id="{9DEFA731-E67B-E798-351E-CB61EF460756}"/>
-              </a:ext>
-            </a:extLst>
-          </p:cNvPr>
-          <p:cNvSpPr>
-            <a:spLocks noGrp="1"/>
-          </p:cNvSpPr>
-          <p:nvPr>
-            <p:ph type="body" orient="vert" idx="1"/>
-          </p:nvPr>
-        </p:nvSpPr>
-        <p:spPr>
-          <a:xfrm>
-            <a:off x="838200" y="365125"/>
-            <a:ext cx="7734300" cy="5811838"/>
-          </a:xfrm>
-        </p:spPr>
-        <p:txBody>
-          <a:bodyPr vert="eaVert"/>
-          <a:lstStyle/>
-          <a:p>
             <a:pPr lvl="0"/>
             <a:r>
               <a:rPr lang="ru-RU"/>
@@ -634,18 +3193,13 @@
               <a:rPr lang="ru-RU"/>
               <a:t>Пятый уровень</a:t>
             </a:r>
-          </a:p>
-        </p:txBody>
-      </p:sp>
-      <p:sp>
-        <p:nvSpPr>
-          <p:cNvPr id="4" name="Дата 3">
-            <a:extLst>
-              <a:ext uri="{FF2B5EF4-FFF2-40B4-BE49-F238E27FC236}">
-                <a16:creationId xmlns:a16="http://schemas.microsoft.com/office/drawing/2014/main" id="{D6A4ABBC-A5CC-38C9-E6A5-9AFFA6BA2354}"/>
-              </a:ext>
-            </a:extLst>
-          </p:cNvPr>
+            <a:endParaRPr lang="en-US" dirty="0"/>
+          </a:p>
+        </p:txBody>
+      </p:sp>
+      <p:sp>
+        <p:nvSpPr>
+          <p:cNvPr id="4" name="Date Placeholder 3"/>
           <p:cNvSpPr>
             <a:spLocks noGrp="1"/>
           </p:cNvSpPr>
@@ -668,13 +3222,7 @@
       </p:sp>
       <p:sp>
         <p:nvSpPr>
-          <p:cNvPr id="5" name="Нижний колонтитул 4">
-            <a:extLst>
-              <a:ext uri="{FF2B5EF4-FFF2-40B4-BE49-F238E27FC236}">
-                <a16:creationId xmlns:a16="http://schemas.microsoft.com/office/drawing/2014/main" id="{925463EF-F936-B7C1-949E-288E04744F74}"/>
-              </a:ext>
-            </a:extLst>
-          </p:cNvPr>
+          <p:cNvPr id="5" name="Footer Placeholder 4"/>
           <p:cNvSpPr>
             <a:spLocks noGrp="1"/>
           </p:cNvSpPr>
@@ -693,13 +3241,7 @@
       </p:sp>
       <p:sp>
         <p:nvSpPr>
-          <p:cNvPr id="6" name="Номер слайда 5">
-            <a:extLst>
-              <a:ext uri="{FF2B5EF4-FFF2-40B4-BE49-F238E27FC236}">
-                <a16:creationId xmlns:a16="http://schemas.microsoft.com/office/drawing/2014/main" id="{04B386F8-A1ED-B63B-2D97-2F01EC05B563}"/>
-              </a:ext>
-            </a:extLst>
-          </p:cNvPr>
+          <p:cNvPr id="6" name="Slide Number Placeholder 5"/>
           <p:cNvSpPr>
             <a:spLocks noGrp="1"/>
           </p:cNvSpPr>
@@ -723,7 +3265,7 @@
     </p:spTree>
     <p:extLst>
       <p:ext uri="{BB962C8B-B14F-4D97-AF65-F5344CB8AC3E}">
-        <p14:creationId xmlns:p14="http://schemas.microsoft.com/office/powerpoint/2010/main" val="775111009"/>
+        <p14:creationId xmlns:p14="http://schemas.microsoft.com/office/powerpoint/2010/main" val="3426406782"/>
       </p:ext>
     </p:extLst>
   </p:cSld>
@@ -752,13 +3294,7 @@
       </p:grpSpPr>
       <p:sp>
         <p:nvSpPr>
-          <p:cNvPr id="2" name="Заголовок 1">
-            <a:extLst>
-              <a:ext uri="{FF2B5EF4-FFF2-40B4-BE49-F238E27FC236}">
-                <a16:creationId xmlns:a16="http://schemas.microsoft.com/office/drawing/2014/main" id="{445C0AFB-83CF-4AA1-BB90-F4E1F0707EA1}"/>
-              </a:ext>
-            </a:extLst>
-          </p:cNvPr>
+          <p:cNvPr id="2" name="Title 1"/>
           <p:cNvSpPr>
             <a:spLocks noGrp="1"/>
           </p:cNvSpPr>
@@ -775,18 +3311,13 @@
               <a:rPr lang="ru-RU"/>
               <a:t>Образец заголовка</a:t>
             </a:r>
-          </a:p>
-        </p:txBody>
-      </p:sp>
-      <p:sp>
-        <p:nvSpPr>
-          <p:cNvPr id="3" name="Объект 2">
-            <a:extLst>
-              <a:ext uri="{FF2B5EF4-FFF2-40B4-BE49-F238E27FC236}">
-                <a16:creationId xmlns:a16="http://schemas.microsoft.com/office/drawing/2014/main" id="{0DB1DA04-8543-E23B-0C63-A914589B97A5}"/>
-              </a:ext>
-            </a:extLst>
-          </p:cNvPr>
+            <a:endParaRPr lang="en-US" dirty="0"/>
+          </a:p>
+        </p:txBody>
+      </p:sp>
+      <p:sp>
+        <p:nvSpPr>
+          <p:cNvPr id="3" name="Content Placeholder 2"/>
           <p:cNvSpPr>
             <a:spLocks noGrp="1"/>
           </p:cNvSpPr>
@@ -832,18 +3363,13 @@
               <a:rPr lang="ru-RU"/>
               <a:t>Пятый уровень</a:t>
             </a:r>
-          </a:p>
-        </p:txBody>
-      </p:sp>
-      <p:sp>
-        <p:nvSpPr>
-          <p:cNvPr id="4" name="Дата 3">
-            <a:extLst>
-              <a:ext uri="{FF2B5EF4-FFF2-40B4-BE49-F238E27FC236}">
-                <a16:creationId xmlns:a16="http://schemas.microsoft.com/office/drawing/2014/main" id="{F6677A98-5EED-7B1C-735B-3CDE740887F3}"/>
-              </a:ext>
-            </a:extLst>
-          </p:cNvPr>
+            <a:endParaRPr lang="en-US" dirty="0"/>
+          </a:p>
+        </p:txBody>
+      </p:sp>
+      <p:sp>
+        <p:nvSpPr>
+          <p:cNvPr id="7" name="Date Placeholder 3"/>
           <p:cNvSpPr>
             <a:spLocks noGrp="1"/>
           </p:cNvSpPr>
@@ -866,13 +3392,7 @@
       </p:sp>
       <p:sp>
         <p:nvSpPr>
-          <p:cNvPr id="5" name="Нижний колонтитул 4">
-            <a:extLst>
-              <a:ext uri="{FF2B5EF4-FFF2-40B4-BE49-F238E27FC236}">
-                <a16:creationId xmlns:a16="http://schemas.microsoft.com/office/drawing/2014/main" id="{838E5489-E606-DA1A-0E43-897DC2255D2E}"/>
-              </a:ext>
-            </a:extLst>
-          </p:cNvPr>
+          <p:cNvPr id="5" name="Footer Placeholder 4"/>
           <p:cNvSpPr>
             <a:spLocks noGrp="1"/>
           </p:cNvSpPr>
@@ -891,13 +3411,7 @@
       </p:sp>
       <p:sp>
         <p:nvSpPr>
-          <p:cNvPr id="6" name="Номер слайда 5">
-            <a:extLst>
-              <a:ext uri="{FF2B5EF4-FFF2-40B4-BE49-F238E27FC236}">
-                <a16:creationId xmlns:a16="http://schemas.microsoft.com/office/drawing/2014/main" id="{0C462F02-4394-2AE5-D655-F616AE5A8D98}"/>
-              </a:ext>
-            </a:extLst>
-          </p:cNvPr>
+          <p:cNvPr id="6" name="Slide Number Placeholder 5"/>
           <p:cNvSpPr>
             <a:spLocks noGrp="1"/>
           </p:cNvSpPr>
@@ -921,7 +3435,7 @@
     </p:spTree>
     <p:extLst>
       <p:ext uri="{BB962C8B-B14F-4D97-AF65-F5344CB8AC3E}">
-        <p14:creationId xmlns:p14="http://schemas.microsoft.com/office/powerpoint/2010/main" val="3172713218"/>
+        <p14:creationId xmlns:p14="http://schemas.microsoft.com/office/powerpoint/2010/main" val="3205594477"/>
       </p:ext>
     </p:extLst>
   </p:cSld>
@@ -950,13 +3464,7 @@
       </p:grpSpPr>
       <p:sp>
         <p:nvSpPr>
-          <p:cNvPr id="2" name="Заголовок 1">
-            <a:extLst>
-              <a:ext uri="{FF2B5EF4-FFF2-40B4-BE49-F238E27FC236}">
-                <a16:creationId xmlns:a16="http://schemas.microsoft.com/office/drawing/2014/main" id="{28C2B097-E2D2-EAAC-7E96-12A83B64CE05}"/>
-              </a:ext>
-            </a:extLst>
-          </p:cNvPr>
+          <p:cNvPr id="2" name="Title 1"/>
           <p:cNvSpPr>
             <a:spLocks noGrp="1"/>
           </p:cNvSpPr>
@@ -966,15 +3474,15 @@
         </p:nvSpPr>
         <p:spPr>
           <a:xfrm>
-            <a:off x="831850" y="1709738"/>
-            <a:ext cx="10515600" cy="2852737"/>
+            <a:off x="1154956" y="2861733"/>
+            <a:ext cx="8825657" cy="1915647"/>
           </a:xfrm>
         </p:spPr>
         <p:txBody>
           <a:bodyPr anchor="b"/>
           <a:lstStyle>
-            <a:lvl1pPr>
-              <a:defRPr sz="6000"/>
+            <a:lvl1pPr algn="l">
+              <a:defRPr sz="4000" b="0" cap="none"/>
             </a:lvl1pPr>
           </a:lstStyle>
           <a:p>
@@ -982,18 +3490,13 @@
               <a:rPr lang="ru-RU"/>
               <a:t>Образец заголовка</a:t>
             </a:r>
-          </a:p>
-        </p:txBody>
-      </p:sp>
-      <p:sp>
-        <p:nvSpPr>
-          <p:cNvPr id="3" name="Текст 2">
-            <a:extLst>
-              <a:ext uri="{FF2B5EF4-FFF2-40B4-BE49-F238E27FC236}">
-                <a16:creationId xmlns:a16="http://schemas.microsoft.com/office/drawing/2014/main" id="{B58861AD-523B-1B76-80E6-35BEA1949811}"/>
-              </a:ext>
-            </a:extLst>
-          </p:cNvPr>
+            <a:endParaRPr lang="en-US" dirty="0"/>
+          </a:p>
+        </p:txBody>
+      </p:sp>
+      <p:sp>
+        <p:nvSpPr>
+          <p:cNvPr id="3" name="Text Placeholder 2"/>
           <p:cNvSpPr>
             <a:spLocks noGrp="1"/>
           </p:cNvSpPr>
@@ -1003,26 +3506,27 @@
         </p:nvSpPr>
         <p:spPr>
           <a:xfrm>
-            <a:off x="831850" y="4589463"/>
-            <a:ext cx="10515600" cy="1500187"/>
+            <a:off x="1154955" y="4777381"/>
+            <a:ext cx="8825658" cy="860400"/>
           </a:xfrm>
         </p:spPr>
         <p:txBody>
-          <a:bodyPr/>
+          <a:bodyPr anchor="t"/>
           <a:lstStyle>
-            <a:lvl1pPr marL="0" indent="0">
-              <a:buNone/>
-              <a:defRPr sz="2400">
+            <a:lvl1pPr marL="0" indent="0" algn="l">
+              <a:buNone/>
+              <a:defRPr sz="2000" cap="all">
                 <a:solidFill>
-                  <a:schemeClr val="tx1">
-                    <a:tint val="75000"/>
+                  <a:schemeClr val="bg2">
+                    <a:lumMod val="40000"/>
+                    <a:lumOff val="60000"/>
                   </a:schemeClr>
                 </a:solidFill>
               </a:defRPr>
             </a:lvl1pPr>
             <a:lvl2pPr marL="457200" indent="0">
               <a:buNone/>
-              <a:defRPr sz="2000">
+              <a:defRPr sz="1800">
                 <a:solidFill>
                   <a:schemeClr val="tx1">
                     <a:tint val="75000"/>
@@ -1032,7 +3536,7 @@
             </a:lvl2pPr>
             <a:lvl3pPr marL="914400" indent="0">
               <a:buNone/>
-              <a:defRPr sz="1800">
+              <a:defRPr sz="1600">
                 <a:solidFill>
                   <a:schemeClr val="tx1">
                     <a:tint val="75000"/>
@@ -1042,7 +3546,7 @@
             </a:lvl3pPr>
             <a:lvl4pPr marL="1371600" indent="0">
               <a:buNone/>
-              <a:defRPr sz="1600">
+              <a:defRPr sz="1400">
                 <a:solidFill>
                   <a:schemeClr val="tx1">
                     <a:tint val="75000"/>
@@ -1052,7 +3556,7 @@
             </a:lvl4pPr>
             <a:lvl5pPr marL="1828800" indent="0">
               <a:buNone/>
-              <a:defRPr sz="1600">
+              <a:defRPr sz="1400">
                 <a:solidFill>
                   <a:schemeClr val="tx1">
                     <a:tint val="75000"/>
@@ -1062,7 +3566,7 @@
             </a:lvl5pPr>
             <a:lvl6pPr marL="2286000" indent="0">
               <a:buNone/>
-              <a:defRPr sz="1600">
+              <a:defRPr sz="1400">
                 <a:solidFill>
                   <a:schemeClr val="tx1">
                     <a:tint val="75000"/>
@@ -1072,7 +3576,7 @@
             </a:lvl6pPr>
             <a:lvl7pPr marL="2743200" indent="0">
               <a:buNone/>
-              <a:defRPr sz="1600">
+              <a:defRPr sz="1400">
                 <a:solidFill>
                   <a:schemeClr val="tx1">
                     <a:tint val="75000"/>
@@ -1082,7 +3586,7 @@
             </a:lvl7pPr>
             <a:lvl8pPr marL="3200400" indent="0">
               <a:buNone/>
-              <a:defRPr sz="1600">
+              <a:defRPr sz="1400">
                 <a:solidFill>
                   <a:schemeClr val="tx1">
                     <a:tint val="75000"/>
@@ -1092,7 +3596,7 @@
             </a:lvl8pPr>
             <a:lvl9pPr marL="3657600" indent="0">
               <a:buNone/>
-              <a:defRPr sz="1600">
+              <a:defRPr sz="1400">
                 <a:solidFill>
                   <a:schemeClr val="tx1">
                     <a:tint val="75000"/>
@@ -1112,13 +3616,7 @@
       </p:sp>
       <p:sp>
         <p:nvSpPr>
-          <p:cNvPr id="4" name="Дата 3">
-            <a:extLst>
-              <a:ext uri="{FF2B5EF4-FFF2-40B4-BE49-F238E27FC236}">
-                <a16:creationId xmlns:a16="http://schemas.microsoft.com/office/drawing/2014/main" id="{17D5416A-B5BF-E1EE-3039-F4F0E7D8C97F}"/>
-              </a:ext>
-            </a:extLst>
-          </p:cNvPr>
+          <p:cNvPr id="4" name="Date Placeholder 3"/>
           <p:cNvSpPr>
             <a:spLocks noGrp="1"/>
           </p:cNvSpPr>
@@ -1141,13 +3639,7 @@
       </p:sp>
       <p:sp>
         <p:nvSpPr>
-          <p:cNvPr id="5" name="Нижний колонтитул 4">
-            <a:extLst>
-              <a:ext uri="{FF2B5EF4-FFF2-40B4-BE49-F238E27FC236}">
-                <a16:creationId xmlns:a16="http://schemas.microsoft.com/office/drawing/2014/main" id="{6397FA0B-BC59-8EF3-29D9-B9FA49F90F11}"/>
-              </a:ext>
-            </a:extLst>
-          </p:cNvPr>
+          <p:cNvPr id="5" name="Footer Placeholder 4"/>
           <p:cNvSpPr>
             <a:spLocks noGrp="1"/>
           </p:cNvSpPr>
@@ -1166,13 +3658,7 @@
       </p:sp>
       <p:sp>
         <p:nvSpPr>
-          <p:cNvPr id="6" name="Номер слайда 5">
-            <a:extLst>
-              <a:ext uri="{FF2B5EF4-FFF2-40B4-BE49-F238E27FC236}">
-                <a16:creationId xmlns:a16="http://schemas.microsoft.com/office/drawing/2014/main" id="{8E99C021-63CF-E29A-0F06-551E09090C7C}"/>
-              </a:ext>
-            </a:extLst>
-          </p:cNvPr>
+          <p:cNvPr id="6" name="Slide Number Placeholder 5"/>
           <p:cNvSpPr>
             <a:spLocks noGrp="1"/>
           </p:cNvSpPr>
@@ -1196,7 +3682,7 @@
     </p:spTree>
     <p:extLst>
       <p:ext uri="{BB962C8B-B14F-4D97-AF65-F5344CB8AC3E}">
-        <p14:creationId xmlns:p14="http://schemas.microsoft.com/office/powerpoint/2010/main" val="637609549"/>
+        <p14:creationId xmlns:p14="http://schemas.microsoft.com/office/powerpoint/2010/main" val="2259395093"/>
       </p:ext>
     </p:extLst>
   </p:cSld>
@@ -1225,13 +3711,7 @@
       </p:grpSpPr>
       <p:sp>
         <p:nvSpPr>
-          <p:cNvPr id="2" name="Заголовок 1">
-            <a:extLst>
-              <a:ext uri="{FF2B5EF4-FFF2-40B4-BE49-F238E27FC236}">
-                <a16:creationId xmlns:a16="http://schemas.microsoft.com/office/drawing/2014/main" id="{D92BE5AB-5D83-28DC-7EA1-F7D8255070C2}"/>
-              </a:ext>
-            </a:extLst>
-          </p:cNvPr>
+          <p:cNvPr id="2" name="Title 1"/>
           <p:cNvSpPr>
             <a:spLocks noGrp="1"/>
           </p:cNvSpPr>
@@ -1248,18 +3728,13 @@
               <a:rPr lang="ru-RU"/>
               <a:t>Образец заголовка</a:t>
             </a:r>
-          </a:p>
-        </p:txBody>
-      </p:sp>
-      <p:sp>
-        <p:nvSpPr>
-          <p:cNvPr id="3" name="Объект 2">
-            <a:extLst>
-              <a:ext uri="{FF2B5EF4-FFF2-40B4-BE49-F238E27FC236}">
-                <a16:creationId xmlns:a16="http://schemas.microsoft.com/office/drawing/2014/main" id="{D0D65560-226A-7DB9-3420-2AD964ACC4BB}"/>
-              </a:ext>
-            </a:extLst>
-          </p:cNvPr>
+            <a:endParaRPr lang="en-US" dirty="0"/>
+          </a:p>
+        </p:txBody>
+      </p:sp>
+      <p:sp>
+        <p:nvSpPr>
+          <p:cNvPr id="3" name="Content Placeholder 2"/>
           <p:cNvSpPr>
             <a:spLocks noGrp="1"/>
           </p:cNvSpPr>
@@ -1269,13 +3744,43 @@
         </p:nvSpPr>
         <p:spPr>
           <a:xfrm>
-            <a:off x="838200" y="1825625"/>
-            <a:ext cx="5181600" cy="4351338"/>
+            <a:off x="1103312" y="2060575"/>
+            <a:ext cx="4396339" cy="4195763"/>
           </a:xfrm>
         </p:spPr>
         <p:txBody>
-          <a:bodyPr/>
-          <a:lstStyle/>
+          <a:bodyPr>
+            <a:normAutofit/>
+          </a:bodyPr>
+          <a:lstStyle>
+            <a:lvl1pPr>
+              <a:defRPr sz="1800"/>
+            </a:lvl1pPr>
+            <a:lvl2pPr>
+              <a:defRPr sz="1600"/>
+            </a:lvl2pPr>
+            <a:lvl3pPr>
+              <a:defRPr sz="1400"/>
+            </a:lvl3pPr>
+            <a:lvl4pPr>
+              <a:defRPr sz="1200"/>
+            </a:lvl4pPr>
+            <a:lvl5pPr>
+              <a:defRPr sz="1200"/>
+            </a:lvl5pPr>
+            <a:lvl6pPr>
+              <a:defRPr sz="1200"/>
+            </a:lvl6pPr>
+            <a:lvl7pPr>
+              <a:defRPr sz="1200"/>
+            </a:lvl7pPr>
+            <a:lvl8pPr>
+              <a:defRPr sz="1200"/>
+            </a:lvl8pPr>
+            <a:lvl9pPr>
+              <a:defRPr sz="1200"/>
+            </a:lvl9pPr>
+          </a:lstStyle>
           <a:p>
             <a:pPr lvl="0"/>
             <a:r>
@@ -1310,18 +3815,13 @@
               <a:rPr lang="ru-RU"/>
               <a:t>Пятый уровень</a:t>
             </a:r>
-          </a:p>
-        </p:txBody>
-      </p:sp>
-      <p:sp>
-        <p:nvSpPr>
-          <p:cNvPr id="4" name="Объект 3">
-            <a:extLst>
-              <a:ext uri="{FF2B5EF4-FFF2-40B4-BE49-F238E27FC236}">
-                <a16:creationId xmlns:a16="http://schemas.microsoft.com/office/drawing/2014/main" id="{9319C490-3531-0EA2-BCE8-2AC53D68B88E}"/>
-              </a:ext>
-            </a:extLst>
-          </p:cNvPr>
+            <a:endParaRPr lang="en-US" dirty="0"/>
+          </a:p>
+        </p:txBody>
+      </p:sp>
+      <p:sp>
+        <p:nvSpPr>
+          <p:cNvPr id="4" name="Content Placeholder 3"/>
           <p:cNvSpPr>
             <a:spLocks noGrp="1"/>
           </p:cNvSpPr>
@@ -1331,13 +3831,43 @@
         </p:nvSpPr>
         <p:spPr>
           <a:xfrm>
-            <a:off x="6172200" y="1825625"/>
-            <a:ext cx="5181600" cy="4351338"/>
+            <a:off x="5654493" y="2056092"/>
+            <a:ext cx="4396341" cy="4200245"/>
           </a:xfrm>
         </p:spPr>
         <p:txBody>
-          <a:bodyPr/>
-          <a:lstStyle/>
+          <a:bodyPr>
+            <a:normAutofit/>
+          </a:bodyPr>
+          <a:lstStyle>
+            <a:lvl1pPr>
+              <a:defRPr sz="1800"/>
+            </a:lvl1pPr>
+            <a:lvl2pPr>
+              <a:defRPr sz="1600"/>
+            </a:lvl2pPr>
+            <a:lvl3pPr>
+              <a:defRPr sz="1400"/>
+            </a:lvl3pPr>
+            <a:lvl4pPr>
+              <a:defRPr sz="1200"/>
+            </a:lvl4pPr>
+            <a:lvl5pPr>
+              <a:defRPr sz="1200"/>
+            </a:lvl5pPr>
+            <a:lvl6pPr>
+              <a:defRPr sz="1200"/>
+            </a:lvl6pPr>
+            <a:lvl7pPr>
+              <a:defRPr sz="1200"/>
+            </a:lvl7pPr>
+            <a:lvl8pPr>
+              <a:defRPr sz="1200"/>
+            </a:lvl8pPr>
+            <a:lvl9pPr>
+              <a:defRPr sz="1200"/>
+            </a:lvl9pPr>
+          </a:lstStyle>
           <a:p>
             <a:pPr lvl="0"/>
             <a:r>
@@ -1372,18 +3902,13 @@
               <a:rPr lang="ru-RU"/>
               <a:t>Пятый уровень</a:t>
             </a:r>
-          </a:p>
-        </p:txBody>
-      </p:sp>
-      <p:sp>
-        <p:nvSpPr>
-          <p:cNvPr id="5" name="Дата 4">
-            <a:extLst>
-              <a:ext uri="{FF2B5EF4-FFF2-40B4-BE49-F238E27FC236}">
-                <a16:creationId xmlns:a16="http://schemas.microsoft.com/office/drawing/2014/main" id="{77267EF0-FBBE-7210-9066-B52DC32091B0}"/>
-              </a:ext>
-            </a:extLst>
-          </p:cNvPr>
+            <a:endParaRPr lang="en-US" dirty="0"/>
+          </a:p>
+        </p:txBody>
+      </p:sp>
+      <p:sp>
+        <p:nvSpPr>
+          <p:cNvPr id="5" name="Date Placeholder 4"/>
           <p:cNvSpPr>
             <a:spLocks noGrp="1"/>
           </p:cNvSpPr>
@@ -1406,13 +3931,7 @@
       </p:sp>
       <p:sp>
         <p:nvSpPr>
-          <p:cNvPr id="6" name="Нижний колонтитул 5">
-            <a:extLst>
-              <a:ext uri="{FF2B5EF4-FFF2-40B4-BE49-F238E27FC236}">
-                <a16:creationId xmlns:a16="http://schemas.microsoft.com/office/drawing/2014/main" id="{64BD1826-C1A8-9681-8F97-812804331A6F}"/>
-              </a:ext>
-            </a:extLst>
-          </p:cNvPr>
+          <p:cNvPr id="6" name="Footer Placeholder 5"/>
           <p:cNvSpPr>
             <a:spLocks noGrp="1"/>
           </p:cNvSpPr>
@@ -1431,13 +3950,7 @@
       </p:sp>
       <p:sp>
         <p:nvSpPr>
-          <p:cNvPr id="7" name="Номер слайда 6">
-            <a:extLst>
-              <a:ext uri="{FF2B5EF4-FFF2-40B4-BE49-F238E27FC236}">
-                <a16:creationId xmlns:a16="http://schemas.microsoft.com/office/drawing/2014/main" id="{E690813B-528F-9CC3-DB8E-BB7CCDA59926}"/>
-              </a:ext>
-            </a:extLst>
-          </p:cNvPr>
+          <p:cNvPr id="7" name="Slide Number Placeholder 6"/>
           <p:cNvSpPr>
             <a:spLocks noGrp="1"/>
           </p:cNvSpPr>
@@ -1461,7 +3974,7 @@
     </p:spTree>
     <p:extLst>
       <p:ext uri="{BB962C8B-B14F-4D97-AF65-F5344CB8AC3E}">
-        <p14:creationId xmlns:p14="http://schemas.microsoft.com/office/powerpoint/2010/main" val="425536489"/>
+        <p14:creationId xmlns:p14="http://schemas.microsoft.com/office/powerpoint/2010/main" val="32547065"/>
       </p:ext>
     </p:extLst>
   </p:cSld>
@@ -1490,65 +4003,62 @@
       </p:grpSpPr>
       <p:sp>
         <p:nvSpPr>
-          <p:cNvPr id="2" name="Заголовок 1">
-            <a:extLst>
-              <a:ext uri="{FF2B5EF4-FFF2-40B4-BE49-F238E27FC236}">
-                <a16:creationId xmlns:a16="http://schemas.microsoft.com/office/drawing/2014/main" id="{20CAA709-687A-FA4A-C9BB-D232E332094F}"/>
-              </a:ext>
-            </a:extLst>
-          </p:cNvPr>
+          <p:cNvPr id="2" name="Title 1"/>
           <p:cNvSpPr>
             <a:spLocks noGrp="1"/>
           </p:cNvSpPr>
           <p:nvPr>
             <p:ph type="title"/>
+          </p:nvPr>
+        </p:nvSpPr>
+        <p:spPr/>
+        <p:txBody>
+          <a:bodyPr/>
+          <a:lstStyle>
+            <a:lvl1pPr>
+              <a:defRPr/>
+            </a:lvl1pPr>
+          </a:lstStyle>
+          <a:p>
+            <a:r>
+              <a:rPr lang="ru-RU"/>
+              <a:t>Образец заголовка</a:t>
+            </a:r>
+            <a:endParaRPr lang="en-US" dirty="0"/>
+          </a:p>
+        </p:txBody>
+      </p:sp>
+      <p:sp>
+        <p:nvSpPr>
+          <p:cNvPr id="3" name="Text Placeholder 2"/>
+          <p:cNvSpPr>
+            <a:spLocks noGrp="1"/>
+          </p:cNvSpPr>
+          <p:nvPr>
+            <p:ph type="body" idx="1"/>
           </p:nvPr>
         </p:nvSpPr>
         <p:spPr>
           <a:xfrm>
-            <a:off x="839788" y="365125"/>
-            <a:ext cx="10515600" cy="1325563"/>
+            <a:off x="1103313" y="1905000"/>
+            <a:ext cx="4396338" cy="576262"/>
           </a:xfrm>
         </p:spPr>
         <p:txBody>
-          <a:bodyPr/>
-          <a:lstStyle/>
-          <a:p>
-            <a:r>
-              <a:rPr lang="ru-RU"/>
-              <a:t>Образец заголовка</a:t>
-            </a:r>
-          </a:p>
-        </p:txBody>
-      </p:sp>
-      <p:sp>
-        <p:nvSpPr>
-          <p:cNvPr id="3" name="Текст 2">
-            <a:extLst>
-              <a:ext uri="{FF2B5EF4-FFF2-40B4-BE49-F238E27FC236}">
-                <a16:creationId xmlns:a16="http://schemas.microsoft.com/office/drawing/2014/main" id="{97554306-B4E2-79ED-8454-46D54EDBC8C7}"/>
-              </a:ext>
-            </a:extLst>
-          </p:cNvPr>
-          <p:cNvSpPr>
-            <a:spLocks noGrp="1"/>
-          </p:cNvSpPr>
-          <p:nvPr>
-            <p:ph type="body" idx="1"/>
-          </p:nvPr>
-        </p:nvSpPr>
-        <p:spPr>
-          <a:xfrm>
-            <a:off x="839788" y="1681163"/>
-            <a:ext cx="5157787" cy="823912"/>
-          </a:xfrm>
-        </p:spPr>
-        <p:txBody>
-          <a:bodyPr anchor="b"/>
+          <a:bodyPr anchor="b">
+            <a:noAutofit/>
+          </a:bodyPr>
           <a:lstStyle>
             <a:lvl1pPr marL="0" indent="0">
               <a:buNone/>
-              <a:defRPr sz="2400" b="1"/>
+              <a:defRPr sz="2400" b="0">
+                <a:solidFill>
+                  <a:schemeClr val="bg2">
+                    <a:lumMod val="40000"/>
+                    <a:lumOff val="60000"/>
+                  </a:schemeClr>
+                </a:solidFill>
+              </a:defRPr>
             </a:lvl1pPr>
             <a:lvl2pPr marL="457200" indent="0">
               <a:buNone/>
@@ -1594,13 +4104,7 @@
       </p:sp>
       <p:sp>
         <p:nvSpPr>
-          <p:cNvPr id="4" name="Объект 3">
-            <a:extLst>
-              <a:ext uri="{FF2B5EF4-FFF2-40B4-BE49-F238E27FC236}">
-                <a16:creationId xmlns:a16="http://schemas.microsoft.com/office/drawing/2014/main" id="{0E4F8571-4981-9755-D873-F8CE4B51C624}"/>
-              </a:ext>
-            </a:extLst>
-          </p:cNvPr>
+          <p:cNvPr id="4" name="Content Placeholder 3"/>
           <p:cNvSpPr>
             <a:spLocks noGrp="1"/>
           </p:cNvSpPr>
@@ -1610,13 +4114,43 @@
         </p:nvSpPr>
         <p:spPr>
           <a:xfrm>
-            <a:off x="839788" y="2505075"/>
-            <a:ext cx="5157787" cy="3684588"/>
+            <a:off x="1103312" y="2514600"/>
+            <a:ext cx="4396339" cy="3741738"/>
           </a:xfrm>
         </p:spPr>
         <p:txBody>
-          <a:bodyPr/>
-          <a:lstStyle/>
+          <a:bodyPr>
+            <a:normAutofit/>
+          </a:bodyPr>
+          <a:lstStyle>
+            <a:lvl1pPr>
+              <a:defRPr sz="1800"/>
+            </a:lvl1pPr>
+            <a:lvl2pPr>
+              <a:defRPr sz="1600"/>
+            </a:lvl2pPr>
+            <a:lvl3pPr>
+              <a:defRPr sz="1400"/>
+            </a:lvl3pPr>
+            <a:lvl4pPr>
+              <a:defRPr sz="1200"/>
+            </a:lvl4pPr>
+            <a:lvl5pPr>
+              <a:defRPr sz="1200"/>
+            </a:lvl5pPr>
+            <a:lvl6pPr>
+              <a:defRPr sz="1200"/>
+            </a:lvl6pPr>
+            <a:lvl7pPr>
+              <a:defRPr sz="1200"/>
+            </a:lvl7pPr>
+            <a:lvl8pPr>
+              <a:defRPr sz="1200"/>
+            </a:lvl8pPr>
+            <a:lvl9pPr>
+              <a:defRPr sz="1200"/>
+            </a:lvl9pPr>
+          </a:lstStyle>
           <a:p>
             <a:pPr lvl="0"/>
             <a:r>
@@ -1651,18 +4185,13 @@
               <a:rPr lang="ru-RU"/>
               <a:t>Пятый уровень</a:t>
             </a:r>
-          </a:p>
-        </p:txBody>
-      </p:sp>
-      <p:sp>
-        <p:nvSpPr>
-          <p:cNvPr id="5" name="Текст 4">
-            <a:extLst>
-              <a:ext uri="{FF2B5EF4-FFF2-40B4-BE49-F238E27FC236}">
-                <a16:creationId xmlns:a16="http://schemas.microsoft.com/office/drawing/2014/main" id="{B1FC9A8E-BE3D-9FC5-DDD0-4AAF5A02F7C2}"/>
-              </a:ext>
-            </a:extLst>
-          </p:cNvPr>
+            <a:endParaRPr lang="en-US" dirty="0"/>
+          </a:p>
+        </p:txBody>
+      </p:sp>
+      <p:sp>
+        <p:nvSpPr>
+          <p:cNvPr id="5" name="Text Placeholder 4"/>
           <p:cNvSpPr>
             <a:spLocks noGrp="1"/>
           </p:cNvSpPr>
@@ -1672,16 +4201,25 @@
         </p:nvSpPr>
         <p:spPr>
           <a:xfrm>
-            <a:off x="6172200" y="1681163"/>
-            <a:ext cx="5183188" cy="823912"/>
+            <a:off x="5654495" y="1905000"/>
+            <a:ext cx="4396339" cy="576262"/>
           </a:xfrm>
         </p:spPr>
         <p:txBody>
-          <a:bodyPr anchor="b"/>
+          <a:bodyPr anchor="b">
+            <a:noAutofit/>
+          </a:bodyPr>
           <a:lstStyle>
             <a:lvl1pPr marL="0" indent="0">
               <a:buNone/>
-              <a:defRPr sz="2400" b="1"/>
+              <a:defRPr sz="2400" b="0">
+                <a:solidFill>
+                  <a:schemeClr val="bg2">
+                    <a:lumMod val="40000"/>
+                    <a:lumOff val="60000"/>
+                  </a:schemeClr>
+                </a:solidFill>
+              </a:defRPr>
             </a:lvl1pPr>
             <a:lvl2pPr marL="457200" indent="0">
               <a:buNone/>
@@ -1727,13 +4265,7 @@
       </p:sp>
       <p:sp>
         <p:nvSpPr>
-          <p:cNvPr id="6" name="Объект 5">
-            <a:extLst>
-              <a:ext uri="{FF2B5EF4-FFF2-40B4-BE49-F238E27FC236}">
-                <a16:creationId xmlns:a16="http://schemas.microsoft.com/office/drawing/2014/main" id="{EE3AB48F-29A7-68C5-0EE5-81A41C1E481C}"/>
-              </a:ext>
-            </a:extLst>
-          </p:cNvPr>
+          <p:cNvPr id="6" name="Content Placeholder 5"/>
           <p:cNvSpPr>
             <a:spLocks noGrp="1"/>
           </p:cNvSpPr>
@@ -1743,13 +4275,43 @@
         </p:nvSpPr>
         <p:spPr>
           <a:xfrm>
-            <a:off x="6172200" y="2505075"/>
-            <a:ext cx="5183188" cy="3684588"/>
+            <a:off x="5654495" y="2514600"/>
+            <a:ext cx="4396339" cy="3741738"/>
           </a:xfrm>
         </p:spPr>
         <p:txBody>
-          <a:bodyPr/>
-          <a:lstStyle/>
+          <a:bodyPr>
+            <a:normAutofit/>
+          </a:bodyPr>
+          <a:lstStyle>
+            <a:lvl1pPr>
+              <a:defRPr sz="1800"/>
+            </a:lvl1pPr>
+            <a:lvl2pPr>
+              <a:defRPr sz="1600"/>
+            </a:lvl2pPr>
+            <a:lvl3pPr>
+              <a:defRPr sz="1400"/>
+            </a:lvl3pPr>
+            <a:lvl4pPr>
+              <a:defRPr sz="1200"/>
+            </a:lvl4pPr>
+            <a:lvl5pPr>
+              <a:defRPr sz="1200"/>
+            </a:lvl5pPr>
+            <a:lvl6pPr>
+              <a:defRPr sz="1200"/>
+            </a:lvl6pPr>
+            <a:lvl7pPr>
+              <a:defRPr sz="1200"/>
+            </a:lvl7pPr>
+            <a:lvl8pPr>
+              <a:defRPr sz="1200"/>
+            </a:lvl8pPr>
+            <a:lvl9pPr>
+              <a:defRPr sz="1200"/>
+            </a:lvl9pPr>
+          </a:lstStyle>
           <a:p>
             <a:pPr lvl="0"/>
             <a:r>
@@ -1784,18 +4346,13 @@
               <a:rPr lang="ru-RU"/>
               <a:t>Пятый уровень</a:t>
             </a:r>
-          </a:p>
-        </p:txBody>
-      </p:sp>
-      <p:sp>
-        <p:nvSpPr>
-          <p:cNvPr id="7" name="Дата 6">
-            <a:extLst>
-              <a:ext uri="{FF2B5EF4-FFF2-40B4-BE49-F238E27FC236}">
-                <a16:creationId xmlns:a16="http://schemas.microsoft.com/office/drawing/2014/main" id="{E7492C16-593E-EC15-86A2-FB531A7F3872}"/>
-              </a:ext>
-            </a:extLst>
-          </p:cNvPr>
+            <a:endParaRPr lang="en-US" dirty="0"/>
+          </a:p>
+        </p:txBody>
+      </p:sp>
+      <p:sp>
+        <p:nvSpPr>
+          <p:cNvPr id="7" name="Date Placeholder 6"/>
           <p:cNvSpPr>
             <a:spLocks noGrp="1"/>
           </p:cNvSpPr>
@@ -1818,13 +4375,7 @@
       </p:sp>
       <p:sp>
         <p:nvSpPr>
-          <p:cNvPr id="8" name="Нижний колонтитул 7">
-            <a:extLst>
-              <a:ext uri="{FF2B5EF4-FFF2-40B4-BE49-F238E27FC236}">
-                <a16:creationId xmlns:a16="http://schemas.microsoft.com/office/drawing/2014/main" id="{54326EE1-90B6-D09B-2734-2EA4E6882306}"/>
-              </a:ext>
-            </a:extLst>
-          </p:cNvPr>
+          <p:cNvPr id="8" name="Footer Placeholder 7"/>
           <p:cNvSpPr>
             <a:spLocks noGrp="1"/>
           </p:cNvSpPr>
@@ -1843,13 +4394,7 @@
       </p:sp>
       <p:sp>
         <p:nvSpPr>
-          <p:cNvPr id="9" name="Номер слайда 8">
-            <a:extLst>
-              <a:ext uri="{FF2B5EF4-FFF2-40B4-BE49-F238E27FC236}">
-                <a16:creationId xmlns:a16="http://schemas.microsoft.com/office/drawing/2014/main" id="{49DA39C0-93AA-CE30-C6A6-E688DF465790}"/>
-              </a:ext>
-            </a:extLst>
-          </p:cNvPr>
+          <p:cNvPr id="9" name="Slide Number Placeholder 8"/>
           <p:cNvSpPr>
             <a:spLocks noGrp="1"/>
           </p:cNvSpPr>
@@ -1873,7 +4418,7 @@
     </p:spTree>
     <p:extLst>
       <p:ext uri="{BB962C8B-B14F-4D97-AF65-F5344CB8AC3E}">
-        <p14:creationId xmlns:p14="http://schemas.microsoft.com/office/powerpoint/2010/main" val="2437371595"/>
+        <p14:creationId xmlns:p14="http://schemas.microsoft.com/office/powerpoint/2010/main" val="2647344625"/>
       </p:ext>
     </p:extLst>
   </p:cSld>
@@ -1902,13 +4447,7 @@
       </p:grpSpPr>
       <p:sp>
         <p:nvSpPr>
-          <p:cNvPr id="2" name="Заголовок 1">
-            <a:extLst>
-              <a:ext uri="{FF2B5EF4-FFF2-40B4-BE49-F238E27FC236}">
-                <a16:creationId xmlns:a16="http://schemas.microsoft.com/office/drawing/2014/main" id="{C9AD5100-7CE7-914F-7B61-DEFEAFF2BD62}"/>
-              </a:ext>
-            </a:extLst>
-          </p:cNvPr>
+          <p:cNvPr id="2" name="Title 1"/>
           <p:cNvSpPr>
             <a:spLocks noGrp="1"/>
           </p:cNvSpPr>
@@ -1925,18 +4464,13 @@
               <a:rPr lang="ru-RU"/>
               <a:t>Образец заголовка</a:t>
             </a:r>
-          </a:p>
-        </p:txBody>
-      </p:sp>
-      <p:sp>
-        <p:nvSpPr>
-          <p:cNvPr id="3" name="Дата 2">
-            <a:extLst>
-              <a:ext uri="{FF2B5EF4-FFF2-40B4-BE49-F238E27FC236}">
-                <a16:creationId xmlns:a16="http://schemas.microsoft.com/office/drawing/2014/main" id="{B8265F56-892A-857E-7424-E3BDEAA78D92}"/>
-              </a:ext>
-            </a:extLst>
-          </p:cNvPr>
+            <a:endParaRPr lang="en-US" dirty="0"/>
+          </a:p>
+        </p:txBody>
+      </p:sp>
+      <p:sp>
+        <p:nvSpPr>
+          <p:cNvPr id="7" name="Date Placeholder 2"/>
           <p:cNvSpPr>
             <a:spLocks noGrp="1"/>
           </p:cNvSpPr>
@@ -1959,13 +4493,7 @@
       </p:sp>
       <p:sp>
         <p:nvSpPr>
-          <p:cNvPr id="4" name="Нижний колонтитул 3">
-            <a:extLst>
-              <a:ext uri="{FF2B5EF4-FFF2-40B4-BE49-F238E27FC236}">
-                <a16:creationId xmlns:a16="http://schemas.microsoft.com/office/drawing/2014/main" id="{BD05D844-11C2-4109-294C-1EADC6ECAEB7}"/>
-              </a:ext>
-            </a:extLst>
-          </p:cNvPr>
+          <p:cNvPr id="5" name="Footer Placeholder 3"/>
           <p:cNvSpPr>
             <a:spLocks noGrp="1"/>
           </p:cNvSpPr>
@@ -1984,13 +4512,7 @@
       </p:sp>
       <p:sp>
         <p:nvSpPr>
-          <p:cNvPr id="5" name="Номер слайда 4">
-            <a:extLst>
-              <a:ext uri="{FF2B5EF4-FFF2-40B4-BE49-F238E27FC236}">
-                <a16:creationId xmlns:a16="http://schemas.microsoft.com/office/drawing/2014/main" id="{ECAA2957-32FB-EC4B-AA58-CCD4412B6517}"/>
-              </a:ext>
-            </a:extLst>
-          </p:cNvPr>
+          <p:cNvPr id="6" name="Slide Number Placeholder 4"/>
           <p:cNvSpPr>
             <a:spLocks noGrp="1"/>
           </p:cNvSpPr>
@@ -2014,7 +4536,7 @@
     </p:spTree>
     <p:extLst>
       <p:ext uri="{BB962C8B-B14F-4D97-AF65-F5344CB8AC3E}">
-        <p14:creationId xmlns:p14="http://schemas.microsoft.com/office/powerpoint/2010/main" val="3908793703"/>
+        <p14:creationId xmlns:p14="http://schemas.microsoft.com/office/powerpoint/2010/main" val="178420733"/>
       </p:ext>
     </p:extLst>
   </p:cSld>
@@ -2043,13 +4565,7 @@
       </p:grpSpPr>
       <p:sp>
         <p:nvSpPr>
-          <p:cNvPr id="2" name="Дата 1">
-            <a:extLst>
-              <a:ext uri="{FF2B5EF4-FFF2-40B4-BE49-F238E27FC236}">
-                <a16:creationId xmlns:a16="http://schemas.microsoft.com/office/drawing/2014/main" id="{F0201121-6AAF-F32C-9B01-24D2F8AD38C1}"/>
-              </a:ext>
-            </a:extLst>
-          </p:cNvPr>
+          <p:cNvPr id="7" name="Date Placeholder 1"/>
           <p:cNvSpPr>
             <a:spLocks noGrp="1"/>
           </p:cNvSpPr>
@@ -2072,13 +4588,7 @@
       </p:sp>
       <p:sp>
         <p:nvSpPr>
-          <p:cNvPr id="3" name="Нижний колонтитул 2">
-            <a:extLst>
-              <a:ext uri="{FF2B5EF4-FFF2-40B4-BE49-F238E27FC236}">
-                <a16:creationId xmlns:a16="http://schemas.microsoft.com/office/drawing/2014/main" id="{981EADFB-A3F6-27F9-26FC-21A8B25BD229}"/>
-              </a:ext>
-            </a:extLst>
-          </p:cNvPr>
+          <p:cNvPr id="5" name="Footer Placeholder 2"/>
           <p:cNvSpPr>
             <a:spLocks noGrp="1"/>
           </p:cNvSpPr>
@@ -2097,13 +4607,7 @@
       </p:sp>
       <p:sp>
         <p:nvSpPr>
-          <p:cNvPr id="4" name="Номер слайда 3">
-            <a:extLst>
-              <a:ext uri="{FF2B5EF4-FFF2-40B4-BE49-F238E27FC236}">
-                <a16:creationId xmlns:a16="http://schemas.microsoft.com/office/drawing/2014/main" id="{58BFC3B4-5FD1-7924-6907-151F218FA15F}"/>
-              </a:ext>
-            </a:extLst>
-          </p:cNvPr>
+          <p:cNvPr id="6" name="Slide Number Placeholder 3"/>
           <p:cNvSpPr>
             <a:spLocks noGrp="1"/>
           </p:cNvSpPr>
@@ -2127,7 +4631,7 @@
     </p:spTree>
     <p:extLst>
       <p:ext uri="{BB962C8B-B14F-4D97-AF65-F5344CB8AC3E}">
-        <p14:creationId xmlns:p14="http://schemas.microsoft.com/office/powerpoint/2010/main" val="1656955054"/>
+        <p14:creationId xmlns:p14="http://schemas.microsoft.com/office/powerpoint/2010/main" val="227457184"/>
       </p:ext>
     </p:extLst>
   </p:cSld>
@@ -2156,13 +4660,7 @@
       </p:grpSpPr>
       <p:sp>
         <p:nvSpPr>
-          <p:cNvPr id="2" name="Заголовок 1">
-            <a:extLst>
-              <a:ext uri="{FF2B5EF4-FFF2-40B4-BE49-F238E27FC236}">
-                <a16:creationId xmlns:a16="http://schemas.microsoft.com/office/drawing/2014/main" id="{868FDFBD-F788-1FF4-C1DC-3901FAED06F4}"/>
-              </a:ext>
-            </a:extLst>
-          </p:cNvPr>
+          <p:cNvPr id="2" name="Title 1"/>
           <p:cNvSpPr>
             <a:spLocks noGrp="1"/>
           </p:cNvSpPr>
@@ -2172,15 +4670,15 @@
         </p:nvSpPr>
         <p:spPr>
           <a:xfrm>
-            <a:off x="839788" y="457200"/>
-            <a:ext cx="3932237" cy="1600200"/>
+            <a:off x="1154953" y="1447800"/>
+            <a:ext cx="3401064" cy="1447800"/>
           </a:xfrm>
         </p:spPr>
         <p:txBody>
           <a:bodyPr anchor="b"/>
           <a:lstStyle>
-            <a:lvl1pPr>
-              <a:defRPr sz="3200"/>
+            <a:lvl1pPr algn="l">
+              <a:defRPr sz="2400" b="0"/>
             </a:lvl1pPr>
           </a:lstStyle>
           <a:p>
@@ -2188,18 +4686,13 @@
               <a:rPr lang="ru-RU"/>
               <a:t>Образец заголовка</a:t>
             </a:r>
-          </a:p>
-        </p:txBody>
-      </p:sp>
-      <p:sp>
-        <p:nvSpPr>
-          <p:cNvPr id="3" name="Объект 2">
-            <a:extLst>
-              <a:ext uri="{FF2B5EF4-FFF2-40B4-BE49-F238E27FC236}">
-                <a16:creationId xmlns:a16="http://schemas.microsoft.com/office/drawing/2014/main" id="{1F59706F-0D89-D4BD-03D3-85738346C5BE}"/>
-              </a:ext>
-            </a:extLst>
-          </p:cNvPr>
+            <a:endParaRPr lang="en-US" dirty="0"/>
+          </a:p>
+        </p:txBody>
+      </p:sp>
+      <p:sp>
+        <p:nvSpPr>
+          <p:cNvPr id="3" name="Content Placeholder 2"/>
           <p:cNvSpPr>
             <a:spLocks noGrp="1"/>
           </p:cNvSpPr>
@@ -2209,39 +4702,41 @@
         </p:nvSpPr>
         <p:spPr>
           <a:xfrm>
-            <a:off x="5183188" y="987425"/>
-            <a:ext cx="6172200" cy="4873625"/>
+            <a:off x="4784616" y="1447800"/>
+            <a:ext cx="5195997" cy="4572000"/>
           </a:xfrm>
         </p:spPr>
         <p:txBody>
-          <a:bodyPr/>
+          <a:bodyPr anchor="ctr">
+            <a:normAutofit/>
+          </a:bodyPr>
           <a:lstStyle>
             <a:lvl1pPr>
-              <a:defRPr sz="3200"/>
+              <a:defRPr sz="2000"/>
             </a:lvl1pPr>
             <a:lvl2pPr>
-              <a:defRPr sz="2800"/>
+              <a:defRPr sz="1800"/>
             </a:lvl2pPr>
             <a:lvl3pPr>
-              <a:defRPr sz="2400"/>
+              <a:defRPr sz="1600"/>
             </a:lvl3pPr>
             <a:lvl4pPr>
-              <a:defRPr sz="2000"/>
+              <a:defRPr sz="1400"/>
             </a:lvl4pPr>
             <a:lvl5pPr>
-              <a:defRPr sz="2000"/>
+              <a:defRPr sz="1400"/>
             </a:lvl5pPr>
             <a:lvl6pPr>
-              <a:defRPr sz="2000"/>
+              <a:defRPr sz="1400"/>
             </a:lvl6pPr>
             <a:lvl7pPr>
-              <a:defRPr sz="2000"/>
+              <a:defRPr sz="1400"/>
             </a:lvl7pPr>
             <a:lvl8pPr>
-              <a:defRPr sz="2000"/>
+              <a:defRPr sz="1400"/>
             </a:lvl8pPr>
             <a:lvl9pPr>
-              <a:defRPr sz="2000"/>
+              <a:defRPr sz="1400"/>
             </a:lvl9pPr>
           </a:lstStyle>
           <a:p>
@@ -2278,18 +4773,13 @@
               <a:rPr lang="ru-RU"/>
               <a:t>Пятый уровень</a:t>
             </a:r>
-          </a:p>
-        </p:txBody>
-      </p:sp>
-      <p:sp>
-        <p:nvSpPr>
-          <p:cNvPr id="4" name="Текст 3">
-            <a:extLst>
-              <a:ext uri="{FF2B5EF4-FFF2-40B4-BE49-F238E27FC236}">
-                <a16:creationId xmlns:a16="http://schemas.microsoft.com/office/drawing/2014/main" id="{0AE4C207-2DCF-1D2F-3A58-804F4017FFAC}"/>
-              </a:ext>
-            </a:extLst>
-          </p:cNvPr>
+            <a:endParaRPr lang="en-US" dirty="0"/>
+          </a:p>
+        </p:txBody>
+      </p:sp>
+      <p:sp>
+        <p:nvSpPr>
+          <p:cNvPr id="4" name="Text Placeholder 3"/>
           <p:cNvSpPr>
             <a:spLocks noGrp="1"/>
           </p:cNvSpPr>
@@ -2299,8 +4789,8 @@
         </p:nvSpPr>
         <p:spPr>
           <a:xfrm>
-            <a:off x="839788" y="2057400"/>
-            <a:ext cx="3932237" cy="3811588"/>
+            <a:off x="1154953" y="3129280"/>
+            <a:ext cx="3401063" cy="2895599"/>
           </a:xfrm>
         </p:spPr>
         <p:txBody>
@@ -2308,39 +4798,39 @@
           <a:lstStyle>
             <a:lvl1pPr marL="0" indent="0">
               <a:buNone/>
-              <a:defRPr sz="1600"/>
+              <a:defRPr sz="1400"/>
             </a:lvl1pPr>
             <a:lvl2pPr marL="457200" indent="0">
               <a:buNone/>
-              <a:defRPr sz="1400"/>
+              <a:defRPr sz="1200"/>
             </a:lvl2pPr>
             <a:lvl3pPr marL="914400" indent="0">
               <a:buNone/>
-              <a:defRPr sz="1200"/>
+              <a:defRPr sz="1000"/>
             </a:lvl3pPr>
             <a:lvl4pPr marL="1371600" indent="0">
               <a:buNone/>
-              <a:defRPr sz="1000"/>
+              <a:defRPr sz="900"/>
             </a:lvl4pPr>
             <a:lvl5pPr marL="1828800" indent="0">
               <a:buNone/>
-              <a:defRPr sz="1000"/>
+              <a:defRPr sz="900"/>
             </a:lvl5pPr>
             <a:lvl6pPr marL="2286000" indent="0">
               <a:buNone/>
-              <a:defRPr sz="1000"/>
+              <a:defRPr sz="900"/>
             </a:lvl6pPr>
             <a:lvl7pPr marL="2743200" indent="0">
               <a:buNone/>
-              <a:defRPr sz="1000"/>
+              <a:defRPr sz="900"/>
             </a:lvl7pPr>
             <a:lvl8pPr marL="3200400" indent="0">
               <a:buNone/>
-              <a:defRPr sz="1000"/>
+              <a:defRPr sz="900"/>
             </a:lvl8pPr>
             <a:lvl9pPr marL="3657600" indent="0">
               <a:buNone/>
-              <a:defRPr sz="1000"/>
+              <a:defRPr sz="900"/>
             </a:lvl9pPr>
           </a:lstStyle>
           <a:p>
@@ -2354,13 +4844,7 @@
       </p:sp>
       <p:sp>
         <p:nvSpPr>
-          <p:cNvPr id="5" name="Дата 4">
-            <a:extLst>
-              <a:ext uri="{FF2B5EF4-FFF2-40B4-BE49-F238E27FC236}">
-                <a16:creationId xmlns:a16="http://schemas.microsoft.com/office/drawing/2014/main" id="{D73A317D-A57A-BED8-2DD8-297155D3E4E5}"/>
-              </a:ext>
-            </a:extLst>
-          </p:cNvPr>
+          <p:cNvPr id="7" name="Date Placeholder 4"/>
           <p:cNvSpPr>
             <a:spLocks noGrp="1"/>
           </p:cNvSpPr>
@@ -2383,13 +4867,7 @@
       </p:sp>
       <p:sp>
         <p:nvSpPr>
-          <p:cNvPr id="6" name="Нижний колонтитул 5">
-            <a:extLst>
-              <a:ext uri="{FF2B5EF4-FFF2-40B4-BE49-F238E27FC236}">
-                <a16:creationId xmlns:a16="http://schemas.microsoft.com/office/drawing/2014/main" id="{CE04AA3B-3522-380A-83B9-F8E3211A7FF9}"/>
-              </a:ext>
-            </a:extLst>
-          </p:cNvPr>
+          <p:cNvPr id="5" name="Footer Placeholder 5"/>
           <p:cNvSpPr>
             <a:spLocks noGrp="1"/>
           </p:cNvSpPr>
@@ -2408,13 +4886,7 @@
       </p:sp>
       <p:sp>
         <p:nvSpPr>
-          <p:cNvPr id="7" name="Номер слайда 6">
-            <a:extLst>
-              <a:ext uri="{FF2B5EF4-FFF2-40B4-BE49-F238E27FC236}">
-                <a16:creationId xmlns:a16="http://schemas.microsoft.com/office/drawing/2014/main" id="{BB76643E-3637-70E3-F19C-30B5F4F124A6}"/>
-              </a:ext>
-            </a:extLst>
-          </p:cNvPr>
+          <p:cNvPr id="6" name="Slide Number Placeholder 6"/>
           <p:cNvSpPr>
             <a:spLocks noGrp="1"/>
           </p:cNvSpPr>
@@ -2438,7 +4910,7 @@
     </p:spTree>
     <p:extLst>
       <p:ext uri="{BB962C8B-B14F-4D97-AF65-F5344CB8AC3E}">
-        <p14:creationId xmlns:p14="http://schemas.microsoft.com/office/powerpoint/2010/main" val="2511861202"/>
+        <p14:creationId xmlns:p14="http://schemas.microsoft.com/office/powerpoint/2010/main" val="3940989519"/>
       </p:ext>
     </p:extLst>
   </p:cSld>
@@ -2467,13 +4939,7 @@
       </p:grpSpPr>
       <p:sp>
         <p:nvSpPr>
-          <p:cNvPr id="2" name="Заголовок 1">
-            <a:extLst>
-              <a:ext uri="{FF2B5EF4-FFF2-40B4-BE49-F238E27FC236}">
-                <a16:creationId xmlns:a16="http://schemas.microsoft.com/office/drawing/2014/main" id="{7D0A3C42-7EA7-B523-4BC7-942FE1F5A8A7}"/>
-              </a:ext>
-            </a:extLst>
-          </p:cNvPr>
+          <p:cNvPr id="2" name="Title 1"/>
           <p:cNvSpPr>
             <a:spLocks noGrp="1"/>
           </p:cNvSpPr>
@@ -2483,15 +4949,17 @@
         </p:nvSpPr>
         <p:spPr>
           <a:xfrm>
-            <a:off x="839788" y="457200"/>
-            <a:ext cx="3932237" cy="1600200"/>
+            <a:off x="1153907" y="1854192"/>
+            <a:ext cx="5092906" cy="1574808"/>
           </a:xfrm>
         </p:spPr>
         <p:txBody>
-          <a:bodyPr anchor="b"/>
+          <a:bodyPr anchor="b">
+            <a:normAutofit/>
+          </a:bodyPr>
           <a:lstStyle>
-            <a:lvl1pPr>
-              <a:defRPr sz="3200"/>
+            <a:lvl1pPr algn="l">
+              <a:defRPr sz="3600" b="0"/>
             </a:lvl1pPr>
           </a:lstStyle>
           <a:p>
@@ -2499,20 +4967,15 @@
               <a:rPr lang="ru-RU"/>
               <a:t>Образец заголовка</a:t>
             </a:r>
-          </a:p>
-        </p:txBody>
-      </p:sp>
-      <p:sp>
-        <p:nvSpPr>
-          <p:cNvPr id="3" name="Рисунок 2">
-            <a:extLst>
-              <a:ext uri="{FF2B5EF4-FFF2-40B4-BE49-F238E27FC236}">
-                <a16:creationId xmlns:a16="http://schemas.microsoft.com/office/drawing/2014/main" id="{04C7B389-5FA5-8C2D-5292-58ECC5B53CB6}"/>
-              </a:ext>
-            </a:extLst>
-          </p:cNvPr>
-          <p:cNvSpPr>
-            <a:spLocks noGrp="1"/>
+            <a:endParaRPr lang="en-US" dirty="0"/>
+          </a:p>
+        </p:txBody>
+      </p:sp>
+      <p:sp>
+        <p:nvSpPr>
+          <p:cNvPr id="3" name="Picture Placeholder 2"/>
+          <p:cNvSpPr>
+            <a:spLocks noGrp="1" noChangeAspect="1"/>
           </p:cNvSpPr>
           <p:nvPr>
             <p:ph type="pic" idx="1"/>
@@ -2520,118 +4983,132 @@
         </p:nvSpPr>
         <p:spPr>
           <a:xfrm>
-            <a:off x="5183188" y="987425"/>
-            <a:ext cx="6172200" cy="4873625"/>
+            <a:off x="6949546" y="1143000"/>
+            <a:ext cx="3200400" cy="4572000"/>
           </a:xfrm>
+          <a:prstGeom prst="roundRect">
+            <a:avLst>
+              <a:gd name="adj" fmla="val 1858"/>
+            </a:avLst>
+          </a:prstGeom>
+          <a:effectLst>
+            <a:outerShdw blurRad="50800" dist="50800" dir="5400000" algn="tl" rotWithShape="0">
+              <a:srgbClr val="000000">
+                <a:alpha val="43000"/>
+              </a:srgbClr>
+            </a:outerShdw>
+          </a:effectLst>
         </p:spPr>
         <p:txBody>
-          <a:bodyPr/>
+          <a:bodyPr anchor="t">
+            <a:normAutofit/>
+          </a:bodyPr>
           <a:lstStyle>
-            <a:lvl1pPr marL="0" indent="0">
-              <a:buNone/>
-              <a:defRPr sz="3200"/>
-            </a:lvl1pPr>
-            <a:lvl2pPr marL="457200" indent="0">
-              <a:buNone/>
-              <a:defRPr sz="2800"/>
-            </a:lvl2pPr>
-            <a:lvl3pPr marL="914400" indent="0">
-              <a:buNone/>
-              <a:defRPr sz="2400"/>
-            </a:lvl3pPr>
-            <a:lvl4pPr marL="1371600" indent="0">
-              <a:buNone/>
-              <a:defRPr sz="2000"/>
-            </a:lvl4pPr>
-            <a:lvl5pPr marL="1828800" indent="0">
-              <a:buNone/>
-              <a:defRPr sz="2000"/>
-            </a:lvl5pPr>
-            <a:lvl6pPr marL="2286000" indent="0">
-              <a:buNone/>
-              <a:defRPr sz="2000"/>
-            </a:lvl6pPr>
-            <a:lvl7pPr marL="2743200" indent="0">
-              <a:buNone/>
-              <a:defRPr sz="2000"/>
-            </a:lvl7pPr>
-            <a:lvl8pPr marL="3200400" indent="0">
-              <a:buNone/>
-              <a:defRPr sz="2000"/>
-            </a:lvl8pPr>
-            <a:lvl9pPr marL="3657600" indent="0">
-              <a:buNone/>
-              <a:defRPr sz="2000"/>
-            </a:lvl9pPr>
-          </a:lstStyle>
-          <a:p>
-            <a:endParaRPr lang="ru-RU"/>
-          </a:p>
-        </p:txBody>
-      </p:sp>
-      <p:sp>
-        <p:nvSpPr>
-          <p:cNvPr id="4" name="Текст 3">
-            <a:extLst>
-              <a:ext uri="{FF2B5EF4-FFF2-40B4-BE49-F238E27FC236}">
-                <a16:creationId xmlns:a16="http://schemas.microsoft.com/office/drawing/2014/main" id="{DD97A1AF-67D4-58C3-6630-87D874510C98}"/>
-              </a:ext>
-            </a:extLst>
-          </p:cNvPr>
-          <p:cNvSpPr>
-            <a:spLocks noGrp="1"/>
-          </p:cNvSpPr>
-          <p:nvPr>
-            <p:ph type="body" sz="half" idx="2"/>
-          </p:nvPr>
-        </p:nvSpPr>
-        <p:spPr>
-          <a:xfrm>
-            <a:off x="839788" y="2057400"/>
-            <a:ext cx="3932237" cy="3811588"/>
-          </a:xfrm>
-        </p:spPr>
-        <p:txBody>
-          <a:bodyPr/>
-          <a:lstStyle>
-            <a:lvl1pPr marL="0" indent="0">
+            <a:lvl1pPr marL="0" indent="0" algn="ctr">
               <a:buNone/>
               <a:defRPr sz="1600"/>
             </a:lvl1pPr>
             <a:lvl2pPr marL="457200" indent="0">
               <a:buNone/>
-              <a:defRPr sz="1400"/>
+              <a:defRPr sz="1600"/>
             </a:lvl2pPr>
             <a:lvl3pPr marL="914400" indent="0">
               <a:buNone/>
-              <a:defRPr sz="1200"/>
+              <a:defRPr sz="1600"/>
             </a:lvl3pPr>
             <a:lvl4pPr marL="1371600" indent="0">
               <a:buNone/>
-              <a:defRPr sz="1000"/>
+              <a:defRPr sz="1600"/>
             </a:lvl4pPr>
             <a:lvl5pPr marL="1828800" indent="0">
               <a:buNone/>
-              <a:defRPr sz="1000"/>
+              <a:defRPr sz="1600"/>
             </a:lvl5pPr>
             <a:lvl6pPr marL="2286000" indent="0">
               <a:buNone/>
-              <a:defRPr sz="1000"/>
+              <a:defRPr sz="1600"/>
             </a:lvl6pPr>
             <a:lvl7pPr marL="2743200" indent="0">
               <a:buNone/>
-              <a:defRPr sz="1000"/>
+              <a:defRPr sz="1600"/>
             </a:lvl7pPr>
             <a:lvl8pPr marL="3200400" indent="0">
               <a:buNone/>
-              <a:defRPr sz="1000"/>
+              <a:defRPr sz="1600"/>
             </a:lvl8pPr>
             <a:lvl9pPr marL="3657600" indent="0">
               <a:buNone/>
-              <a:defRPr sz="1000"/>
+              <a:defRPr sz="1600"/>
             </a:lvl9pPr>
           </a:lstStyle>
           <a:p>
+            <a:r>
+              <a:rPr lang="ru-RU"/>
+              <a:t>Вставка рисунка</a:t>
+            </a:r>
+            <a:endParaRPr lang="en-US" dirty="0"/>
+          </a:p>
+        </p:txBody>
+      </p:sp>
+      <p:sp>
+        <p:nvSpPr>
+          <p:cNvPr id="4" name="Text Placeholder 3"/>
+          <p:cNvSpPr>
+            <a:spLocks noGrp="1"/>
+          </p:cNvSpPr>
+          <p:nvPr>
+            <p:ph type="body" sz="half" idx="2"/>
+          </p:nvPr>
+        </p:nvSpPr>
+        <p:spPr>
+          <a:xfrm>
+            <a:off x="1154954" y="3657600"/>
+            <a:ext cx="5084979" cy="1371600"/>
+          </a:xfrm>
+        </p:spPr>
+        <p:txBody>
+          <a:bodyPr>
+            <a:normAutofit/>
+          </a:bodyPr>
+          <a:lstStyle>
+            <a:lvl1pPr marL="0" indent="0">
+              <a:buNone/>
+              <a:defRPr sz="1400"/>
+            </a:lvl1pPr>
+            <a:lvl2pPr marL="457200" indent="0">
+              <a:buNone/>
+              <a:defRPr sz="1200"/>
+            </a:lvl2pPr>
+            <a:lvl3pPr marL="914400" indent="0">
+              <a:buNone/>
+              <a:defRPr sz="1000"/>
+            </a:lvl3pPr>
+            <a:lvl4pPr marL="1371600" indent="0">
+              <a:buNone/>
+              <a:defRPr sz="900"/>
+            </a:lvl4pPr>
+            <a:lvl5pPr marL="1828800" indent="0">
+              <a:buNone/>
+              <a:defRPr sz="900"/>
+            </a:lvl5pPr>
+            <a:lvl6pPr marL="2286000" indent="0">
+              <a:buNone/>
+              <a:defRPr sz="900"/>
+            </a:lvl6pPr>
+            <a:lvl7pPr marL="2743200" indent="0">
+              <a:buNone/>
+              <a:defRPr sz="900"/>
+            </a:lvl7pPr>
+            <a:lvl8pPr marL="3200400" indent="0">
+              <a:buNone/>
+              <a:defRPr sz="900"/>
+            </a:lvl8pPr>
+            <a:lvl9pPr marL="3657600" indent="0">
+              <a:buNone/>
+              <a:defRPr sz="900"/>
+            </a:lvl9pPr>
+          </a:lstStyle>
+          <a:p>
             <a:pPr lvl="0"/>
             <a:r>
               <a:rPr lang="ru-RU"/>
@@ -2642,13 +5119,7 @@
       </p:sp>
       <p:sp>
         <p:nvSpPr>
-          <p:cNvPr id="5" name="Дата 4">
-            <a:extLst>
-              <a:ext uri="{FF2B5EF4-FFF2-40B4-BE49-F238E27FC236}">
-                <a16:creationId xmlns:a16="http://schemas.microsoft.com/office/drawing/2014/main" id="{8D9311BE-5B2A-B89F-EA08-55012FC4E153}"/>
-              </a:ext>
-            </a:extLst>
-          </p:cNvPr>
+          <p:cNvPr id="5" name="Date Placeholder 4"/>
           <p:cNvSpPr>
             <a:spLocks noGrp="1"/>
           </p:cNvSpPr>
@@ -2671,13 +5142,7 @@
       </p:sp>
       <p:sp>
         <p:nvSpPr>
-          <p:cNvPr id="6" name="Нижний колонтитул 5">
-            <a:extLst>
-              <a:ext uri="{FF2B5EF4-FFF2-40B4-BE49-F238E27FC236}">
-                <a16:creationId xmlns:a16="http://schemas.microsoft.com/office/drawing/2014/main" id="{C99296E9-0795-330D-C4AE-9A6072BFD948}"/>
-              </a:ext>
-            </a:extLst>
-          </p:cNvPr>
+          <p:cNvPr id="6" name="Footer Placeholder 5"/>
           <p:cNvSpPr>
             <a:spLocks noGrp="1"/>
           </p:cNvSpPr>
@@ -2696,13 +5161,7 @@
       </p:sp>
       <p:sp>
         <p:nvSpPr>
-          <p:cNvPr id="7" name="Номер слайда 6">
-            <a:extLst>
-              <a:ext uri="{FF2B5EF4-FFF2-40B4-BE49-F238E27FC236}">
-                <a16:creationId xmlns:a16="http://schemas.microsoft.com/office/drawing/2014/main" id="{A0EB83D6-2C8B-1776-F40B-78692F4086DE}"/>
-              </a:ext>
-            </a:extLst>
-          </p:cNvPr>
+          <p:cNvPr id="7" name="Slide Number Placeholder 6"/>
           <p:cNvSpPr>
             <a:spLocks noGrp="1"/>
           </p:cNvSpPr>
@@ -2726,7 +5185,7 @@
     </p:spTree>
     <p:extLst>
       <p:ext uri="{BB962C8B-B14F-4D97-AF65-F5344CB8AC3E}">
-        <p14:creationId xmlns:p14="http://schemas.microsoft.com/office/powerpoint/2010/main" val="1029909190"/>
+        <p14:creationId xmlns:p14="http://schemas.microsoft.com/office/powerpoint/2010/main" val="3916961436"/>
       </p:ext>
     </p:extLst>
   </p:cSld>
@@ -2740,8 +5199,8 @@
 <p:sldMaster xmlns:a="http://schemas.openxmlformats.org/drawingml/2006/main" xmlns:r="http://schemas.openxmlformats.org/officeDocument/2006/relationships" xmlns:p="http://schemas.openxmlformats.org/presentationml/2006/main">
   <p:cSld>
     <p:bg>
-      <p:bgRef idx="1001">
-        <a:schemeClr val="bg1"/>
+      <p:bgRef idx="1003">
+        <a:schemeClr val="bg2"/>
       </p:bgRef>
     </p:bg>
     <p:spTree>
@@ -2758,141 +5217,420 @@
           <a:chExt cx="0" cy="0"/>
         </a:xfrm>
       </p:grpSpPr>
-      <p:sp>
-        <p:nvSpPr>
-          <p:cNvPr id="2" name="Заголовок 1">
+      <p:pic>
+        <p:nvPicPr>
+          <p:cNvPr id="8" name="Picture 7"/>
+          <p:cNvPicPr>
+            <a:picLocks noChangeAspect="1"/>
+          </p:cNvPicPr>
+          <p:nvPr/>
+        </p:nvPicPr>
+        <p:blipFill rotWithShape="1">
+          <a:blip r:embed="rId19">
             <a:extLst>
-              <a:ext uri="{FF2B5EF4-FFF2-40B4-BE49-F238E27FC236}">
-                <a16:creationId xmlns:a16="http://schemas.microsoft.com/office/drawing/2014/main" id="{17D05272-A2A5-B101-D8DF-3FE3F1EB98C5}"/>
+              <a:ext uri="{28A0092B-C50C-407E-A947-70E740481C1C}">
+                <a14:useLocalDpi xmlns:a14="http://schemas.microsoft.com/office/drawing/2010/main" val="0"/>
               </a:ext>
             </a:extLst>
-          </p:cNvPr>
-          <p:cNvSpPr>
-            <a:spLocks noGrp="1"/>
-          </p:cNvSpPr>
-          <p:nvPr>
-            <p:ph type="title"/>
-          </p:nvPr>
-        </p:nvSpPr>
+          </a:blip>
+          <a:srcRect l="3613"/>
+          <a:stretch/>
+        </p:blipFill>
         <p:spPr>
           <a:xfrm>
-            <a:off x="838200" y="365125"/>
-            <a:ext cx="10515600" cy="1325563"/>
+            <a:off x="0" y="2669685"/>
+            <a:ext cx="4037012" cy="4188315"/>
           </a:xfrm>
           <a:prstGeom prst="rect">
             <a:avLst/>
           </a:prstGeom>
         </p:spPr>
-        <p:txBody>
-          <a:bodyPr vert="horz" lIns="91440" tIns="45720" rIns="91440" bIns="45720" rtlCol="0" anchor="ctr">
-            <a:normAutofit/>
-          </a:bodyPr>
-          <a:lstStyle/>
-          <a:p>
-            <a:r>
-              <a:rPr lang="ru-RU"/>
-              <a:t>Образец заголовка</a:t>
-            </a:r>
-          </a:p>
-        </p:txBody>
-      </p:sp>
-      <p:sp>
-        <p:nvSpPr>
-          <p:cNvPr id="3" name="Текст 2">
+      </p:pic>
+      <p:pic>
+        <p:nvPicPr>
+          <p:cNvPr id="7" name="Picture 6"/>
+          <p:cNvPicPr>
+            <a:picLocks noChangeAspect="1"/>
+          </p:cNvPicPr>
+          <p:nvPr/>
+        </p:nvPicPr>
+        <p:blipFill rotWithShape="1">
+          <a:blip r:embed="rId20">
             <a:extLst>
-              <a:ext uri="{FF2B5EF4-FFF2-40B4-BE49-F238E27FC236}">
-                <a16:creationId xmlns:a16="http://schemas.microsoft.com/office/drawing/2014/main" id="{2F4C1B6A-575F-68FD-E1C5-65BCE2A75D5F}"/>
+              <a:ext uri="{28A0092B-C50C-407E-A947-70E740481C1C}">
+                <a14:useLocalDpi xmlns:a14="http://schemas.microsoft.com/office/drawing/2010/main" val="0"/>
               </a:ext>
             </a:extLst>
-          </p:cNvPr>
-          <p:cNvSpPr>
-            <a:spLocks noGrp="1"/>
-          </p:cNvSpPr>
-          <p:nvPr>
-            <p:ph type="body" idx="1"/>
-          </p:nvPr>
-        </p:nvSpPr>
+          </a:blip>
+          <a:srcRect l="35640"/>
+          <a:stretch/>
+        </p:blipFill>
         <p:spPr>
           <a:xfrm>
-            <a:off x="838200" y="1825625"/>
-            <a:ext cx="10515600" cy="4351338"/>
+            <a:off x="0" y="2892347"/>
+            <a:ext cx="1522412" cy="2365453"/>
           </a:xfrm>
           <a:prstGeom prst="rect">
             <a:avLst/>
           </a:prstGeom>
         </p:spPr>
-        <p:txBody>
-          <a:bodyPr vert="horz" lIns="91440" tIns="45720" rIns="91440" bIns="45720" rtlCol="0">
-            <a:normAutofit/>
-          </a:bodyPr>
-          <a:lstStyle/>
-          <a:p>
-            <a:pPr lvl="0"/>
-            <a:r>
-              <a:rPr lang="ru-RU"/>
-              <a:t>Образец текста</a:t>
-            </a:r>
-          </a:p>
-          <a:p>
-            <a:pPr lvl="1"/>
-            <a:r>
-              <a:rPr lang="ru-RU"/>
-              <a:t>Второй уровень</a:t>
-            </a:r>
-          </a:p>
-          <a:p>
-            <a:pPr lvl="2"/>
-            <a:r>
-              <a:rPr lang="ru-RU"/>
-              <a:t>Третий уровень</a:t>
-            </a:r>
-          </a:p>
-          <a:p>
-            <a:pPr lvl="3"/>
-            <a:r>
-              <a:rPr lang="ru-RU"/>
-              <a:t>Четвертый уровень</a:t>
-            </a:r>
-          </a:p>
-          <a:p>
-            <a:pPr lvl="4"/>
-            <a:r>
-              <a:rPr lang="ru-RU"/>
-              <a:t>Пятый уровень</a:t>
-            </a:r>
-          </a:p>
-        </p:txBody>
-      </p:sp>
-      <p:sp>
-        <p:nvSpPr>
-          <p:cNvPr id="4" name="Дата 3">
+      </p:pic>
+      <p:sp>
+        <p:nvSpPr>
+          <p:cNvPr id="16" name="Oval 15"/>
+          <p:cNvSpPr/>
+          <p:nvPr/>
+        </p:nvSpPr>
+        <p:spPr>
+          <a:xfrm>
+            <a:off x="8609012" y="1676400"/>
+            <a:ext cx="2819400" cy="2819400"/>
+          </a:xfrm>
+          <a:prstGeom prst="ellipse">
+            <a:avLst/>
+          </a:prstGeom>
+          <a:gradFill flip="none" rotWithShape="1">
+            <a:gsLst>
+              <a:gs pos="0">
+                <a:schemeClr val="bg2">
+                  <a:lumMod val="60000"/>
+                  <a:lumOff val="40000"/>
+                  <a:alpha val="7000"/>
+                </a:schemeClr>
+              </a:gs>
+              <a:gs pos="69000">
+                <a:schemeClr val="bg2">
+                  <a:lumMod val="60000"/>
+                  <a:lumOff val="40000"/>
+                  <a:alpha val="0"/>
+                </a:schemeClr>
+              </a:gs>
+              <a:gs pos="36000">
+                <a:schemeClr val="bg2">
+                  <a:lumMod val="60000"/>
+                  <a:lumOff val="40000"/>
+                  <a:alpha val="6000"/>
+                </a:schemeClr>
+              </a:gs>
+            </a:gsLst>
+            <a:path path="circle">
+              <a:fillToRect l="50000" t="50000" r="50000" b="50000"/>
+            </a:path>
+            <a:tileRect/>
+          </a:gradFill>
+          <a:ln>
+            <a:noFill/>
+          </a:ln>
+          <a:effectLst/>
+        </p:spPr>
+        <p:style>
+          <a:lnRef idx="1">
+            <a:schemeClr val="accent1"/>
+          </a:lnRef>
+          <a:fillRef idx="3">
+            <a:schemeClr val="accent1"/>
+          </a:fillRef>
+          <a:effectRef idx="2">
+            <a:schemeClr val="accent1"/>
+          </a:effectRef>
+          <a:fontRef idx="minor">
+            <a:schemeClr val="lt1"/>
+          </a:fontRef>
+        </p:style>
+      </p:sp>
+      <p:pic>
+        <p:nvPicPr>
+          <p:cNvPr id="9" name="Picture 8"/>
+          <p:cNvPicPr>
+            <a:picLocks noChangeAspect="1"/>
+          </p:cNvPicPr>
+          <p:nvPr/>
+        </p:nvPicPr>
+        <p:blipFill rotWithShape="1">
+          <a:blip r:embed="rId21">
             <a:extLst>
-              <a:ext uri="{FF2B5EF4-FFF2-40B4-BE49-F238E27FC236}">
-                <a16:creationId xmlns:a16="http://schemas.microsoft.com/office/drawing/2014/main" id="{EFD92455-EAC8-9A3F-B493-51243E5B32DC}"/>
+              <a:ext uri="{28A0092B-C50C-407E-A947-70E740481C1C}">
+                <a14:useLocalDpi xmlns:a14="http://schemas.microsoft.com/office/drawing/2010/main" val="0"/>
               </a:ext>
             </a:extLst>
-          </p:cNvPr>
-          <p:cNvSpPr>
-            <a:spLocks noGrp="1"/>
-          </p:cNvSpPr>
-          <p:nvPr>
-            <p:ph type="dt" sz="half" idx="2"/>
-          </p:nvPr>
-        </p:nvSpPr>
+          </a:blip>
+          <a:srcRect t="28813"/>
+          <a:stretch/>
+        </p:blipFill>
         <p:spPr>
           <a:xfrm>
-            <a:off x="838200" y="6356350"/>
-            <a:ext cx="2743200" cy="365125"/>
+            <a:off x="7999412" y="0"/>
+            <a:ext cx="1603387" cy="1141407"/>
           </a:xfrm>
           <a:prstGeom prst="rect">
             <a:avLst/>
           </a:prstGeom>
         </p:spPr>
-        <p:txBody>
-          <a:bodyPr vert="horz" lIns="91440" tIns="45720" rIns="91440" bIns="45720" rtlCol="0" anchor="ctr"/>
+      </p:pic>
+      <p:pic>
+        <p:nvPicPr>
+          <p:cNvPr id="10" name="Picture 9"/>
+          <p:cNvPicPr>
+            <a:picLocks noChangeAspect="1"/>
+          </p:cNvPicPr>
+          <p:nvPr/>
+        </p:nvPicPr>
+        <p:blipFill rotWithShape="1">
+          <a:blip r:embed="rId22">
+            <a:extLst>
+              <a:ext uri="{28A0092B-C50C-407E-A947-70E740481C1C}">
+                <a14:useLocalDpi xmlns:a14="http://schemas.microsoft.com/office/drawing/2010/main" val="0"/>
+              </a:ext>
+            </a:extLst>
+          </a:blip>
+          <a:srcRect b="23320"/>
+          <a:stretch/>
+        </p:blipFill>
+        <p:spPr>
+          <a:xfrm>
+            <a:off x="8605878" y="6096000"/>
+            <a:ext cx="993734" cy="762000"/>
+          </a:xfrm>
+          <a:prstGeom prst="rect">
+            <a:avLst/>
+          </a:prstGeom>
+        </p:spPr>
+      </p:pic>
+      <p:sp>
+        <p:nvSpPr>
+          <p:cNvPr id="14" name="Rectangle 13"/>
+          <p:cNvSpPr/>
+          <p:nvPr/>
+        </p:nvSpPr>
+        <p:spPr>
+          <a:xfrm>
+            <a:off x="10437812" y="0"/>
+            <a:ext cx="685800" cy="1143000"/>
+          </a:xfrm>
+          <a:prstGeom prst="rect">
+            <a:avLst/>
+          </a:prstGeom>
+          <a:solidFill>
+            <a:schemeClr val="accent1"/>
+          </a:solidFill>
+          <a:ln>
+            <a:noFill/>
+          </a:ln>
+        </p:spPr>
+        <p:style>
+          <a:lnRef idx="1">
+            <a:schemeClr val="accent1"/>
+          </a:lnRef>
+          <a:fillRef idx="3">
+            <a:schemeClr val="accent1"/>
+          </a:fillRef>
+          <a:effectRef idx="2">
+            <a:schemeClr val="accent1"/>
+          </a:effectRef>
+          <a:fontRef idx="minor">
+            <a:schemeClr val="lt1"/>
+          </a:fontRef>
+        </p:style>
+      </p:sp>
+      <p:sp>
+        <p:nvSpPr>
+          <p:cNvPr id="2" name="Title Placeholder 1"/>
+          <p:cNvSpPr>
+            <a:spLocks noGrp="1"/>
+          </p:cNvSpPr>
+          <p:nvPr>
+            <p:ph type="title"/>
+          </p:nvPr>
+        </p:nvSpPr>
+        <p:spPr>
+          <a:xfrm>
+            <a:off x="646111" y="452718"/>
+            <a:ext cx="9404723" cy="1400530"/>
+          </a:xfrm>
+          <a:prstGeom prst="rect">
+            <a:avLst/>
+          </a:prstGeom>
+        </p:spPr>
+        <p:txBody>
+          <a:bodyPr vert="horz" lIns="91440" tIns="45720" rIns="91440" bIns="45720" rtlCol="0" anchor="t">
+            <a:noAutofit/>
+          </a:bodyPr>
+          <a:lstStyle/>
+          <a:p>
+            <a:r>
+              <a:rPr lang="ru-RU"/>
+              <a:t>Образец заголовка</a:t>
+            </a:r>
+            <a:endParaRPr lang="en-US" dirty="0"/>
+          </a:p>
+        </p:txBody>
+      </p:sp>
+      <p:sp>
+        <p:nvSpPr>
+          <p:cNvPr id="3" name="Text Placeholder 2"/>
+          <p:cNvSpPr>
+            <a:spLocks noGrp="1"/>
+          </p:cNvSpPr>
+          <p:nvPr>
+            <p:ph type="body" idx="1"/>
+          </p:nvPr>
+        </p:nvSpPr>
+        <p:spPr>
+          <a:xfrm>
+            <a:off x="1103312" y="2052918"/>
+            <a:ext cx="8946541" cy="4195481"/>
+          </a:xfrm>
+          <a:prstGeom prst="rect">
+            <a:avLst/>
+          </a:prstGeom>
+        </p:spPr>
+        <p:txBody>
+          <a:bodyPr vert="horz" lIns="91440" tIns="45720" rIns="91440" bIns="45720" rtlCol="0">
+            <a:normAutofit/>
+          </a:bodyPr>
+          <a:lstStyle/>
+          <a:p>
+            <a:pPr lvl="0"/>
+            <a:r>
+              <a:rPr lang="ru-RU"/>
+              <a:t>Образец текста</a:t>
+            </a:r>
+          </a:p>
+          <a:p>
+            <a:pPr lvl="1"/>
+            <a:r>
+              <a:rPr lang="ru-RU"/>
+              <a:t>Второй уровень</a:t>
+            </a:r>
+          </a:p>
+          <a:p>
+            <a:pPr lvl="2"/>
+            <a:r>
+              <a:rPr lang="ru-RU"/>
+              <a:t>Третий уровень</a:t>
+            </a:r>
+          </a:p>
+          <a:p>
+            <a:pPr lvl="3"/>
+            <a:r>
+              <a:rPr lang="ru-RU"/>
+              <a:t>Четвертый уровень</a:t>
+            </a:r>
+          </a:p>
+          <a:p>
+            <a:pPr lvl="4"/>
+            <a:r>
+              <a:rPr lang="ru-RU"/>
+              <a:t>Пятый уровень</a:t>
+            </a:r>
+            <a:endParaRPr lang="en-US" dirty="0"/>
+          </a:p>
+        </p:txBody>
+      </p:sp>
+      <p:sp>
+        <p:nvSpPr>
+          <p:cNvPr id="4" name="Date Placeholder 3"/>
+          <p:cNvSpPr>
+            <a:spLocks noGrp="1"/>
+          </p:cNvSpPr>
+          <p:nvPr>
+            <p:ph type="dt" sz="half" idx="2"/>
+          </p:nvPr>
+        </p:nvSpPr>
+        <p:spPr>
+          <a:xfrm rot="5400000">
+            <a:off x="10155639" y="1790701"/>
+            <a:ext cx="990599" cy="304799"/>
+          </a:xfrm>
+          <a:prstGeom prst="rect">
+            <a:avLst/>
+          </a:prstGeom>
+        </p:spPr>
+        <p:txBody>
+          <a:bodyPr vert="horz" lIns="91440" tIns="45720" rIns="91440" bIns="45720" rtlCol="0" anchor="t"/>
           <a:lstStyle>
             <a:lvl1pPr algn="l">
-              <a:defRPr sz="1200">
+              <a:defRPr sz="1100" b="0" i="0">
+                <a:solidFill>
+                  <a:schemeClr val="tx1">
+                    <a:tint val="75000"/>
+                    <a:alpha val="60000"/>
+                  </a:schemeClr>
+                </a:solidFill>
+              </a:defRPr>
+            </a:lvl1pPr>
+          </a:lstStyle>
+          <a:p>
+            <a:fld id="{59D7FAAD-09BD-4609-B56C-FE6BFD6EF5CF}" type="datetimeFigureOut">
+              <a:rPr lang="ru-RU" smtClean="0"/>
+              <a:t>06.04.2023</a:t>
+            </a:fld>
+            <a:endParaRPr lang="ru-RU"/>
+          </a:p>
+        </p:txBody>
+      </p:sp>
+      <p:sp>
+        <p:nvSpPr>
+          <p:cNvPr id="5" name="Footer Placeholder 4"/>
+          <p:cNvSpPr>
+            <a:spLocks noGrp="1"/>
+          </p:cNvSpPr>
+          <p:nvPr>
+            <p:ph type="ftr" sz="quarter" idx="3"/>
+          </p:nvPr>
+        </p:nvSpPr>
+        <p:spPr>
+          <a:xfrm rot="5400000">
+            <a:off x="8951573" y="3225297"/>
+            <a:ext cx="3859795" cy="304801"/>
+          </a:xfrm>
+          <a:prstGeom prst="rect">
+            <a:avLst/>
+          </a:prstGeom>
+        </p:spPr>
+        <p:txBody>
+          <a:bodyPr vert="horz" lIns="91440" tIns="45720" rIns="91440" bIns="45720" rtlCol="0" anchor="b"/>
+          <a:lstStyle>
+            <a:lvl1pPr algn="l">
+              <a:defRPr sz="1100" b="0" i="0">
+                <a:solidFill>
+                  <a:schemeClr val="tx1">
+                    <a:tint val="75000"/>
+                    <a:alpha val="60000"/>
+                  </a:schemeClr>
+                </a:solidFill>
+              </a:defRPr>
+            </a:lvl1pPr>
+          </a:lstStyle>
+          <a:p>
+            <a:endParaRPr lang="ru-RU"/>
+          </a:p>
+        </p:txBody>
+      </p:sp>
+      <p:sp>
+        <p:nvSpPr>
+          <p:cNvPr id="6" name="Slide Number Placeholder 5"/>
+          <p:cNvSpPr>
+            <a:spLocks noGrp="1"/>
+          </p:cNvSpPr>
+          <p:nvPr>
+            <p:ph type="sldNum" sz="quarter" idx="4"/>
+          </p:nvPr>
+        </p:nvSpPr>
+        <p:spPr bwMode="gray">
+          <a:xfrm>
+            <a:off x="10352540" y="295729"/>
+            <a:ext cx="838199" cy="767687"/>
+          </a:xfrm>
+          <a:prstGeom prst="rect">
+            <a:avLst/>
+          </a:prstGeom>
+        </p:spPr>
+        <p:txBody>
+          <a:bodyPr vert="horz" lIns="91440" tIns="45720" rIns="91440" bIns="45720" rtlCol="0" anchor="b"/>
+          <a:lstStyle>
+            <a:lvl1pPr algn="ctr">
+              <a:defRPr sz="2800" b="0" i="0">
                 <a:solidFill>
                   <a:schemeClr val="tx1">
                     <a:tint val="75000"/>
@@ -2902,96 +5640,6 @@
             </a:lvl1pPr>
           </a:lstStyle>
           <a:p>
-            <a:fld id="{59D7FAAD-09BD-4609-B56C-FE6BFD6EF5CF}" type="datetimeFigureOut">
-              <a:rPr lang="ru-RU" smtClean="0"/>
-              <a:t>06.04.2023</a:t>
-            </a:fld>
-            <a:endParaRPr lang="ru-RU"/>
-          </a:p>
-        </p:txBody>
-      </p:sp>
-      <p:sp>
-        <p:nvSpPr>
-          <p:cNvPr id="5" name="Нижний колонтитул 4">
-            <a:extLst>
-              <a:ext uri="{FF2B5EF4-FFF2-40B4-BE49-F238E27FC236}">
-                <a16:creationId xmlns:a16="http://schemas.microsoft.com/office/drawing/2014/main" id="{F902E3EE-0875-EA59-658A-42D6649540BC}"/>
-              </a:ext>
-            </a:extLst>
-          </p:cNvPr>
-          <p:cNvSpPr>
-            <a:spLocks noGrp="1"/>
-          </p:cNvSpPr>
-          <p:nvPr>
-            <p:ph type="ftr" sz="quarter" idx="3"/>
-          </p:nvPr>
-        </p:nvSpPr>
-        <p:spPr>
-          <a:xfrm>
-            <a:off x="4038600" y="6356350"/>
-            <a:ext cx="4114800" cy="365125"/>
-          </a:xfrm>
-          <a:prstGeom prst="rect">
-            <a:avLst/>
-          </a:prstGeom>
-        </p:spPr>
-        <p:txBody>
-          <a:bodyPr vert="horz" lIns="91440" tIns="45720" rIns="91440" bIns="45720" rtlCol="0" anchor="ctr"/>
-          <a:lstStyle>
-            <a:lvl1pPr algn="ctr">
-              <a:defRPr sz="1200">
-                <a:solidFill>
-                  <a:schemeClr val="tx1">
-                    <a:tint val="75000"/>
-                  </a:schemeClr>
-                </a:solidFill>
-              </a:defRPr>
-            </a:lvl1pPr>
-          </a:lstStyle>
-          <a:p>
-            <a:endParaRPr lang="ru-RU"/>
-          </a:p>
-        </p:txBody>
-      </p:sp>
-      <p:sp>
-        <p:nvSpPr>
-          <p:cNvPr id="6" name="Номер слайда 5">
-            <a:extLst>
-              <a:ext uri="{FF2B5EF4-FFF2-40B4-BE49-F238E27FC236}">
-                <a16:creationId xmlns:a16="http://schemas.microsoft.com/office/drawing/2014/main" id="{4B5D7775-D8EB-BC4B-5574-69D9D2F2E65F}"/>
-              </a:ext>
-            </a:extLst>
-          </p:cNvPr>
-          <p:cNvSpPr>
-            <a:spLocks noGrp="1"/>
-          </p:cNvSpPr>
-          <p:nvPr>
-            <p:ph type="sldNum" sz="quarter" idx="4"/>
-          </p:nvPr>
-        </p:nvSpPr>
-        <p:spPr>
-          <a:xfrm>
-            <a:off x="8610600" y="6356350"/>
-            <a:ext cx="2743200" cy="365125"/>
-          </a:xfrm>
-          <a:prstGeom prst="rect">
-            <a:avLst/>
-          </a:prstGeom>
-        </p:spPr>
-        <p:txBody>
-          <a:bodyPr vert="horz" lIns="91440" tIns="45720" rIns="91440" bIns="45720" rtlCol="0" anchor="ctr"/>
-          <a:lstStyle>
-            <a:lvl1pPr algn="r">
-              <a:defRPr sz="1200">
-                <a:solidFill>
-                  <a:schemeClr val="tx1">
-                    <a:tint val="75000"/>
-                  </a:schemeClr>
-                </a:solidFill>
-              </a:defRPr>
-            </a:lvl1pPr>
-          </a:lstStyle>
-          <a:p>
             <a:fld id="{35812A41-F7E2-4963-B247-CAF0A7826F8C}" type="slidenum">
               <a:rPr lang="ru-RU" smtClean="0"/>
               <a:t>‹#›</a:t>
@@ -3003,35 +5651,121 @@
     </p:spTree>
     <p:extLst>
       <p:ext uri="{BB962C8B-B14F-4D97-AF65-F5344CB8AC3E}">
-        <p14:creationId xmlns:p14="http://schemas.microsoft.com/office/powerpoint/2010/main" val="3281924436"/>
+        <p14:creationId xmlns:p14="http://schemas.microsoft.com/office/powerpoint/2010/main" val="1480746132"/>
       </p:ext>
     </p:extLst>
   </p:cSld>
-  <p:clrMap bg1="lt1" tx1="dk1" bg2="lt2" tx2="dk2" accent1="accent1" accent2="accent2" accent3="accent3" accent4="accent4" accent5="accent5" accent6="accent6" hlink="hlink" folHlink="folHlink"/>
+  <p:clrMap bg1="dk1" tx1="lt1" bg2="dk2" tx2="lt2" accent1="accent1" accent2="accent2" accent3="accent3" accent4="accent4" accent5="accent5" accent6="accent6" hlink="hlink" folHlink="folHlink"/>
   <p:sldLayoutIdLst>
-    <p:sldLayoutId id="2147483649" r:id="rId1"/>
-    <p:sldLayoutId id="2147483650" r:id="rId2"/>
-    <p:sldLayoutId id="2147483651" r:id="rId3"/>
-    <p:sldLayoutId id="2147483652" r:id="rId4"/>
-    <p:sldLayoutId id="2147483653" r:id="rId5"/>
-    <p:sldLayoutId id="2147483654" r:id="rId6"/>
-    <p:sldLayoutId id="2147483655" r:id="rId7"/>
-    <p:sldLayoutId id="2147483656" r:id="rId8"/>
-    <p:sldLayoutId id="2147483657" r:id="rId9"/>
-    <p:sldLayoutId id="2147483658" r:id="rId10"/>
-    <p:sldLayoutId id="2147483659" r:id="rId11"/>
+    <p:sldLayoutId id="2147483661" r:id="rId1"/>
+    <p:sldLayoutId id="2147483662" r:id="rId2"/>
+    <p:sldLayoutId id="2147483663" r:id="rId3"/>
+    <p:sldLayoutId id="2147483664" r:id="rId4"/>
+    <p:sldLayoutId id="2147483665" r:id="rId5"/>
+    <p:sldLayoutId id="2147483666" r:id="rId6"/>
+    <p:sldLayoutId id="2147483667" r:id="rId7"/>
+    <p:sldLayoutId id="2147483668" r:id="rId8"/>
+    <p:sldLayoutId id="2147483669" r:id="rId9"/>
+    <p:sldLayoutId id="2147483670" r:id="rId10"/>
+    <p:sldLayoutId id="2147483671" r:id="rId11"/>
+    <p:sldLayoutId id="2147483672" r:id="rId12"/>
+    <p:sldLayoutId id="2147483673" r:id="rId13"/>
+    <p:sldLayoutId id="2147483674" r:id="rId14"/>
+    <p:sldLayoutId id="2147483675" r:id="rId15"/>
+    <p:sldLayoutId id="2147483676" r:id="rId16"/>
+    <p:sldLayoutId id="2147483677" r:id="rId17"/>
   </p:sldLayoutIdLst>
   <p:txStyles>
     <p:titleStyle>
-      <a:lvl1pPr algn="l" defTabSz="914400" rtl="0" eaLnBrk="1" latinLnBrk="0" hangingPunct="1">
-        <a:lnSpc>
-          <a:spcPct val="90000"/>
-        </a:lnSpc>
+      <a:lvl1pPr algn="l" defTabSz="457200" rtl="0" eaLnBrk="1" latinLnBrk="0" hangingPunct="1">
         <a:spcBef>
           <a:spcPct val="0"/>
         </a:spcBef>
         <a:buNone/>
-        <a:defRPr sz="4400" kern="1200">
+        <a:defRPr sz="4200" b="0" i="0" kern="1200">
+          <a:solidFill>
+            <a:schemeClr val="tx2"/>
+          </a:solidFill>
+          <a:latin typeface="+mj-lt"/>
+          <a:ea typeface="+mj-ea"/>
+          <a:cs typeface="+mj-cs"/>
+        </a:defRPr>
+      </a:lvl1pPr>
+      <a:lvl2pPr eaLnBrk="1" hangingPunct="1">
+        <a:defRPr>
+          <a:solidFill>
+            <a:schemeClr val="tx2"/>
+          </a:solidFill>
+        </a:defRPr>
+      </a:lvl2pPr>
+      <a:lvl3pPr eaLnBrk="1" hangingPunct="1">
+        <a:defRPr>
+          <a:solidFill>
+            <a:schemeClr val="tx2"/>
+          </a:solidFill>
+        </a:defRPr>
+      </a:lvl3pPr>
+      <a:lvl4pPr eaLnBrk="1" hangingPunct="1">
+        <a:defRPr>
+          <a:solidFill>
+            <a:schemeClr val="tx2"/>
+          </a:solidFill>
+        </a:defRPr>
+      </a:lvl4pPr>
+      <a:lvl5pPr eaLnBrk="1" hangingPunct="1">
+        <a:defRPr>
+          <a:solidFill>
+            <a:schemeClr val="tx2"/>
+          </a:solidFill>
+        </a:defRPr>
+      </a:lvl5pPr>
+      <a:lvl6pPr eaLnBrk="1" hangingPunct="1">
+        <a:defRPr>
+          <a:solidFill>
+            <a:schemeClr val="tx2"/>
+          </a:solidFill>
+        </a:defRPr>
+      </a:lvl6pPr>
+      <a:lvl7pPr eaLnBrk="1" hangingPunct="1">
+        <a:defRPr>
+          <a:solidFill>
+            <a:schemeClr val="tx2"/>
+          </a:solidFill>
+        </a:defRPr>
+      </a:lvl7pPr>
+      <a:lvl8pPr eaLnBrk="1" hangingPunct="1">
+        <a:defRPr>
+          <a:solidFill>
+            <a:schemeClr val="tx2"/>
+          </a:solidFill>
+        </a:defRPr>
+      </a:lvl8pPr>
+      <a:lvl9pPr eaLnBrk="1" hangingPunct="1">
+        <a:defRPr>
+          <a:solidFill>
+            <a:schemeClr val="tx2"/>
+          </a:solidFill>
+        </a:defRPr>
+      </a:lvl9pPr>
+    </p:titleStyle>
+    <p:bodyStyle>
+      <a:lvl1pPr marL="342900" indent="-342900" algn="l" defTabSz="457200" rtl="0" eaLnBrk="1" latinLnBrk="0" hangingPunct="1">
+        <a:spcBef>
+          <a:spcPts val="1000"/>
+        </a:spcBef>
+        <a:spcAft>
+          <a:spcPts val="0"/>
+        </a:spcAft>
+        <a:buClr>
+          <a:schemeClr val="bg2">
+            <a:lumMod val="40000"/>
+            <a:lumOff val="60000"/>
+          </a:schemeClr>
+        </a:buClr>
+        <a:buSzPct val="80000"/>
+        <a:buFont typeface="Wingdings 3" charset="2"/>
+        <a:buChar char=""/>
+        <a:defRPr sz="2000" b="0" i="0" kern="1200">
           <a:solidFill>
             <a:schemeClr val="tx1"/>
           </a:solidFill>
@@ -3040,18 +5774,213 @@
           <a:cs typeface="+mj-cs"/>
         </a:defRPr>
       </a:lvl1pPr>
-    </p:titleStyle>
-    <p:bodyStyle>
-      <a:lvl1pPr marL="228600" indent="-228600" algn="l" defTabSz="914400" rtl="0" eaLnBrk="1" latinLnBrk="0" hangingPunct="1">
-        <a:lnSpc>
-          <a:spcPct val="90000"/>
-        </a:lnSpc>
+      <a:lvl2pPr marL="742950" indent="-285750" algn="l" defTabSz="457200" rtl="0" eaLnBrk="1" latinLnBrk="0" hangingPunct="1">
         <a:spcBef>
           <a:spcPts val="1000"/>
         </a:spcBef>
-        <a:buFont typeface="Arial" panose="020B0604020202020204" pitchFamily="34" charset="0"/>
-        <a:buChar char="•"/>
-        <a:defRPr sz="2800" kern="1200">
+        <a:spcAft>
+          <a:spcPts val="0"/>
+        </a:spcAft>
+        <a:buClr>
+          <a:schemeClr val="bg2">
+            <a:lumMod val="40000"/>
+            <a:lumOff val="60000"/>
+          </a:schemeClr>
+        </a:buClr>
+        <a:buSzPct val="80000"/>
+        <a:buFont typeface="Wingdings 3" charset="2"/>
+        <a:buChar char=""/>
+        <a:defRPr sz="1800" b="0" i="0" kern="1200">
+          <a:solidFill>
+            <a:schemeClr val="tx1"/>
+          </a:solidFill>
+          <a:latin typeface="+mj-lt"/>
+          <a:ea typeface="+mj-ea"/>
+          <a:cs typeface="+mj-cs"/>
+        </a:defRPr>
+      </a:lvl2pPr>
+      <a:lvl3pPr marL="1143000" indent="-228600" algn="l" defTabSz="457200" rtl="0" eaLnBrk="1" latinLnBrk="0" hangingPunct="1">
+        <a:spcBef>
+          <a:spcPts val="1000"/>
+        </a:spcBef>
+        <a:spcAft>
+          <a:spcPts val="0"/>
+        </a:spcAft>
+        <a:buClr>
+          <a:schemeClr val="bg2">
+            <a:lumMod val="40000"/>
+            <a:lumOff val="60000"/>
+          </a:schemeClr>
+        </a:buClr>
+        <a:buSzPct val="80000"/>
+        <a:buFont typeface="Wingdings 3" charset="2"/>
+        <a:buChar char=""/>
+        <a:defRPr sz="1600" b="0" i="0" kern="1200">
+          <a:solidFill>
+            <a:schemeClr val="tx1"/>
+          </a:solidFill>
+          <a:latin typeface="+mj-lt"/>
+          <a:ea typeface="+mj-ea"/>
+          <a:cs typeface="+mj-cs"/>
+        </a:defRPr>
+      </a:lvl3pPr>
+      <a:lvl4pPr marL="1600200" indent="-228600" algn="l" defTabSz="457200" rtl="0" eaLnBrk="1" latinLnBrk="0" hangingPunct="1">
+        <a:spcBef>
+          <a:spcPts val="1000"/>
+        </a:spcBef>
+        <a:spcAft>
+          <a:spcPts val="0"/>
+        </a:spcAft>
+        <a:buClr>
+          <a:schemeClr val="bg2">
+            <a:lumMod val="40000"/>
+            <a:lumOff val="60000"/>
+          </a:schemeClr>
+        </a:buClr>
+        <a:buSzPct val="80000"/>
+        <a:buFont typeface="Wingdings 3" charset="2"/>
+        <a:buChar char=""/>
+        <a:defRPr sz="1400" b="0" i="0" kern="1200">
+          <a:solidFill>
+            <a:schemeClr val="tx1"/>
+          </a:solidFill>
+          <a:latin typeface="+mj-lt"/>
+          <a:ea typeface="+mj-ea"/>
+          <a:cs typeface="+mj-cs"/>
+        </a:defRPr>
+      </a:lvl4pPr>
+      <a:lvl5pPr marL="2057400" indent="-228600" algn="l" defTabSz="457200" rtl="0" eaLnBrk="1" latinLnBrk="0" hangingPunct="1">
+        <a:spcBef>
+          <a:spcPts val="1000"/>
+        </a:spcBef>
+        <a:spcAft>
+          <a:spcPts val="0"/>
+        </a:spcAft>
+        <a:buClr>
+          <a:schemeClr val="bg2">
+            <a:lumMod val="40000"/>
+            <a:lumOff val="60000"/>
+          </a:schemeClr>
+        </a:buClr>
+        <a:buSzPct val="80000"/>
+        <a:buFont typeface="Wingdings 3" charset="2"/>
+        <a:buChar char=""/>
+        <a:defRPr sz="1400" b="0" i="0" kern="1200">
+          <a:solidFill>
+            <a:schemeClr val="tx1"/>
+          </a:solidFill>
+          <a:latin typeface="+mj-lt"/>
+          <a:ea typeface="+mj-ea"/>
+          <a:cs typeface="+mj-cs"/>
+        </a:defRPr>
+      </a:lvl5pPr>
+      <a:lvl6pPr marL="2506000" indent="-228600" algn="l" defTabSz="457200" rtl="0" eaLnBrk="1" latinLnBrk="0" hangingPunct="1">
+        <a:spcBef>
+          <a:spcPts val="1000"/>
+        </a:spcBef>
+        <a:spcAft>
+          <a:spcPts val="0"/>
+        </a:spcAft>
+        <a:buClr>
+          <a:schemeClr val="bg2">
+            <a:lumMod val="40000"/>
+            <a:lumOff val="60000"/>
+          </a:schemeClr>
+        </a:buClr>
+        <a:buSzPct val="80000"/>
+        <a:buFont typeface="Wingdings 3" charset="2"/>
+        <a:buChar char=""/>
+        <a:defRPr sz="1400" b="0" i="0" kern="1200">
+          <a:solidFill>
+            <a:schemeClr val="tx1"/>
+          </a:solidFill>
+          <a:latin typeface="+mj-lt"/>
+          <a:ea typeface="+mj-ea"/>
+          <a:cs typeface="+mj-cs"/>
+        </a:defRPr>
+      </a:lvl6pPr>
+      <a:lvl7pPr marL="2971800" indent="-228600" algn="l" defTabSz="457200" rtl="0" eaLnBrk="1" latinLnBrk="0" hangingPunct="1">
+        <a:spcBef>
+          <a:spcPts val="1000"/>
+        </a:spcBef>
+        <a:spcAft>
+          <a:spcPts val="0"/>
+        </a:spcAft>
+        <a:buClr>
+          <a:schemeClr val="bg2">
+            <a:lumMod val="40000"/>
+            <a:lumOff val="60000"/>
+          </a:schemeClr>
+        </a:buClr>
+        <a:buSzPct val="80000"/>
+        <a:buFont typeface="Wingdings 3" charset="2"/>
+        <a:buChar char=""/>
+        <a:defRPr sz="1400" b="0" i="0" kern="1200">
+          <a:solidFill>
+            <a:schemeClr val="tx1"/>
+          </a:solidFill>
+          <a:latin typeface="+mj-lt"/>
+          <a:ea typeface="+mj-ea"/>
+          <a:cs typeface="+mj-cs"/>
+        </a:defRPr>
+      </a:lvl7pPr>
+      <a:lvl8pPr marL="3429000" indent="-228600" algn="l" defTabSz="457200" rtl="0" eaLnBrk="1" latinLnBrk="0" hangingPunct="1">
+        <a:spcBef>
+          <a:spcPts val="1000"/>
+        </a:spcBef>
+        <a:spcAft>
+          <a:spcPts val="0"/>
+        </a:spcAft>
+        <a:buClr>
+          <a:schemeClr val="bg2">
+            <a:lumMod val="40000"/>
+            <a:lumOff val="60000"/>
+          </a:schemeClr>
+        </a:buClr>
+        <a:buSzPct val="80000"/>
+        <a:buFont typeface="Wingdings 3" charset="2"/>
+        <a:buChar char=""/>
+        <a:defRPr sz="1400" b="0" i="0" kern="1200">
+          <a:solidFill>
+            <a:schemeClr val="tx1"/>
+          </a:solidFill>
+          <a:latin typeface="+mj-lt"/>
+          <a:ea typeface="+mj-ea"/>
+          <a:cs typeface="+mj-cs"/>
+        </a:defRPr>
+      </a:lvl8pPr>
+      <a:lvl9pPr marL="3886200" indent="-228600" algn="l" defTabSz="457200" rtl="0" eaLnBrk="1" latinLnBrk="0" hangingPunct="1">
+        <a:spcBef>
+          <a:spcPts val="1000"/>
+        </a:spcBef>
+        <a:spcAft>
+          <a:spcPts val="0"/>
+        </a:spcAft>
+        <a:buClr>
+          <a:schemeClr val="bg2">
+            <a:lumMod val="40000"/>
+            <a:lumOff val="60000"/>
+          </a:schemeClr>
+        </a:buClr>
+        <a:buSzPct val="80000"/>
+        <a:buFont typeface="Wingdings 3" charset="2"/>
+        <a:buChar char=""/>
+        <a:defRPr sz="1400" b="0" i="0" kern="1200">
+          <a:solidFill>
+            <a:schemeClr val="tx1"/>
+          </a:solidFill>
+          <a:latin typeface="+mj-lt"/>
+          <a:ea typeface="+mj-ea"/>
+          <a:cs typeface="+mj-cs"/>
+        </a:defRPr>
+      </a:lvl9pPr>
+    </p:bodyStyle>
+    <p:otherStyle>
+      <a:defPPr>
+        <a:defRPr lang="en-US"/>
+      </a:defPPr>
+      <a:lvl1pPr marL="0" algn="l" defTabSz="457200" rtl="0" eaLnBrk="1" latinLnBrk="0" hangingPunct="1">
+        <a:defRPr sz="1800" kern="1200">
           <a:solidFill>
             <a:schemeClr val="tx1"/>
           </a:solidFill>
@@ -3060,16 +5989,8 @@
           <a:cs typeface="+mn-cs"/>
         </a:defRPr>
       </a:lvl1pPr>
-      <a:lvl2pPr marL="685800" indent="-228600" algn="l" defTabSz="914400" rtl="0" eaLnBrk="1" latinLnBrk="0" hangingPunct="1">
-        <a:lnSpc>
-          <a:spcPct val="90000"/>
-        </a:lnSpc>
-        <a:spcBef>
-          <a:spcPts val="500"/>
-        </a:spcBef>
-        <a:buFont typeface="Arial" panose="020B0604020202020204" pitchFamily="34" charset="0"/>
-        <a:buChar char="•"/>
-        <a:defRPr sz="2400" kern="1200">
+      <a:lvl2pPr marL="457200" algn="l" defTabSz="457200" rtl="0" eaLnBrk="1" latinLnBrk="0" hangingPunct="1">
+        <a:defRPr sz="1800" kern="1200">
           <a:solidFill>
             <a:schemeClr val="tx1"/>
           </a:solidFill>
@@ -3078,16 +5999,8 @@
           <a:cs typeface="+mn-cs"/>
         </a:defRPr>
       </a:lvl2pPr>
-      <a:lvl3pPr marL="1143000" indent="-228600" algn="l" defTabSz="914400" rtl="0" eaLnBrk="1" latinLnBrk="0" hangingPunct="1">
-        <a:lnSpc>
-          <a:spcPct val="90000"/>
-        </a:lnSpc>
-        <a:spcBef>
-          <a:spcPts val="500"/>
-        </a:spcBef>
-        <a:buFont typeface="Arial" panose="020B0604020202020204" pitchFamily="34" charset="0"/>
-        <a:buChar char="•"/>
-        <a:defRPr sz="2000" kern="1200">
+      <a:lvl3pPr marL="914400" algn="l" defTabSz="457200" rtl="0" eaLnBrk="1" latinLnBrk="0" hangingPunct="1">
+        <a:defRPr sz="1800" kern="1200">
           <a:solidFill>
             <a:schemeClr val="tx1"/>
           </a:solidFill>
@@ -3096,15 +6009,7 @@
           <a:cs typeface="+mn-cs"/>
         </a:defRPr>
       </a:lvl3pPr>
-      <a:lvl4pPr marL="1600200" indent="-228600" algn="l" defTabSz="914400" rtl="0" eaLnBrk="1" latinLnBrk="0" hangingPunct="1">
-        <a:lnSpc>
-          <a:spcPct val="90000"/>
-        </a:lnSpc>
-        <a:spcBef>
-          <a:spcPts val="500"/>
-        </a:spcBef>
-        <a:buFont typeface="Arial" panose="020B0604020202020204" pitchFamily="34" charset="0"/>
-        <a:buChar char="•"/>
+      <a:lvl4pPr marL="1371600" algn="l" defTabSz="457200" rtl="0" eaLnBrk="1" latinLnBrk="0" hangingPunct="1">
         <a:defRPr sz="1800" kern="1200">
           <a:solidFill>
             <a:schemeClr val="tx1"/>
@@ -3114,15 +6019,7 @@
           <a:cs typeface="+mn-cs"/>
         </a:defRPr>
       </a:lvl4pPr>
-      <a:lvl5pPr marL="2057400" indent="-228600" algn="l" defTabSz="914400" rtl="0" eaLnBrk="1" latinLnBrk="0" hangingPunct="1">
-        <a:lnSpc>
-          <a:spcPct val="90000"/>
-        </a:lnSpc>
-        <a:spcBef>
-          <a:spcPts val="500"/>
-        </a:spcBef>
-        <a:buFont typeface="Arial" panose="020B0604020202020204" pitchFamily="34" charset="0"/>
-        <a:buChar char="•"/>
+      <a:lvl5pPr marL="1828800" algn="l" defTabSz="457200" rtl="0" eaLnBrk="1" latinLnBrk="0" hangingPunct="1">
         <a:defRPr sz="1800" kern="1200">
           <a:solidFill>
             <a:schemeClr val="tx1"/>
@@ -3132,15 +6029,7 @@
           <a:cs typeface="+mn-cs"/>
         </a:defRPr>
       </a:lvl5pPr>
-      <a:lvl6pPr marL="2514600" indent="-228600" algn="l" defTabSz="914400" rtl="0" eaLnBrk="1" latinLnBrk="0" hangingPunct="1">
-        <a:lnSpc>
-          <a:spcPct val="90000"/>
-        </a:lnSpc>
-        <a:spcBef>
-          <a:spcPts val="500"/>
-        </a:spcBef>
-        <a:buFont typeface="Arial" panose="020B0604020202020204" pitchFamily="34" charset="0"/>
-        <a:buChar char="•"/>
+      <a:lvl6pPr marL="2286000" algn="l" defTabSz="457200" rtl="0" eaLnBrk="1" latinLnBrk="0" hangingPunct="1">
         <a:defRPr sz="1800" kern="1200">
           <a:solidFill>
             <a:schemeClr val="tx1"/>
@@ -3150,15 +6039,7 @@
           <a:cs typeface="+mn-cs"/>
         </a:defRPr>
       </a:lvl6pPr>
-      <a:lvl7pPr marL="2971800" indent="-228600" algn="l" defTabSz="914400" rtl="0" eaLnBrk="1" latinLnBrk="0" hangingPunct="1">
-        <a:lnSpc>
-          <a:spcPct val="90000"/>
-        </a:lnSpc>
-        <a:spcBef>
-          <a:spcPts val="500"/>
-        </a:spcBef>
-        <a:buFont typeface="Arial" panose="020B0604020202020204" pitchFamily="34" charset="0"/>
-        <a:buChar char="•"/>
+      <a:lvl7pPr marL="2743200" algn="l" defTabSz="457200" rtl="0" eaLnBrk="1" latinLnBrk="0" hangingPunct="1">
         <a:defRPr sz="1800" kern="1200">
           <a:solidFill>
             <a:schemeClr val="tx1"/>
@@ -3168,15 +6049,7 @@
           <a:cs typeface="+mn-cs"/>
         </a:defRPr>
       </a:lvl7pPr>
-      <a:lvl8pPr marL="3429000" indent="-228600" algn="l" defTabSz="914400" rtl="0" eaLnBrk="1" latinLnBrk="0" hangingPunct="1">
-        <a:lnSpc>
-          <a:spcPct val="90000"/>
-        </a:lnSpc>
-        <a:spcBef>
-          <a:spcPts val="500"/>
-        </a:spcBef>
-        <a:buFont typeface="Arial" panose="020B0604020202020204" pitchFamily="34" charset="0"/>
-        <a:buChar char="•"/>
+      <a:lvl8pPr marL="3200400" algn="l" defTabSz="457200" rtl="0" eaLnBrk="1" latinLnBrk="0" hangingPunct="1">
         <a:defRPr sz="1800" kern="1200">
           <a:solidFill>
             <a:schemeClr val="tx1"/>
@@ -3186,110 +6059,7 @@
           <a:cs typeface="+mn-cs"/>
         </a:defRPr>
       </a:lvl8pPr>
-      <a:lvl9pPr marL="3886200" indent="-228600" algn="l" defTabSz="914400" rtl="0" eaLnBrk="1" latinLnBrk="0" hangingPunct="1">
-        <a:lnSpc>
-          <a:spcPct val="90000"/>
-        </a:lnSpc>
-        <a:spcBef>
-          <a:spcPts val="500"/>
-        </a:spcBef>
-        <a:buFont typeface="Arial" panose="020B0604020202020204" pitchFamily="34" charset="0"/>
-        <a:buChar char="•"/>
-        <a:defRPr sz="1800" kern="1200">
-          <a:solidFill>
-            <a:schemeClr val="tx1"/>
-          </a:solidFill>
-          <a:latin typeface="+mn-lt"/>
-          <a:ea typeface="+mn-ea"/>
-          <a:cs typeface="+mn-cs"/>
-        </a:defRPr>
-      </a:lvl9pPr>
-    </p:bodyStyle>
-    <p:otherStyle>
-      <a:defPPr>
-        <a:defRPr lang="ru-RU"/>
-      </a:defPPr>
-      <a:lvl1pPr marL="0" algn="l" defTabSz="914400" rtl="0" eaLnBrk="1" latinLnBrk="0" hangingPunct="1">
-        <a:defRPr sz="1800" kern="1200">
-          <a:solidFill>
-            <a:schemeClr val="tx1"/>
-          </a:solidFill>
-          <a:latin typeface="+mn-lt"/>
-          <a:ea typeface="+mn-ea"/>
-          <a:cs typeface="+mn-cs"/>
-        </a:defRPr>
-      </a:lvl1pPr>
-      <a:lvl2pPr marL="457200" algn="l" defTabSz="914400" rtl="0" eaLnBrk="1" latinLnBrk="0" hangingPunct="1">
-        <a:defRPr sz="1800" kern="1200">
-          <a:solidFill>
-            <a:schemeClr val="tx1"/>
-          </a:solidFill>
-          <a:latin typeface="+mn-lt"/>
-          <a:ea typeface="+mn-ea"/>
-          <a:cs typeface="+mn-cs"/>
-        </a:defRPr>
-      </a:lvl2pPr>
-      <a:lvl3pPr marL="914400" algn="l" defTabSz="914400" rtl="0" eaLnBrk="1" latinLnBrk="0" hangingPunct="1">
-        <a:defRPr sz="1800" kern="1200">
-          <a:solidFill>
-            <a:schemeClr val="tx1"/>
-          </a:solidFill>
-          <a:latin typeface="+mn-lt"/>
-          <a:ea typeface="+mn-ea"/>
-          <a:cs typeface="+mn-cs"/>
-        </a:defRPr>
-      </a:lvl3pPr>
-      <a:lvl4pPr marL="1371600" algn="l" defTabSz="914400" rtl="0" eaLnBrk="1" latinLnBrk="0" hangingPunct="1">
-        <a:defRPr sz="1800" kern="1200">
-          <a:solidFill>
-            <a:schemeClr val="tx1"/>
-          </a:solidFill>
-          <a:latin typeface="+mn-lt"/>
-          <a:ea typeface="+mn-ea"/>
-          <a:cs typeface="+mn-cs"/>
-        </a:defRPr>
-      </a:lvl4pPr>
-      <a:lvl5pPr marL="1828800" algn="l" defTabSz="914400" rtl="0" eaLnBrk="1" latinLnBrk="0" hangingPunct="1">
-        <a:defRPr sz="1800" kern="1200">
-          <a:solidFill>
-            <a:schemeClr val="tx1"/>
-          </a:solidFill>
-          <a:latin typeface="+mn-lt"/>
-          <a:ea typeface="+mn-ea"/>
-          <a:cs typeface="+mn-cs"/>
-        </a:defRPr>
-      </a:lvl5pPr>
-      <a:lvl6pPr marL="2286000" algn="l" defTabSz="914400" rtl="0" eaLnBrk="1" latinLnBrk="0" hangingPunct="1">
-        <a:defRPr sz="1800" kern="1200">
-          <a:solidFill>
-            <a:schemeClr val="tx1"/>
-          </a:solidFill>
-          <a:latin typeface="+mn-lt"/>
-          <a:ea typeface="+mn-ea"/>
-          <a:cs typeface="+mn-cs"/>
-        </a:defRPr>
-      </a:lvl6pPr>
-      <a:lvl7pPr marL="2743200" algn="l" defTabSz="914400" rtl="0" eaLnBrk="1" latinLnBrk="0" hangingPunct="1">
-        <a:defRPr sz="1800" kern="1200">
-          <a:solidFill>
-            <a:schemeClr val="tx1"/>
-          </a:solidFill>
-          <a:latin typeface="+mn-lt"/>
-          <a:ea typeface="+mn-ea"/>
-          <a:cs typeface="+mn-cs"/>
-        </a:defRPr>
-      </a:lvl7pPr>
-      <a:lvl8pPr marL="3200400" algn="l" defTabSz="914400" rtl="0" eaLnBrk="1" latinLnBrk="0" hangingPunct="1">
-        <a:defRPr sz="1800" kern="1200">
-          <a:solidFill>
-            <a:schemeClr val="tx1"/>
-          </a:solidFill>
-          <a:latin typeface="+mn-lt"/>
-          <a:ea typeface="+mn-ea"/>
-          <a:cs typeface="+mn-cs"/>
-        </a:defRPr>
-      </a:lvl8pPr>
-      <a:lvl9pPr marL="3657600" algn="l" defTabSz="914400" rtl="0" eaLnBrk="1" latinLnBrk="0" hangingPunct="1">
+      <a:lvl9pPr marL="3657600" algn="l" defTabSz="457200" rtl="0" eaLnBrk="1" latinLnBrk="0" hangingPunct="1">
         <a:defRPr sz="1800" kern="1200">
           <a:solidFill>
             <a:schemeClr val="tx1"/>
@@ -3385,9 +6155,9 @@
 </file>
 
 <file path=ppt/theme/theme1.xml><?xml version="1.0" encoding="utf-8"?>
-<a:theme xmlns:a="http://schemas.openxmlformats.org/drawingml/2006/main" name="Тема Office">
+<a:theme xmlns:a="http://schemas.openxmlformats.org/drawingml/2006/main" name="Ион">
   <a:themeElements>
-    <a:clrScheme name="Стандартная">
+    <a:clrScheme name="Ион">
       <a:dk1>
         <a:sysClr val="windowText" lastClr="000000"/>
       </a:dk1>
@@ -3395,44 +6165,44 @@
         <a:sysClr val="window" lastClr="FFFFFF"/>
       </a:lt1>
       <a:dk2>
-        <a:srgbClr val="44546A"/>
+        <a:srgbClr val="1E5155"/>
       </a:dk2>
       <a:lt2>
-        <a:srgbClr val="E7E6E6"/>
+        <a:srgbClr val="EBEBEB"/>
       </a:lt2>
       <a:accent1>
-        <a:srgbClr val="4472C4"/>
+        <a:srgbClr val="B01513"/>
       </a:accent1>
       <a:accent2>
-        <a:srgbClr val="ED7D31"/>
+        <a:srgbClr val="EA6312"/>
       </a:accent2>
       <a:accent3>
-        <a:srgbClr val="A5A5A5"/>
+        <a:srgbClr val="E6B729"/>
       </a:accent3>
       <a:accent4>
-        <a:srgbClr val="FFC000"/>
+        <a:srgbClr val="6AAC90"/>
       </a:accent4>
       <a:accent5>
-        <a:srgbClr val="5B9BD5"/>
+        <a:srgbClr val="54849A"/>
       </a:accent5>
       <a:accent6>
-        <a:srgbClr val="70AD47"/>
+        <a:srgbClr val="9E5E9B"/>
       </a:accent6>
       <a:hlink>
-        <a:srgbClr val="0563C1"/>
+        <a:srgbClr val="58C1BA"/>
       </a:hlink>
       <a:folHlink>
-        <a:srgbClr val="954F72"/>
+        <a:srgbClr val="9DFFCB"/>
       </a:folHlink>
     </a:clrScheme>
-    <a:fontScheme name="Стандартная">
+    <a:fontScheme name="Ион">
       <a:majorFont>
-        <a:latin typeface="Calibri Light" panose="020F0302020204030204"/>
+        <a:latin typeface="Century Gothic" panose="020B0502020202020204"/>
         <a:ea typeface=""/>
         <a:cs typeface=""/>
-        <a:font script="Jpan" typeface="游ゴシック Light"/>
+        <a:font script="Jpan" typeface="メイリオ"/>
         <a:font script="Hang" typeface="맑은 고딕"/>
-        <a:font script="Hans" typeface="等线 Light"/>
+        <a:font script="Hans" typeface="宋体"/>
         <a:font script="Hant" typeface="新細明體"/>
         <a:font script="Arab" typeface="Times New Roman"/>
         <a:font script="Hebr" typeface="Times New Roman"/>
@@ -3460,31 +6230,14 @@
         <a:font script="Viet" typeface="Times New Roman"/>
         <a:font script="Uigh" typeface="Microsoft Uighur"/>
         <a:font script="Geor" typeface="Sylfaen"/>
-        <a:font script="Armn" typeface="Arial"/>
-        <a:font script="Bugi" typeface="Leelawadee UI"/>
-        <a:font script="Bopo" typeface="Microsoft JhengHei"/>
-        <a:font script="Java" typeface="Javanese Text"/>
-        <a:font script="Lisu" typeface="Segoe UI"/>
-        <a:font script="Mymr" typeface="Myanmar Text"/>
-        <a:font script="Nkoo" typeface="Ebrima"/>
-        <a:font script="Olck" typeface="Nirmala UI"/>
-        <a:font script="Osma" typeface="Ebrima"/>
-        <a:font script="Phag" typeface="Phagspa"/>
-        <a:font script="Syrn" typeface="Estrangelo Edessa"/>
-        <a:font script="Syrj" typeface="Estrangelo Edessa"/>
-        <a:font script="Syre" typeface="Estrangelo Edessa"/>
-        <a:font script="Sora" typeface="Nirmala UI"/>
-        <a:font script="Tale" typeface="Microsoft Tai Le"/>
-        <a:font script="Talu" typeface="Microsoft New Tai Lue"/>
-        <a:font script="Tfng" typeface="Ebrima"/>
       </a:majorFont>
       <a:minorFont>
-        <a:latin typeface="Calibri" panose="020F0502020204030204"/>
+        <a:latin typeface="Century Gothic" panose="020B0502020202020204"/>
         <a:ea typeface=""/>
         <a:cs typeface=""/>
-        <a:font script="Jpan" typeface="游ゴシック"/>
+        <a:font script="Jpan" typeface="メイリオ"/>
         <a:font script="Hang" typeface="맑은 고딕"/>
-        <a:font script="Hans" typeface="等线"/>
+        <a:font script="Hans" typeface="宋体"/>
         <a:font script="Hant" typeface="新細明體"/>
         <a:font script="Arab" typeface="Arial"/>
         <a:font script="Hebr" typeface="Arial"/>
@@ -3512,26 +6265,9 @@
         <a:font script="Viet" typeface="Arial"/>
         <a:font script="Uigh" typeface="Microsoft Uighur"/>
         <a:font script="Geor" typeface="Sylfaen"/>
-        <a:font script="Armn" typeface="Arial"/>
-        <a:font script="Bugi" typeface="Leelawadee UI"/>
-        <a:font script="Bopo" typeface="Microsoft JhengHei"/>
-        <a:font script="Java" typeface="Javanese Text"/>
-        <a:font script="Lisu" typeface="Segoe UI"/>
-        <a:font script="Mymr" typeface="Myanmar Text"/>
-        <a:font script="Nkoo" typeface="Ebrima"/>
-        <a:font script="Olck" typeface="Nirmala UI"/>
-        <a:font script="Osma" typeface="Ebrima"/>
-        <a:font script="Phag" typeface="Phagspa"/>
-        <a:font script="Syrn" typeface="Estrangelo Edessa"/>
-        <a:font script="Syrj" typeface="Estrangelo Edessa"/>
-        <a:font script="Syre" typeface="Estrangelo Edessa"/>
-        <a:font script="Sora" typeface="Nirmala UI"/>
-        <a:font script="Tale" typeface="Microsoft Tai Le"/>
-        <a:font script="Talu" typeface="Microsoft New Tai Lue"/>
-        <a:font script="Tfng" typeface="Ebrima"/>
       </a:minorFont>
     </a:fontScheme>
-    <a:fmtScheme name="Стандартная">
+    <a:fmtScheme name="Ион">
       <a:fillStyleLst>
         <a:solidFill>
           <a:schemeClr val="phClr"/>
@@ -3540,23 +6276,15 @@
           <a:gsLst>
             <a:gs pos="0">
               <a:schemeClr val="phClr">
-                <a:lumMod val="110000"/>
-                <a:satMod val="105000"/>
-                <a:tint val="67000"/>
-              </a:schemeClr>
-            </a:gs>
-            <a:gs pos="50000">
-              <a:schemeClr val="phClr">
-                <a:lumMod val="105000"/>
-                <a:satMod val="103000"/>
-                <a:tint val="73000"/>
+                <a:tint val="64000"/>
+                <a:lumMod val="118000"/>
               </a:schemeClr>
             </a:gs>
             <a:gs pos="100000">
               <a:schemeClr val="phClr">
-                <a:lumMod val="105000"/>
-                <a:satMod val="109000"/>
-                <a:tint val="81000"/>
+                <a:tint val="92000"/>
+                <a:alpha val="100000"/>
+                <a:lumMod val="110000"/>
               </a:schemeClr>
             </a:gs>
           </a:gsLst>
@@ -3566,23 +6294,14 @@
           <a:gsLst>
             <a:gs pos="0">
               <a:schemeClr val="phClr">
-                <a:satMod val="103000"/>
-                <a:lumMod val="102000"/>
-                <a:tint val="94000"/>
-              </a:schemeClr>
-            </a:gs>
-            <a:gs pos="50000">
-              <a:schemeClr val="phClr">
-                <a:satMod val="110000"/>
-                <a:lumMod val="100000"/>
-                <a:shade val="100000"/>
+                <a:tint val="98000"/>
+                <a:lumMod val="114000"/>
               </a:schemeClr>
             </a:gs>
             <a:gs pos="100000">
               <a:schemeClr val="phClr">
-                <a:lumMod val="99000"/>
-                <a:satMod val="120000"/>
-                <a:shade val="78000"/>
+                <a:shade val="90000"/>
+                <a:lumMod val="84000"/>
               </a:schemeClr>
             </a:gs>
           </a:gsLst>
@@ -3590,26 +6309,23 @@
         </a:gradFill>
       </a:fillStyleLst>
       <a:lnStyleLst>
-        <a:ln w="6350" cap="flat" cmpd="sng" algn="ctr">
+        <a:ln w="9525" cap="rnd" cmpd="sng" algn="ctr">
           <a:solidFill>
             <a:schemeClr val="phClr"/>
           </a:solidFill>
           <a:prstDash val="solid"/>
-          <a:miter lim="800000"/>
         </a:ln>
-        <a:ln w="12700" cap="flat" cmpd="sng" algn="ctr">
+        <a:ln w="19050" cap="rnd" cmpd="sng" algn="ctr">
           <a:solidFill>
             <a:schemeClr val="phClr"/>
           </a:solidFill>
           <a:prstDash val="solid"/>
-          <a:miter lim="800000"/>
         </a:ln>
-        <a:ln w="19050" cap="flat" cmpd="sng" algn="ctr">
+        <a:ln w="28575" cap="rnd" cmpd="sng" algn="ctr">
           <a:solidFill>
             <a:schemeClr val="phClr"/>
           </a:solidFill>
           <a:prstDash val="solid"/>
-          <a:miter lim="800000"/>
         </a:ln>
       </a:lnStyleLst>
       <a:effectStyleLst>
@@ -3617,55 +6333,80 @@
           <a:effectLst/>
         </a:effectStyle>
         <a:effectStyle>
-          <a:effectLst/>
+          <a:effectLst>
+            <a:outerShdw blurRad="38100" dist="25400" dir="5400000" rotWithShape="0">
+              <a:srgbClr val="000000">
+                <a:alpha val="45000"/>
+              </a:srgbClr>
+            </a:outerShdw>
+          </a:effectLst>
         </a:effectStyle>
         <a:effectStyle>
           <a:effectLst>
-            <a:outerShdw blurRad="57150" dist="19050" dir="5400000" algn="ctr" rotWithShape="0">
+            <a:outerShdw blurRad="63500" dist="38100" dir="5400000" rotWithShape="0">
               <a:srgbClr val="000000">
-                <a:alpha val="63000"/>
+                <a:alpha val="60000"/>
               </a:srgbClr>
             </a:outerShdw>
           </a:effectLst>
+          <a:scene3d>
+            <a:camera prst="orthographicFront">
+              <a:rot lat="0" lon="0" rev="0"/>
+            </a:camera>
+            <a:lightRig rig="threePt" dir="tl"/>
+          </a:scene3d>
+          <a:sp3d prstMaterial="plastic">
+            <a:bevelT w="0" h="0"/>
+          </a:sp3d>
         </a:effectStyle>
       </a:effectStyleLst>
       <a:bgFillStyleLst>
         <a:solidFill>
           <a:schemeClr val="phClr"/>
         </a:solidFill>
-        <a:solidFill>
-          <a:schemeClr val="phClr">
-            <a:tint val="95000"/>
-            <a:satMod val="170000"/>
-          </a:schemeClr>
-        </a:solidFill>
         <a:gradFill rotWithShape="1">
           <a:gsLst>
             <a:gs pos="0">
               <a:schemeClr val="phClr">
-                <a:tint val="93000"/>
-                <a:satMod val="150000"/>
-                <a:shade val="98000"/>
-                <a:lumMod val="102000"/>
-              </a:schemeClr>
-            </a:gs>
-            <a:gs pos="50000">
-              <a:schemeClr val="phClr">
-                <a:tint val="98000"/>
+                <a:tint val="97000"/>
+                <a:hueMod val="88000"/>
                 <a:satMod val="130000"/>
-                <a:shade val="90000"/>
-                <a:lumMod val="103000"/>
+                <a:lumMod val="124000"/>
               </a:schemeClr>
             </a:gs>
             <a:gs pos="100000">
               <a:schemeClr val="phClr">
-                <a:shade val="63000"/>
-                <a:satMod val="120000"/>
+                <a:tint val="96000"/>
+                <a:shade val="88000"/>
+                <a:hueMod val="108000"/>
+                <a:satMod val="164000"/>
+                <a:lumMod val="76000"/>
               </a:schemeClr>
             </a:gs>
           </a:gsLst>
-          <a:lin ang="5400000" scaled="0"/>
+          <a:path path="circle">
+            <a:fillToRect l="45000" t="65000" r="125000" b="100000"/>
+          </a:path>
         </a:gradFill>
+        <a:blipFill rotWithShape="1">
+          <a:blip xmlns:r="http://schemas.openxmlformats.org/officeDocument/2006/relationships" r:embed="rId1">
+            <a:duotone>
+              <a:schemeClr val="phClr">
+                <a:shade val="69000"/>
+                <a:hueMod val="108000"/>
+                <a:satMod val="164000"/>
+                <a:lumMod val="74000"/>
+              </a:schemeClr>
+              <a:schemeClr val="phClr">
+                <a:tint val="96000"/>
+                <a:hueMod val="88000"/>
+                <a:satMod val="140000"/>
+                <a:lumMod val="132000"/>
+              </a:schemeClr>
+            </a:duotone>
+          </a:blip>
+          <a:stretch/>
+        </a:blipFill>
       </a:bgFillStyleLst>
     </a:fmtScheme>
   </a:themeElements>
@@ -3673,7 +6414,7 @@
   <a:extraClrSchemeLst/>
   <a:extLst>
     <a:ext uri="{05A4C25C-085E-4340-85A3-A5531E510DB2}">
-      <thm15:themeFamily xmlns:thm15="http://schemas.microsoft.com/office/thememl/2012/main" name="Office Theme" id="{62F939B6-93AF-4DB8-9C6B-D6C7DFDC589F}" vid="{4A3C46E8-61CC-4603-A589-7422A47A8E4A}"/>
+      <thm15:themeFamily xmlns:thm15="http://schemas.microsoft.com/office/thememl/2012/main" name="Ion" id="{B8441ADB-2E43-4AF7-B97A-BD870242C6A8}" vid="{292E63A9-BB86-4E3D-B92A-7223C6510D2E}"/>
     </a:ext>
   </a:extLst>
 </a:theme>

--- a/Презентация.pptx
+++ b/Презентация.pptx
@@ -6112,7 +6112,10 @@
           <a:bodyPr/>
           <a:lstStyle/>
           <a:p>
-            <a:endParaRPr lang="ru-RU"/>
+            <a:r>
+              <a:rPr lang="ru-RU" dirty="0"/>
+              <a:t>Для ПР6</a:t>
+            </a:r>
           </a:p>
         </p:txBody>
       </p:sp>
@@ -6137,7 +6140,10 @@
           <a:bodyPr/>
           <a:lstStyle/>
           <a:p>
-            <a:endParaRPr lang="ru-RU"/>
+            <a:r>
+              <a:rPr lang="ru-RU" dirty="0"/>
+              <a:t>Аюбов с пр-21.102</a:t>
+            </a:r>
           </a:p>
         </p:txBody>
       </p:sp>

--- a/Презентация.pptx
+++ b/Презентация.pptx
@@ -6,6 +6,7 @@
   </p:sldMasterIdLst>
   <p:sldIdLst>
     <p:sldId id="256" r:id="rId2"/>
+    <p:sldId id="257" r:id="rId3"/>
   </p:sldIdLst>
   <p:sldSz cx="12192000" cy="6858000"/>
   <p:notesSz cx="6858000" cy="9144000"/>
@@ -6160,6 +6161,86 @@
 </p:sld>
 </file>
 
+<file path=ppt/slides/slide2.xml><?xml version="1.0" encoding="utf-8"?>
+<p:sld xmlns:a="http://schemas.openxmlformats.org/drawingml/2006/main" xmlns:r="http://schemas.openxmlformats.org/officeDocument/2006/relationships" xmlns:p="http://schemas.openxmlformats.org/presentationml/2006/main">
+  <p:cSld>
+    <p:spTree>
+      <p:nvGrpSpPr>
+        <p:cNvPr id="1" name=""/>
+        <p:cNvGrpSpPr/>
+        <p:nvPr/>
+      </p:nvGrpSpPr>
+      <p:grpSpPr>
+        <a:xfrm>
+          <a:off x="0" y="0"/>
+          <a:ext cx="0" cy="0"/>
+          <a:chOff x="0" y="0"/>
+          <a:chExt cx="0" cy="0"/>
+        </a:xfrm>
+      </p:grpSpPr>
+      <p:sp>
+        <p:nvSpPr>
+          <p:cNvPr id="2" name="Заголовок 1">
+            <a:extLst>
+              <a:ext uri="{FF2B5EF4-FFF2-40B4-BE49-F238E27FC236}">
+                <a16:creationId xmlns:a16="http://schemas.microsoft.com/office/drawing/2014/main" id="{87E8655A-EF18-73A6-92FD-F2E239C4CA9C}"/>
+              </a:ext>
+            </a:extLst>
+          </p:cNvPr>
+          <p:cNvSpPr>
+            <a:spLocks noGrp="1"/>
+          </p:cNvSpPr>
+          <p:nvPr>
+            <p:ph type="title"/>
+          </p:nvPr>
+        </p:nvSpPr>
+        <p:spPr/>
+        <p:txBody>
+          <a:bodyPr/>
+          <a:lstStyle/>
+          <a:p>
+            <a:endParaRPr lang="ru-RU"/>
+          </a:p>
+        </p:txBody>
+      </p:sp>
+      <p:sp>
+        <p:nvSpPr>
+          <p:cNvPr id="3" name="Объект 2">
+            <a:extLst>
+              <a:ext uri="{FF2B5EF4-FFF2-40B4-BE49-F238E27FC236}">
+                <a16:creationId xmlns:a16="http://schemas.microsoft.com/office/drawing/2014/main" id="{B20C2EFB-C7A8-3685-3AE0-D359F77603C7}"/>
+              </a:ext>
+            </a:extLst>
+          </p:cNvPr>
+          <p:cNvSpPr>
+            <a:spLocks noGrp="1"/>
+          </p:cNvSpPr>
+          <p:nvPr>
+            <p:ph idx="1"/>
+          </p:nvPr>
+        </p:nvSpPr>
+        <p:spPr/>
+        <p:txBody>
+          <a:bodyPr/>
+          <a:lstStyle/>
+          <a:p>
+            <a:endParaRPr lang="ru-RU"/>
+          </a:p>
+        </p:txBody>
+      </p:sp>
+    </p:spTree>
+    <p:extLst>
+      <p:ext uri="{BB962C8B-B14F-4D97-AF65-F5344CB8AC3E}">
+        <p14:creationId xmlns:p14="http://schemas.microsoft.com/office/powerpoint/2010/main" val="2752828828"/>
+      </p:ext>
+    </p:extLst>
+  </p:cSld>
+  <p:clrMapOvr>
+    <a:masterClrMapping/>
+  </p:clrMapOvr>
+</p:sld>
+</file>
+
 <file path=ppt/theme/theme1.xml><?xml version="1.0" encoding="utf-8"?>
 <a:theme xmlns:a="http://schemas.openxmlformats.org/drawingml/2006/main" name="Ион">
   <a:themeElements>

--- a/Презентация.pptx
+++ b/Презентация.pptx
@@ -6199,7 +6199,10 @@
           <a:bodyPr/>
           <a:lstStyle/>
           <a:p>
-            <a:endParaRPr lang="ru-RU"/>
+            <a:r>
+              <a:rPr lang="ru-RU"/>
+              <a:t>Следствие ведут колобки</a:t>
+            </a:r>
           </a:p>
         </p:txBody>
       </p:sp>

--- a/Презентация.pptx
+++ b/Презентация.pptx
@@ -6227,7 +6227,10 @@
           <a:bodyPr/>
           <a:lstStyle/>
           <a:p>
-            <a:endParaRPr lang="ru-RU"/>
+            <a:r>
+              <a:rPr lang="ru-RU"/>
+              <a:t>Год - 1986</a:t>
+            </a:r>
           </a:p>
         </p:txBody>
       </p:sp>

--- a/Презентация.pptx
+++ b/Презентация.pptx
@@ -6234,6 +6234,114 @@
           </a:p>
         </p:txBody>
       </p:sp>
+      <p:pic>
+        <p:nvPicPr>
+          <p:cNvPr id="5" name="Рисунок 4">
+            <a:extLst>
+              <a:ext uri="{FF2B5EF4-FFF2-40B4-BE49-F238E27FC236}">
+                <a16:creationId xmlns:a16="http://schemas.microsoft.com/office/drawing/2014/main" id="{4887C136-8BD4-564D-3C8A-63735AEF041B}"/>
+              </a:ext>
+            </a:extLst>
+          </p:cNvPr>
+          <p:cNvPicPr>
+            <a:picLocks noChangeAspect="1"/>
+          </p:cNvPicPr>
+          <p:nvPr/>
+        </p:nvPicPr>
+        <p:blipFill>
+          <a:blip r:embed="rId2">
+            <a:extLst>
+              <a:ext uri="{28A0092B-C50C-407E-A947-70E740481C1C}">
+                <a14:useLocalDpi xmlns:a14="http://schemas.microsoft.com/office/drawing/2010/main" val="0"/>
+              </a:ext>
+            </a:extLst>
+          </a:blip>
+          <a:stretch>
+            <a:fillRect/>
+          </a:stretch>
+        </p:blipFill>
+        <p:spPr>
+          <a:xfrm>
+            <a:off x="1103312" y="2687523"/>
+            <a:ext cx="4813777" cy="3637076"/>
+          </a:xfrm>
+          <a:prstGeom prst="rect">
+            <a:avLst/>
+          </a:prstGeom>
+        </p:spPr>
+      </p:pic>
+      <p:pic>
+        <p:nvPicPr>
+          <p:cNvPr id="7" name="Рисунок 6">
+            <a:extLst>
+              <a:ext uri="{FF2B5EF4-FFF2-40B4-BE49-F238E27FC236}">
+                <a16:creationId xmlns:a16="http://schemas.microsoft.com/office/drawing/2014/main" id="{E00A76F3-C2E4-C713-4A85-A92A5B118522}"/>
+              </a:ext>
+            </a:extLst>
+          </p:cNvPr>
+          <p:cNvPicPr>
+            <a:picLocks noChangeAspect="1"/>
+          </p:cNvPicPr>
+          <p:nvPr/>
+        </p:nvPicPr>
+        <p:blipFill>
+          <a:blip r:embed="rId3">
+            <a:extLst>
+              <a:ext uri="{28A0092B-C50C-407E-A947-70E740481C1C}">
+                <a14:useLocalDpi xmlns:a14="http://schemas.microsoft.com/office/drawing/2010/main" val="0"/>
+              </a:ext>
+            </a:extLst>
+          </a:blip>
+          <a:stretch>
+            <a:fillRect/>
+          </a:stretch>
+        </p:blipFill>
+        <p:spPr>
+          <a:xfrm>
+            <a:off x="5235072" y="1670384"/>
+            <a:ext cx="3957053" cy="2967790"/>
+          </a:xfrm>
+          <a:prstGeom prst="rect">
+            <a:avLst/>
+          </a:prstGeom>
+        </p:spPr>
+      </p:pic>
+      <p:pic>
+        <p:nvPicPr>
+          <p:cNvPr id="9" name="Рисунок 8">
+            <a:extLst>
+              <a:ext uri="{FF2B5EF4-FFF2-40B4-BE49-F238E27FC236}">
+                <a16:creationId xmlns:a16="http://schemas.microsoft.com/office/drawing/2014/main" id="{00905253-DCFE-BAF7-2AA8-F37FC862EDA5}"/>
+              </a:ext>
+            </a:extLst>
+          </p:cNvPr>
+          <p:cNvPicPr>
+            <a:picLocks noChangeAspect="1"/>
+          </p:cNvPicPr>
+          <p:nvPr/>
+        </p:nvPicPr>
+        <p:blipFill>
+          <a:blip r:embed="rId4">
+            <a:extLst>
+              <a:ext uri="{28A0092B-C50C-407E-A947-70E740481C1C}">
+                <a14:useLocalDpi xmlns:a14="http://schemas.microsoft.com/office/drawing/2010/main" val="0"/>
+              </a:ext>
+            </a:extLst>
+          </a:blip>
+          <a:stretch>
+            <a:fillRect/>
+          </a:stretch>
+        </p:blipFill>
+        <p:spPr>
+          <a:xfrm>
+            <a:off x="5630779" y="3038400"/>
+            <a:ext cx="5709143" cy="3209999"/>
+          </a:xfrm>
+          <a:prstGeom prst="rect">
+            <a:avLst/>
+          </a:prstGeom>
+        </p:spPr>
+      </p:pic>
     </p:spTree>
     <p:extLst>
       <p:ext uri="{BB962C8B-B14F-4D97-AF65-F5344CB8AC3E}">

--- a/Презентация.pptx
+++ b/Презентация.pptx
@@ -7,6 +7,7 @@
   <p:sldIdLst>
     <p:sldId id="256" r:id="rId2"/>
     <p:sldId id="257" r:id="rId3"/>
+    <p:sldId id="258" r:id="rId4"/>
   </p:sldIdLst>
   <p:sldSz cx="12192000" cy="6858000"/>
   <p:notesSz cx="6858000" cy="9144000"/>
@@ -6355,6 +6356,86 @@
 </p:sld>
 </file>
 
+<file path=ppt/slides/slide3.xml><?xml version="1.0" encoding="utf-8"?>
+<p:sld xmlns:a="http://schemas.openxmlformats.org/drawingml/2006/main" xmlns:r="http://schemas.openxmlformats.org/officeDocument/2006/relationships" xmlns:p="http://schemas.openxmlformats.org/presentationml/2006/main">
+  <p:cSld>
+    <p:spTree>
+      <p:nvGrpSpPr>
+        <p:cNvPr id="1" name=""/>
+        <p:cNvGrpSpPr/>
+        <p:nvPr/>
+      </p:nvGrpSpPr>
+      <p:grpSpPr>
+        <a:xfrm>
+          <a:off x="0" y="0"/>
+          <a:ext cx="0" cy="0"/>
+          <a:chOff x="0" y="0"/>
+          <a:chExt cx="0" cy="0"/>
+        </a:xfrm>
+      </p:grpSpPr>
+      <p:sp>
+        <p:nvSpPr>
+          <p:cNvPr id="2" name="Заголовок 1">
+            <a:extLst>
+              <a:ext uri="{FF2B5EF4-FFF2-40B4-BE49-F238E27FC236}">
+                <a16:creationId xmlns:a16="http://schemas.microsoft.com/office/drawing/2014/main" id="{7CAA550D-38F0-D048-3EF9-82B1FAC1D7C1}"/>
+              </a:ext>
+            </a:extLst>
+          </p:cNvPr>
+          <p:cNvSpPr>
+            <a:spLocks noGrp="1"/>
+          </p:cNvSpPr>
+          <p:nvPr>
+            <p:ph type="title"/>
+          </p:nvPr>
+        </p:nvSpPr>
+        <p:spPr/>
+        <p:txBody>
+          <a:bodyPr/>
+          <a:lstStyle/>
+          <a:p>
+            <a:endParaRPr lang="ru-RU"/>
+          </a:p>
+        </p:txBody>
+      </p:sp>
+      <p:sp>
+        <p:nvSpPr>
+          <p:cNvPr id="3" name="Объект 2">
+            <a:extLst>
+              <a:ext uri="{FF2B5EF4-FFF2-40B4-BE49-F238E27FC236}">
+                <a16:creationId xmlns:a16="http://schemas.microsoft.com/office/drawing/2014/main" id="{1966D669-196F-563F-7056-03C35509A9AA}"/>
+              </a:ext>
+            </a:extLst>
+          </p:cNvPr>
+          <p:cNvSpPr>
+            <a:spLocks noGrp="1"/>
+          </p:cNvSpPr>
+          <p:nvPr>
+            <p:ph idx="1"/>
+          </p:nvPr>
+        </p:nvSpPr>
+        <p:spPr/>
+        <p:txBody>
+          <a:bodyPr/>
+          <a:lstStyle/>
+          <a:p>
+            <a:endParaRPr lang="ru-RU"/>
+          </a:p>
+        </p:txBody>
+      </p:sp>
+    </p:spTree>
+    <p:extLst>
+      <p:ext uri="{BB962C8B-B14F-4D97-AF65-F5344CB8AC3E}">
+        <p14:creationId xmlns:p14="http://schemas.microsoft.com/office/powerpoint/2010/main" val="1059171552"/>
+      </p:ext>
+    </p:extLst>
+  </p:cSld>
+  <p:clrMapOvr>
+    <a:masterClrMapping/>
+  </p:clrMapOvr>
+</p:sld>
+</file>
+
 <file path=ppt/theme/theme1.xml><?xml version="1.0" encoding="utf-8"?>
 <a:theme xmlns:a="http://schemas.openxmlformats.org/drawingml/2006/main" name="Ион">
   <a:themeElements>

--- a/Презентация.pptx
+++ b/Презентация.pptx
@@ -6394,7 +6394,10 @@
           <a:bodyPr/>
           <a:lstStyle/>
           <a:p>
-            <a:endParaRPr lang="ru-RU"/>
+            <a:r>
+              <a:rPr lang="ru-RU" dirty="0"/>
+              <a:t>Ух ты, говорящая рыба!</a:t>
+            </a:r>
           </a:p>
         </p:txBody>
       </p:sp>

--- a/Презентация.pptx
+++ b/Презентация.pptx
@@ -6422,7 +6422,10 @@
           <a:bodyPr/>
           <a:lstStyle/>
           <a:p>
-            <a:endParaRPr lang="ru-RU"/>
+            <a:r>
+              <a:rPr lang="ru-RU"/>
+              <a:t>Год  - 1983</a:t>
+            </a:r>
           </a:p>
         </p:txBody>
       </p:sp>

--- a/Презентация.pptx
+++ b/Презентация.pptx
@@ -6429,6 +6429,114 @@
           </a:p>
         </p:txBody>
       </p:sp>
+      <p:pic>
+        <p:nvPicPr>
+          <p:cNvPr id="5" name="Рисунок 4">
+            <a:extLst>
+              <a:ext uri="{FF2B5EF4-FFF2-40B4-BE49-F238E27FC236}">
+                <a16:creationId xmlns:a16="http://schemas.microsoft.com/office/drawing/2014/main" id="{256B053E-CA07-57BE-F2BB-FED8B115884B}"/>
+              </a:ext>
+            </a:extLst>
+          </p:cNvPr>
+          <p:cNvPicPr>
+            <a:picLocks noChangeAspect="1"/>
+          </p:cNvPicPr>
+          <p:nvPr/>
+        </p:nvPicPr>
+        <p:blipFill>
+          <a:blip r:embed="rId2">
+            <a:extLst>
+              <a:ext uri="{28A0092B-C50C-407E-A947-70E740481C1C}">
+                <a14:useLocalDpi xmlns:a14="http://schemas.microsoft.com/office/drawing/2010/main" val="0"/>
+              </a:ext>
+            </a:extLst>
+          </a:blip>
+          <a:stretch>
+            <a:fillRect/>
+          </a:stretch>
+        </p:blipFill>
+        <p:spPr>
+          <a:xfrm>
+            <a:off x="1925053" y="2637588"/>
+            <a:ext cx="5416216" cy="3610811"/>
+          </a:xfrm>
+          <a:prstGeom prst="rect">
+            <a:avLst/>
+          </a:prstGeom>
+        </p:spPr>
+      </p:pic>
+      <p:pic>
+        <p:nvPicPr>
+          <p:cNvPr id="7" name="Рисунок 6">
+            <a:extLst>
+              <a:ext uri="{FF2B5EF4-FFF2-40B4-BE49-F238E27FC236}">
+                <a16:creationId xmlns:a16="http://schemas.microsoft.com/office/drawing/2014/main" id="{9BE8CD96-CCA2-C330-E9F3-45EE31285A2F}"/>
+              </a:ext>
+            </a:extLst>
+          </p:cNvPr>
+          <p:cNvPicPr>
+            <a:picLocks noChangeAspect="1"/>
+          </p:cNvPicPr>
+          <p:nvPr/>
+        </p:nvPicPr>
+        <p:blipFill>
+          <a:blip r:embed="rId3">
+            <a:extLst>
+              <a:ext uri="{28A0092B-C50C-407E-A947-70E740481C1C}">
+                <a14:useLocalDpi xmlns:a14="http://schemas.microsoft.com/office/drawing/2010/main" val="0"/>
+              </a:ext>
+            </a:extLst>
+          </a:blip>
+          <a:stretch>
+            <a:fillRect/>
+          </a:stretch>
+        </p:blipFill>
+        <p:spPr>
+          <a:xfrm>
+            <a:off x="6096000" y="1451971"/>
+            <a:ext cx="4265408" cy="3412326"/>
+          </a:xfrm>
+          <a:prstGeom prst="rect">
+            <a:avLst/>
+          </a:prstGeom>
+        </p:spPr>
+      </p:pic>
+      <p:pic>
+        <p:nvPicPr>
+          <p:cNvPr id="13" name="Рисунок 12">
+            <a:extLst>
+              <a:ext uri="{FF2B5EF4-FFF2-40B4-BE49-F238E27FC236}">
+                <a16:creationId xmlns:a16="http://schemas.microsoft.com/office/drawing/2014/main" id="{4A37A1B2-1ABA-96FC-FF9F-E090E421E49D}"/>
+              </a:ext>
+            </a:extLst>
+          </p:cNvPr>
+          <p:cNvPicPr>
+            <a:picLocks noChangeAspect="1"/>
+          </p:cNvPicPr>
+          <p:nvPr/>
+        </p:nvPicPr>
+        <p:blipFill>
+          <a:blip r:embed="rId4">
+            <a:extLst>
+              <a:ext uri="{28A0092B-C50C-407E-A947-70E740481C1C}">
+                <a14:useLocalDpi xmlns:a14="http://schemas.microsoft.com/office/drawing/2010/main" val="0"/>
+              </a:ext>
+            </a:extLst>
+          </a:blip>
+          <a:stretch>
+            <a:fillRect/>
+          </a:stretch>
+        </p:blipFill>
+        <p:spPr>
+          <a:xfrm>
+            <a:off x="5576582" y="3359493"/>
+            <a:ext cx="4427621" cy="3320716"/>
+          </a:xfrm>
+          <a:prstGeom prst="rect">
+            <a:avLst/>
+          </a:prstGeom>
+        </p:spPr>
+      </p:pic>
     </p:spTree>
     <p:extLst>
       <p:ext uri="{BB962C8B-B14F-4D97-AF65-F5344CB8AC3E}">

--- a/Презентация.pptx
+++ b/Презентация.pptx
@@ -8,6 +8,7 @@
     <p:sldId id="256" r:id="rId2"/>
     <p:sldId id="257" r:id="rId3"/>
     <p:sldId id="258" r:id="rId4"/>
+    <p:sldId id="259" r:id="rId5"/>
   </p:sldIdLst>
   <p:sldSz cx="12192000" cy="6858000"/>
   <p:notesSz cx="6858000" cy="9144000"/>
@@ -6550,6 +6551,109 @@
 </p:sld>
 </file>
 
+<file path=ppt/slides/slide4.xml><?xml version="1.0" encoding="utf-8"?>
+<p:sld xmlns:a="http://schemas.openxmlformats.org/drawingml/2006/main" xmlns:r="http://schemas.openxmlformats.org/officeDocument/2006/relationships" xmlns:p="http://schemas.openxmlformats.org/presentationml/2006/main">
+  <p:cSld>
+    <p:spTree>
+      <p:nvGrpSpPr>
+        <p:cNvPr id="1" name=""/>
+        <p:cNvGrpSpPr/>
+        <p:nvPr/>
+      </p:nvGrpSpPr>
+      <p:grpSpPr>
+        <a:xfrm>
+          <a:off x="0" y="0"/>
+          <a:ext cx="0" cy="0"/>
+          <a:chOff x="0" y="0"/>
+          <a:chExt cx="0" cy="0"/>
+        </a:xfrm>
+      </p:grpSpPr>
+      <p:sp>
+        <p:nvSpPr>
+          <p:cNvPr id="4" name="Прямоугольник 3">
+            <a:extLst>
+              <a:ext uri="{FF2B5EF4-FFF2-40B4-BE49-F238E27FC236}">
+                <a16:creationId xmlns:a16="http://schemas.microsoft.com/office/drawing/2014/main" id="{B9FAC053-3A7C-5843-8D04-0DA19061143F}"/>
+              </a:ext>
+            </a:extLst>
+          </p:cNvPr>
+          <p:cNvSpPr/>
+          <p:nvPr/>
+        </p:nvSpPr>
+        <p:spPr>
+          <a:xfrm>
+            <a:off x="1814218" y="2551837"/>
+            <a:ext cx="8563563" cy="1754326"/>
+          </a:xfrm>
+          <a:prstGeom prst="rect">
+            <a:avLst/>
+          </a:prstGeom>
+          <a:noFill/>
+        </p:spPr>
+        <p:txBody>
+          <a:bodyPr wrap="none" lIns="91440" tIns="45720" rIns="91440" bIns="45720">
+            <a:spAutoFit/>
+            <a:scene3d>
+              <a:camera prst="orthographicFront"/>
+              <a:lightRig rig="harsh" dir="t"/>
+            </a:scene3d>
+            <a:sp3d extrusionH="57150" prstMaterial="matte">
+              <a:bevelT w="63500" h="12700" prst="angle"/>
+              <a:contourClr>
+                <a:schemeClr val="bg1">
+                  <a:lumMod val="65000"/>
+                </a:schemeClr>
+              </a:contourClr>
+            </a:sp3d>
+          </a:bodyPr>
+          <a:lstStyle/>
+          <a:p>
+            <a:pPr algn="ctr"/>
+            <a:r>
+              <a:rPr lang="ru-RU" sz="5400" b="1" cap="none" spc="0" dirty="0">
+                <a:ln/>
+                <a:solidFill>
+                  <a:schemeClr val="accent3"/>
+                </a:solidFill>
+                <a:effectLst/>
+              </a:rPr>
+              <a:t>Внимание!!!</a:t>
+            </a:r>
+            <a:br>
+              <a:rPr lang="ru-RU" sz="5400" b="1" cap="none" spc="0" dirty="0">
+                <a:ln/>
+                <a:solidFill>
+                  <a:schemeClr val="accent3"/>
+                </a:solidFill>
+                <a:effectLst/>
+              </a:rPr>
+            </a:br>
+            <a:r>
+              <a:rPr lang="ru-RU" sz="5400" b="1" cap="none" spc="0" dirty="0">
+                <a:ln/>
+                <a:solidFill>
+                  <a:schemeClr val="accent3"/>
+                </a:solidFill>
+                <a:effectLst/>
+              </a:rPr>
+              <a:t>Спасибо за внимание!!!</a:t>
+            </a:r>
+          </a:p>
+        </p:txBody>
+      </p:sp>
+    </p:spTree>
+    <p:extLst>
+      <p:ext uri="{BB962C8B-B14F-4D97-AF65-F5344CB8AC3E}">
+        <p14:creationId xmlns:p14="http://schemas.microsoft.com/office/powerpoint/2010/main" val="1954860689"/>
+      </p:ext>
+    </p:extLst>
+  </p:cSld>
+  <p:clrMapOvr>
+    <a:masterClrMapping/>
+  </p:clrMapOvr>
+</p:sld>
+</file>
+
 <file path=ppt/theme/theme1.xml><?xml version="1.0" encoding="utf-8"?>
 <a:theme xmlns:a="http://schemas.openxmlformats.org/drawingml/2006/main" name="Ион">
   <a:themeElements>
